--- a/POO/aulas/Aula_2.pptx
+++ b/POO/aulas/Aula_2.pptx
@@ -8,13 +8,17 @@
     <p:sldId id="256" r:id="rId2"/>
     <p:sldId id="257" r:id="rId3"/>
     <p:sldId id="258" r:id="rId4"/>
-    <p:sldId id="259" r:id="rId5"/>
-    <p:sldId id="260" r:id="rId6"/>
-    <p:sldId id="261" r:id="rId7"/>
-    <p:sldId id="262" r:id="rId8"/>
-    <p:sldId id="263" r:id="rId9"/>
-    <p:sldId id="264" r:id="rId10"/>
-    <p:sldId id="265" r:id="rId11"/>
+    <p:sldId id="260" r:id="rId5"/>
+    <p:sldId id="266" r:id="rId6"/>
+    <p:sldId id="263" r:id="rId7"/>
+    <p:sldId id="264" r:id="rId8"/>
+    <p:sldId id="265" r:id="rId9"/>
+    <p:sldId id="267" r:id="rId10"/>
+    <p:sldId id="268" r:id="rId11"/>
+    <p:sldId id="269" r:id="rId12"/>
+    <p:sldId id="270" r:id="rId13"/>
+    <p:sldId id="271" r:id="rId14"/>
+    <p:sldId id="272" r:id="rId15"/>
   </p:sldIdLst>
   <p:sldSz cx="12192000" cy="6858000"/>
   <p:notesSz cx="6858000" cy="9144000"/>
@@ -3612,12 +3616,12 @@
         <p:spPr>
           <a:xfrm>
             <a:off x="892817" y="3849845"/>
-            <a:ext cx="4425551" cy="1881751"/>
+            <a:ext cx="6921055" cy="1881751"/>
           </a:xfrm>
         </p:spPr>
         <p:txBody>
           <a:bodyPr>
-            <a:normAutofit/>
+            <a:normAutofit lnSpcReduction="10000"/>
           </a:bodyPr>
           <a:lstStyle/>
           <a:p>
@@ -3630,6 +3634,65 @@
               </a:rPr>
               <a:t>Prof. Dr. Anderson Rodrigues</a:t>
             </a:r>
+          </a:p>
+          <a:p>
+            <a:pPr algn="l"/>
+            <a:endParaRPr lang="pt-BR" dirty="0">
+              <a:solidFill>
+                <a:srgbClr val="FFFFFF"/>
+              </a:solidFill>
+            </a:endParaRPr>
+          </a:p>
+          <a:p>
+            <a:pPr algn="l"/>
+            <a:r>
+              <a:rPr lang="pt-BR" sz="2000" dirty="0">
+                <a:solidFill>
+                  <a:srgbClr val="FFFFFF"/>
+                </a:solidFill>
+              </a:rPr>
+              <a:t>Link com material:</a:t>
+            </a:r>
+          </a:p>
+          <a:p>
+            <a:pPr algn="l"/>
+            <a:r>
+              <a:rPr lang="pt-BR" sz="2000" dirty="0">
+                <a:solidFill>
+                  <a:srgbClr val="FFFFFF"/>
+                </a:solidFill>
+              </a:rPr>
+              <a:t>https://</a:t>
+            </a:r>
+            <a:r>
+              <a:rPr lang="pt-BR" sz="2000" dirty="0" err="1">
+                <a:solidFill>
+                  <a:srgbClr val="FFFFFF"/>
+                </a:solidFill>
+              </a:rPr>
+              <a:t>drive.google.com</a:t>
+            </a:r>
+            <a:r>
+              <a:rPr lang="pt-BR" sz="2000" dirty="0">
+                <a:solidFill>
+                  <a:srgbClr val="FFFFFF"/>
+                </a:solidFill>
+              </a:rPr>
+              <a:t>/drive/folders/1TKG_7kWpPFoUzhwSsniYzIYR_1I2AFwi?usp=</a:t>
+            </a:r>
+            <a:r>
+              <a:rPr lang="pt-BR" sz="2000" dirty="0" err="1">
+                <a:solidFill>
+                  <a:srgbClr val="FFFFFF"/>
+                </a:solidFill>
+              </a:rPr>
+              <a:t>sharing</a:t>
+            </a:r>
+            <a:endParaRPr lang="pt-BR" dirty="0">
+              <a:solidFill>
+                <a:srgbClr val="FFFFFF"/>
+              </a:solidFill>
+            </a:endParaRPr>
           </a:p>
         </p:txBody>
       </p:sp>
@@ -4424,7 +4487,7 @@
                   <a:schemeClr val="bg1"/>
                 </a:solidFill>
               </a:rPr>
-              <a:t>Tipos complexos no</a:t>
+              <a:t>Estruturas de controle condicionais no</a:t>
             </a:r>
             <a:r>
               <a:rPr lang="pt-BR" b="1" dirty="0">
@@ -4579,10 +4642,10 @@
       </p:pic>
       <p:sp>
         <p:nvSpPr>
-          <p:cNvPr id="16" name="CaixaDeTexto 15">
-            <a:extLst>
-              <a:ext uri="{FF2B5EF4-FFF2-40B4-BE49-F238E27FC236}">
-                <a16:creationId xmlns:a16="http://schemas.microsoft.com/office/drawing/2014/main" id="{4CFBE1C0-A66F-F7DD-93F9-3915DE5ED191}"/>
+          <p:cNvPr id="6" name="CaixaDeTexto 5">
+            <a:extLst>
+              <a:ext uri="{FF2B5EF4-FFF2-40B4-BE49-F238E27FC236}">
+                <a16:creationId xmlns:a16="http://schemas.microsoft.com/office/drawing/2014/main" id="{23C8520E-1427-4DC0-83E8-24704CE18FA6}"/>
               </a:ext>
             </a:extLst>
           </p:cNvPr>
@@ -4591,8 +4654,8 @@
         </p:nvSpPr>
         <p:spPr>
           <a:xfrm>
-            <a:off x="4322286" y="224442"/>
-            <a:ext cx="1514902" cy="369332"/>
+            <a:off x="4322286" y="385226"/>
+            <a:ext cx="2492349" cy="369332"/>
           </a:xfrm>
           <a:prstGeom prst="rect">
             <a:avLst/>
@@ -4606,96 +4669,28 @@
           <a:lstStyle/>
           <a:p>
             <a:r>
+              <a:rPr lang="pt-BR" dirty="0" err="1"/>
+              <a:t>if</a:t>
+            </a:r>
+            <a:r>
               <a:rPr lang="pt-BR" dirty="0"/>
-              <a:t>Objeto: </a:t>
-            </a:r>
-            <a:r>
-              <a:rPr lang="pt-BR" i="1" dirty="0" err="1"/>
-              <a:t>object</a:t>
-            </a:r>
-            <a:endParaRPr lang="pt-BR" i="1" dirty="0"/>
-          </a:p>
-        </p:txBody>
-      </p:sp>
-      <p:sp>
-        <p:nvSpPr>
-          <p:cNvPr id="17" name="CaixaDeTexto 16">
-            <a:extLst>
-              <a:ext uri="{FF2B5EF4-FFF2-40B4-BE49-F238E27FC236}">
-                <a16:creationId xmlns:a16="http://schemas.microsoft.com/office/drawing/2014/main" id="{8CC5C1E9-F591-06D3-FE36-70B50365CA7E}"/>
-              </a:ext>
-            </a:extLst>
-          </p:cNvPr>
-          <p:cNvSpPr txBox="1"/>
-          <p:nvPr/>
-        </p:nvSpPr>
-        <p:spPr>
-          <a:xfrm>
-            <a:off x="4325844" y="1490436"/>
-            <a:ext cx="2632452" cy="369332"/>
-          </a:xfrm>
-          <a:prstGeom prst="rect">
-            <a:avLst/>
-          </a:prstGeom>
-          <a:noFill/>
-        </p:spPr>
-        <p:txBody>
-          <a:bodyPr wrap="none" rtlCol="0">
-            <a:spAutoFit/>
-          </a:bodyPr>
-          <a:lstStyle/>
-          <a:p>
+              <a:t> (</a:t>
+            </a:r>
+            <a:r>
+              <a:rPr lang="pt-BR" dirty="0" err="1"/>
+              <a:t>condicao</a:t>
+            </a:r>
             <a:r>
               <a:rPr lang="pt-BR" dirty="0"/>
-              <a:t>Multidimensionais: </a:t>
-            </a:r>
-            <a:r>
-              <a:rPr lang="pt-BR" i="1" dirty="0" err="1"/>
-              <a:t>arrays</a:t>
-            </a:r>
-            <a:endParaRPr lang="pt-BR" i="1" dirty="0"/>
-          </a:p>
-        </p:txBody>
-      </p:sp>
-      <p:sp>
-        <p:nvSpPr>
-          <p:cNvPr id="18" name="CaixaDeTexto 17">
-            <a:extLst>
-              <a:ext uri="{FF2B5EF4-FFF2-40B4-BE49-F238E27FC236}">
-                <a16:creationId xmlns:a16="http://schemas.microsoft.com/office/drawing/2014/main" id="{9E16CFB5-B1B5-4E7B-D2F1-80775E41E13B}"/>
-              </a:ext>
-            </a:extLst>
-          </p:cNvPr>
-          <p:cNvSpPr txBox="1"/>
-          <p:nvPr/>
-        </p:nvSpPr>
-        <p:spPr>
-          <a:xfrm>
-            <a:off x="4322286" y="2867204"/>
-            <a:ext cx="1282852" cy="369332"/>
-          </a:xfrm>
-          <a:prstGeom prst="rect">
-            <a:avLst/>
-          </a:prstGeom>
-          <a:noFill/>
-        </p:spPr>
-        <p:txBody>
-          <a:bodyPr wrap="none" rtlCol="0">
-            <a:spAutoFit/>
-          </a:bodyPr>
-          <a:lstStyle/>
-          <a:p>
+              <a:t>) {  } </a:t>
+            </a:r>
             <a:r>
               <a:rPr lang="pt-BR" dirty="0" err="1"/>
-              <a:t>Tupla</a:t>
+              <a:t>else</a:t>
             </a:r>
             <a:r>
               <a:rPr lang="pt-BR" dirty="0"/>
-              <a:t>: </a:t>
-            </a:r>
-            <a:r>
-              <a:rPr lang="pt-BR" i="1" dirty="0" err="1"/>
-              <a:t>tuple</a:t>
+              <a:t> {  }: </a:t>
             </a:r>
             <a:endParaRPr lang="pt-BR" i="1" dirty="0"/>
           </a:p>
@@ -4703,10 +4698,10 @@
       </p:sp>
       <p:pic>
         <p:nvPicPr>
-          <p:cNvPr id="6" name="Imagem 5" descr="Interface gráfica do usuário, Texto, Aplicativo&#10;&#10;Descrição gerada automaticamente">
-            <a:extLst>
-              <a:ext uri="{FF2B5EF4-FFF2-40B4-BE49-F238E27FC236}">
-                <a16:creationId xmlns:a16="http://schemas.microsoft.com/office/drawing/2014/main" id="{4E182DD2-B782-5811-9BA1-F03F96A5E490}"/>
+          <p:cNvPr id="13" name="Imagem 12" descr="Texto&#10;&#10;Descrição gerada automaticamente">
+            <a:extLst>
+              <a:ext uri="{FF2B5EF4-FFF2-40B4-BE49-F238E27FC236}">
+                <a16:creationId xmlns:a16="http://schemas.microsoft.com/office/drawing/2014/main" id="{BAC0E881-FED1-F922-31A4-933BE6C85FB5}"/>
               </a:ext>
             </a:extLst>
           </p:cNvPr>
@@ -4723,20 +4718,64 @@
         </p:blipFill>
         <p:spPr>
           <a:xfrm>
-            <a:off x="4303728" y="1827350"/>
-            <a:ext cx="5379147" cy="890442"/>
+            <a:off x="4408576" y="787453"/>
+            <a:ext cx="6768794" cy="1850644"/>
           </a:xfrm>
           <a:prstGeom prst="rect">
             <a:avLst/>
           </a:prstGeom>
         </p:spPr>
       </p:pic>
+      <p:sp>
+        <p:nvSpPr>
+          <p:cNvPr id="15" name="CaixaDeTexto 14">
+            <a:extLst>
+              <a:ext uri="{FF2B5EF4-FFF2-40B4-BE49-F238E27FC236}">
+                <a16:creationId xmlns:a16="http://schemas.microsoft.com/office/drawing/2014/main" id="{A58CE1AA-E089-4113-BE1D-A2CC82A69043}"/>
+              </a:ext>
+            </a:extLst>
+          </p:cNvPr>
+          <p:cNvSpPr txBox="1"/>
+          <p:nvPr/>
+        </p:nvSpPr>
+        <p:spPr>
+          <a:xfrm>
+            <a:off x="4408576" y="2786841"/>
+            <a:ext cx="2066400" cy="369332"/>
+          </a:xfrm>
+          <a:prstGeom prst="rect">
+            <a:avLst/>
+          </a:prstGeom>
+          <a:noFill/>
+        </p:spPr>
+        <p:txBody>
+          <a:bodyPr wrap="none" rtlCol="0">
+            <a:spAutoFit/>
+          </a:bodyPr>
+          <a:lstStyle/>
+          <a:p>
+            <a:r>
+              <a:rPr lang="pt-BR" dirty="0"/>
+              <a:t>switch (</a:t>
+            </a:r>
+            <a:r>
+              <a:rPr lang="pt-BR" dirty="0" err="1"/>
+              <a:t>option</a:t>
+            </a:r>
+            <a:r>
+              <a:rPr lang="pt-BR" dirty="0"/>
+              <a:t>) {   }: </a:t>
+            </a:r>
+            <a:endParaRPr lang="pt-BR" i="1" dirty="0"/>
+          </a:p>
+        </p:txBody>
+      </p:sp>
       <p:pic>
         <p:nvPicPr>
-          <p:cNvPr id="9" name="Imagem 8" descr="Retângulo&#10;&#10;Descrição gerada automaticamente com confiança baixa">
-            <a:extLst>
-              <a:ext uri="{FF2B5EF4-FFF2-40B4-BE49-F238E27FC236}">
-                <a16:creationId xmlns:a16="http://schemas.microsoft.com/office/drawing/2014/main" id="{2C5090F6-2C97-ABD4-7FAF-1A4D8C015D10}"/>
+          <p:cNvPr id="17" name="Imagem 16" descr="Texto&#10;&#10;Descrição gerada automaticamente">
+            <a:extLst>
+              <a:ext uri="{FF2B5EF4-FFF2-40B4-BE49-F238E27FC236}">
+                <a16:creationId xmlns:a16="http://schemas.microsoft.com/office/drawing/2014/main" id="{C63AB7E2-6191-21BA-17C5-A7696D979B71}"/>
               </a:ext>
             </a:extLst>
           </p:cNvPr>
@@ -4753,118 +4792,18 @@
         </p:blipFill>
         <p:spPr>
           <a:xfrm>
-            <a:off x="4263299" y="4584091"/>
-            <a:ext cx="5379147" cy="1656806"/>
+            <a:off x="4408576" y="3166350"/>
+            <a:ext cx="6768794" cy="2937082"/>
           </a:xfrm>
           <a:prstGeom prst="rect">
             <a:avLst/>
           </a:prstGeom>
         </p:spPr>
       </p:pic>
-      <p:pic>
-        <p:nvPicPr>
-          <p:cNvPr id="13" name="Imagem 12" descr="Interface gráfica do usuário, Texto, Aplicativo&#10;&#10;Descrição gerada automaticamente">
-            <a:extLst>
-              <a:ext uri="{FF2B5EF4-FFF2-40B4-BE49-F238E27FC236}">
-                <a16:creationId xmlns:a16="http://schemas.microsoft.com/office/drawing/2014/main" id="{477C0D59-1C06-DF70-349F-12A51FCB98BF}"/>
-              </a:ext>
-            </a:extLst>
-          </p:cNvPr>
-          <p:cNvPicPr>
-            <a:picLocks noChangeAspect="1"/>
-          </p:cNvPicPr>
-          <p:nvPr/>
-        </p:nvPicPr>
-        <p:blipFill>
-          <a:blip r:embed="rId5"/>
-          <a:stretch>
-            <a:fillRect/>
-          </a:stretch>
-        </p:blipFill>
-        <p:spPr>
-          <a:xfrm>
-            <a:off x="4322286" y="527195"/>
-            <a:ext cx="6678551" cy="877803"/>
-          </a:xfrm>
-          <a:prstGeom prst="rect">
-            <a:avLst/>
-          </a:prstGeom>
-        </p:spPr>
-      </p:pic>
-      <p:pic>
-        <p:nvPicPr>
-          <p:cNvPr id="15" name="Imagem 14" descr="Retângulo&#10;&#10;Descrição gerada automaticamente com confiança média">
-            <a:extLst>
-              <a:ext uri="{FF2B5EF4-FFF2-40B4-BE49-F238E27FC236}">
-                <a16:creationId xmlns:a16="http://schemas.microsoft.com/office/drawing/2014/main" id="{B5FB5518-CA06-8549-6CDE-3CD9CE0D2C1F}"/>
-              </a:ext>
-            </a:extLst>
-          </p:cNvPr>
-          <p:cNvPicPr>
-            <a:picLocks noChangeAspect="1"/>
-          </p:cNvPicPr>
-          <p:nvPr/>
-        </p:nvPicPr>
-        <p:blipFill>
-          <a:blip r:embed="rId6"/>
-          <a:stretch>
-            <a:fillRect/>
-          </a:stretch>
-        </p:blipFill>
-        <p:spPr>
-          <a:xfrm>
-            <a:off x="4303728" y="3200530"/>
-            <a:ext cx="5379147" cy="902590"/>
-          </a:xfrm>
-          <a:prstGeom prst="rect">
-            <a:avLst/>
-          </a:prstGeom>
-        </p:spPr>
-      </p:pic>
-      <p:sp>
-        <p:nvSpPr>
-          <p:cNvPr id="19" name="CaixaDeTexto 18">
-            <a:extLst>
-              <a:ext uri="{FF2B5EF4-FFF2-40B4-BE49-F238E27FC236}">
-                <a16:creationId xmlns:a16="http://schemas.microsoft.com/office/drawing/2014/main" id="{817B0815-21A5-5794-E256-3EF1B3E7395F}"/>
-              </a:ext>
-            </a:extLst>
-          </p:cNvPr>
-          <p:cNvSpPr txBox="1"/>
-          <p:nvPr/>
-        </p:nvSpPr>
-        <p:spPr>
-          <a:xfrm>
-            <a:off x="4260426" y="4232666"/>
-            <a:ext cx="1915974" cy="369332"/>
-          </a:xfrm>
-          <a:prstGeom prst="rect">
-            <a:avLst/>
-          </a:prstGeom>
-          <a:noFill/>
-        </p:spPr>
-        <p:txBody>
-          <a:bodyPr wrap="none" rtlCol="0">
-            <a:spAutoFit/>
-          </a:bodyPr>
-          <a:lstStyle/>
-          <a:p>
-            <a:r>
-              <a:rPr lang="pt-BR" dirty="0"/>
-              <a:t>Enumerado: </a:t>
-            </a:r>
-            <a:r>
-              <a:rPr lang="pt-BR" i="1" dirty="0" err="1"/>
-              <a:t>enum</a:t>
-            </a:r>
-            <a:endParaRPr lang="pt-BR" i="1" dirty="0"/>
-          </a:p>
-        </p:txBody>
-      </p:sp>
     </p:spTree>
     <p:extLst>
       <p:ext uri="{BB962C8B-B14F-4D97-AF65-F5344CB8AC3E}">
-        <p14:creationId xmlns:p14="http://schemas.microsoft.com/office/powerpoint/2010/main" val="4068934224"/>
+        <p14:creationId xmlns:p14="http://schemas.microsoft.com/office/powerpoint/2010/main" val="4175471085"/>
       </p:ext>
     </p:extLst>
   </p:cSld>
@@ -4874,7 +4813,7 @@
 </p:sld>
 </file>
 
-<file path=ppt/slides/slide2.xml><?xml version="1.0" encoding="utf-8"?>
+<file path=ppt/slides/slide11.xml><?xml version="1.0" encoding="utf-8"?>
 <p:sld xmlns:a="http://schemas.openxmlformats.org/drawingml/2006/main" xmlns:r="http://schemas.openxmlformats.org/officeDocument/2006/relationships" xmlns:p="http://schemas.openxmlformats.org/presentationml/2006/main">
   <p:cSld>
     <p:bg>
@@ -5111,8 +5050,8 @@
         </p:nvSpPr>
         <p:spPr>
           <a:xfrm>
-            <a:off x="686834" y="1153572"/>
-            <a:ext cx="3200400" cy="4461163"/>
+            <a:off x="163902" y="1153572"/>
+            <a:ext cx="3723332" cy="4461163"/>
           </a:xfrm>
         </p:spPr>
         <p:txBody>
@@ -5122,12 +5061,12 @@
           <a:lstStyle/>
           <a:p>
             <a:r>
-              <a:rPr lang="pt-BR" dirty="0">
+              <a:rPr lang="pt-BR" b="1" dirty="0">
                 <a:solidFill>
-                  <a:srgbClr val="FFFFFF"/>
+                  <a:schemeClr val="bg1"/>
                 </a:solidFill>
               </a:rPr>
-              <a:t>Introdução ao </a:t>
+              <a:t>Estruturas de controle repetição no</a:t>
             </a:r>
             <a:r>
               <a:rPr lang="pt-BR" b="1" dirty="0">
@@ -5135,11 +5074,11 @@
                   <a:srgbClr val="FFFF00"/>
                 </a:solidFill>
               </a:rPr>
-              <a:t>TypeScript</a:t>
+              <a:t> TypeScript</a:t>
             </a:r>
             <a:endParaRPr lang="pt-BR" dirty="0">
               <a:solidFill>
-                <a:srgbClr val="FFFF00"/>
+                <a:schemeClr val="bg1"/>
               </a:solidFill>
             </a:endParaRPr>
           </a:p>
@@ -5203,71 +5142,6 @@
           <a:p>
             <a:pPr algn="ctr"/>
             <a:endParaRPr lang="en-US" dirty="0"/>
-          </a:p>
-        </p:txBody>
-      </p:sp>
-      <p:sp>
-        <p:nvSpPr>
-          <p:cNvPr id="3" name="Espaço Reservado para Conteúdo 2">
-            <a:extLst>
-              <a:ext uri="{FF2B5EF4-FFF2-40B4-BE49-F238E27FC236}">
-                <a16:creationId xmlns:a16="http://schemas.microsoft.com/office/drawing/2014/main" id="{69077D4C-F2A1-C668-7B95-F2B25BC939F6}"/>
-              </a:ext>
-            </a:extLst>
-          </p:cNvPr>
-          <p:cNvSpPr>
-            <a:spLocks noGrp="1"/>
-          </p:cNvSpPr>
-          <p:nvPr>
-            <p:ph idx="1"/>
-          </p:nvPr>
-        </p:nvSpPr>
-        <p:spPr>
-          <a:xfrm>
-            <a:off x="4447308" y="591344"/>
-            <a:ext cx="6906491" cy="5585619"/>
-          </a:xfrm>
-        </p:spPr>
-        <p:txBody>
-          <a:bodyPr anchor="ctr">
-            <a:normAutofit/>
-          </a:bodyPr>
-          <a:lstStyle/>
-          <a:p>
-            <a:r>
-              <a:rPr lang="pt-BR" dirty="0"/>
-              <a:t>Desenvolvido pela Microsoft</a:t>
-            </a:r>
-          </a:p>
-          <a:p>
-            <a:endParaRPr lang="pt-BR" dirty="0"/>
-          </a:p>
-          <a:p>
-            <a:r>
-              <a:rPr lang="pt-BR" dirty="0"/>
-              <a:t>Objetivos:</a:t>
-            </a:r>
-          </a:p>
-          <a:p>
-            <a:pPr lvl="1"/>
-            <a:r>
-              <a:rPr lang="pt-BR" dirty="0"/>
-              <a:t>Aumento da escalabilidade</a:t>
-            </a:r>
-          </a:p>
-          <a:p>
-            <a:pPr lvl="1"/>
-            <a:r>
-              <a:rPr lang="pt-BR" dirty="0"/>
-              <a:t>Robustez (resiliência a erros e situações inesperadas durante a execução)</a:t>
-            </a:r>
-          </a:p>
-          <a:p>
-            <a:pPr lvl="1"/>
-            <a:r>
-              <a:rPr lang="pt-BR" dirty="0"/>
-              <a:t>E fácil manutenção em projetos de grande porte</a:t>
-            </a:r>
           </a:p>
         </p:txBody>
       </p:sp>
@@ -5345,10 +5219,168 @@
           </a:custGeom>
         </p:spPr>
       </p:pic>
+      <p:sp>
+        <p:nvSpPr>
+          <p:cNvPr id="6" name="CaixaDeTexto 5">
+            <a:extLst>
+              <a:ext uri="{FF2B5EF4-FFF2-40B4-BE49-F238E27FC236}">
+                <a16:creationId xmlns:a16="http://schemas.microsoft.com/office/drawing/2014/main" id="{23C8520E-1427-4DC0-83E8-24704CE18FA6}"/>
+              </a:ext>
+            </a:extLst>
+          </p:cNvPr>
+          <p:cNvSpPr txBox="1"/>
+          <p:nvPr/>
+        </p:nvSpPr>
+        <p:spPr>
+          <a:xfrm>
+            <a:off x="4322286" y="1153572"/>
+            <a:ext cx="3088731" cy="369332"/>
+          </a:xfrm>
+          <a:prstGeom prst="rect">
+            <a:avLst/>
+          </a:prstGeom>
+          <a:noFill/>
+        </p:spPr>
+        <p:txBody>
+          <a:bodyPr wrap="none" rtlCol="0">
+            <a:spAutoFit/>
+          </a:bodyPr>
+          <a:lstStyle/>
+          <a:p>
+            <a:r>
+              <a:rPr lang="pt-BR" dirty="0" err="1"/>
+              <a:t>while</a:t>
+            </a:r>
+            <a:r>
+              <a:rPr lang="pt-BR" dirty="0"/>
+              <a:t> (</a:t>
+            </a:r>
+            <a:r>
+              <a:rPr lang="pt-BR" dirty="0" err="1"/>
+              <a:t>condicao</a:t>
+            </a:r>
+            <a:r>
+              <a:rPr lang="pt-BR" dirty="0"/>
+              <a:t> de parada) {  }:</a:t>
+            </a:r>
+          </a:p>
+        </p:txBody>
+      </p:sp>
+      <p:pic>
+        <p:nvPicPr>
+          <p:cNvPr id="5" name="Imagem 4" descr="Texto&#10;&#10;Descrição gerada automaticamente">
+            <a:extLst>
+              <a:ext uri="{FF2B5EF4-FFF2-40B4-BE49-F238E27FC236}">
+                <a16:creationId xmlns:a16="http://schemas.microsoft.com/office/drawing/2014/main" id="{28976ACB-3D9A-A96B-E191-9E07F4644E3D}"/>
+              </a:ext>
+            </a:extLst>
+          </p:cNvPr>
+          <p:cNvPicPr>
+            <a:picLocks noChangeAspect="1"/>
+          </p:cNvPicPr>
+          <p:nvPr/>
+        </p:nvPicPr>
+        <p:blipFill>
+          <a:blip r:embed="rId3"/>
+          <a:stretch>
+            <a:fillRect/>
+          </a:stretch>
+        </p:blipFill>
+        <p:spPr>
+          <a:xfrm>
+            <a:off x="4419600" y="1522905"/>
+            <a:ext cx="6680325" cy="1540972"/>
+          </a:xfrm>
+          <a:prstGeom prst="rect">
+            <a:avLst/>
+          </a:prstGeom>
+        </p:spPr>
+      </p:pic>
+      <p:sp>
+        <p:nvSpPr>
+          <p:cNvPr id="7" name="CaixaDeTexto 6">
+            <a:extLst>
+              <a:ext uri="{FF2B5EF4-FFF2-40B4-BE49-F238E27FC236}">
+                <a16:creationId xmlns:a16="http://schemas.microsoft.com/office/drawing/2014/main" id="{6AFF2467-3524-2021-6D24-2036C661B385}"/>
+              </a:ext>
+            </a:extLst>
+          </p:cNvPr>
+          <p:cNvSpPr txBox="1"/>
+          <p:nvPr/>
+        </p:nvSpPr>
+        <p:spPr>
+          <a:xfrm>
+            <a:off x="4408612" y="3250140"/>
+            <a:ext cx="3616118" cy="369332"/>
+          </a:xfrm>
+          <a:prstGeom prst="rect">
+            <a:avLst/>
+          </a:prstGeom>
+          <a:noFill/>
+        </p:spPr>
+        <p:txBody>
+          <a:bodyPr wrap="none" rtlCol="0">
+            <a:spAutoFit/>
+          </a:bodyPr>
+          <a:lstStyle/>
+          <a:p>
+            <a:r>
+              <a:rPr lang="pt-BR" dirty="0"/>
+              <a:t>do {   }  </a:t>
+            </a:r>
+            <a:r>
+              <a:rPr lang="pt-BR" dirty="0" err="1"/>
+              <a:t>while</a:t>
+            </a:r>
+            <a:r>
+              <a:rPr lang="pt-BR" dirty="0"/>
+              <a:t> (</a:t>
+            </a:r>
+            <a:r>
+              <a:rPr lang="pt-BR" dirty="0" err="1"/>
+              <a:t>condicao</a:t>
+            </a:r>
+            <a:r>
+              <a:rPr lang="pt-BR" dirty="0"/>
+              <a:t> de parada):</a:t>
+            </a:r>
+          </a:p>
+        </p:txBody>
+      </p:sp>
+      <p:pic>
+        <p:nvPicPr>
+          <p:cNvPr id="11" name="Imagem 10" descr="Texto&#10;&#10;Descrição gerada automaticamente">
+            <a:extLst>
+              <a:ext uri="{FF2B5EF4-FFF2-40B4-BE49-F238E27FC236}">
+                <a16:creationId xmlns:a16="http://schemas.microsoft.com/office/drawing/2014/main" id="{0896ECBC-CA15-184C-56F4-0D7583DDFB3A}"/>
+              </a:ext>
+            </a:extLst>
+          </p:cNvPr>
+          <p:cNvPicPr>
+            <a:picLocks noChangeAspect="1"/>
+          </p:cNvPicPr>
+          <p:nvPr/>
+        </p:nvPicPr>
+        <p:blipFill>
+          <a:blip r:embed="rId4"/>
+          <a:stretch>
+            <a:fillRect/>
+          </a:stretch>
+        </p:blipFill>
+        <p:spPr>
+          <a:xfrm>
+            <a:off x="4419600" y="3645787"/>
+            <a:ext cx="6691313" cy="1476761"/>
+          </a:xfrm>
+          <a:prstGeom prst="rect">
+            <a:avLst/>
+          </a:prstGeom>
+        </p:spPr>
+      </p:pic>
     </p:spTree>
     <p:extLst>
       <p:ext uri="{BB962C8B-B14F-4D97-AF65-F5344CB8AC3E}">
-        <p14:creationId xmlns:p14="http://schemas.microsoft.com/office/powerpoint/2010/main" val="372220404"/>
+        <p14:creationId xmlns:p14="http://schemas.microsoft.com/office/powerpoint/2010/main" val="3766637088"/>
       </p:ext>
     </p:extLst>
   </p:cSld>
@@ -5358,7 +5390,7 @@
 </p:sld>
 </file>
 
-<file path=ppt/slides/slide3.xml><?xml version="1.0" encoding="utf-8"?>
+<file path=ppt/slides/slide12.xml><?xml version="1.0" encoding="utf-8"?>
 <p:sld xmlns:a="http://schemas.openxmlformats.org/drawingml/2006/main" xmlns:r="http://schemas.openxmlformats.org/officeDocument/2006/relationships" xmlns:p="http://schemas.openxmlformats.org/presentationml/2006/main">
   <p:cSld>
     <p:bg>
@@ -5611,7 +5643,7 @@
                   <a:schemeClr val="bg1"/>
                 </a:solidFill>
               </a:rPr>
-              <a:t>Principais características do</a:t>
+              <a:t>Estruturas de controle repetição no</a:t>
             </a:r>
             <a:r>
               <a:rPr lang="pt-BR" b="1" dirty="0">
@@ -5623,7 +5655,7 @@
             </a:r>
             <a:endParaRPr lang="pt-BR" dirty="0">
               <a:solidFill>
-                <a:srgbClr val="FFFF00"/>
+                <a:schemeClr val="bg1"/>
               </a:solidFill>
             </a:endParaRPr>
           </a:p>
@@ -5687,103 +5719,6 @@
           <a:p>
             <a:pPr algn="ctr"/>
             <a:endParaRPr lang="en-US" dirty="0"/>
-          </a:p>
-        </p:txBody>
-      </p:sp>
-      <p:sp>
-        <p:nvSpPr>
-          <p:cNvPr id="3" name="Espaço Reservado para Conteúdo 2">
-            <a:extLst>
-              <a:ext uri="{FF2B5EF4-FFF2-40B4-BE49-F238E27FC236}">
-                <a16:creationId xmlns:a16="http://schemas.microsoft.com/office/drawing/2014/main" id="{69077D4C-F2A1-C668-7B95-F2B25BC939F6}"/>
-              </a:ext>
-            </a:extLst>
-          </p:cNvPr>
-          <p:cNvSpPr>
-            <a:spLocks noGrp="1"/>
-          </p:cNvSpPr>
-          <p:nvPr>
-            <p:ph idx="1"/>
-          </p:nvPr>
-        </p:nvSpPr>
-        <p:spPr>
-          <a:xfrm>
-            <a:off x="4447308" y="591344"/>
-            <a:ext cx="6906491" cy="5585619"/>
-          </a:xfrm>
-        </p:spPr>
-        <p:txBody>
-          <a:bodyPr anchor="ctr">
-            <a:normAutofit/>
-          </a:bodyPr>
-          <a:lstStyle/>
-          <a:p>
-            <a:r>
-              <a:rPr lang="pt-BR" sz="2400" dirty="0" err="1"/>
-              <a:t>Superset</a:t>
-            </a:r>
-            <a:r>
-              <a:rPr lang="pt-BR" sz="2400" dirty="0"/>
-              <a:t> do JavaScript</a:t>
-            </a:r>
-          </a:p>
-          <a:p>
-            <a:pPr lvl="1"/>
-            <a:r>
-              <a:rPr lang="pt-BR" sz="2000" dirty="0"/>
-              <a:t>Qualquer código JS é automaticamente válido no TypeScript.</a:t>
-            </a:r>
-          </a:p>
-          <a:p>
-            <a:pPr lvl="1"/>
-            <a:endParaRPr lang="pt-BR" sz="2000" dirty="0"/>
-          </a:p>
-          <a:p>
-            <a:r>
-              <a:rPr lang="pt-BR" sz="2400" dirty="0"/>
-              <a:t>Sistema de tipos estático</a:t>
-            </a:r>
-          </a:p>
-          <a:p>
-            <a:pPr lvl="1"/>
-            <a:r>
-              <a:rPr lang="pt-BR" sz="2000" dirty="0"/>
-              <a:t>Permite que os tipos de dados e retornos de função sejam especificados.</a:t>
-            </a:r>
-          </a:p>
-          <a:p>
-            <a:pPr lvl="1"/>
-            <a:endParaRPr lang="pt-BR" sz="2000" dirty="0"/>
-          </a:p>
-          <a:p>
-            <a:r>
-              <a:rPr lang="pt-BR" sz="2400" dirty="0"/>
-              <a:t>Compilação para JS</a:t>
-            </a:r>
-          </a:p>
-          <a:p>
-            <a:pPr lvl="1"/>
-            <a:r>
-              <a:rPr lang="pt-BR" sz="2000" dirty="0"/>
-              <a:t>Permite que os desenvolvedores compilem seus programas para versões atuais e mais antigas.</a:t>
-            </a:r>
-          </a:p>
-          <a:p>
-            <a:pPr lvl="1"/>
-            <a:endParaRPr lang="pt-BR" sz="2000" dirty="0"/>
-          </a:p>
-          <a:p>
-            <a:r>
-              <a:rPr lang="pt-BR" sz="2400" dirty="0"/>
-              <a:t>Full OOP</a:t>
-            </a:r>
-          </a:p>
-          <a:p>
-            <a:pPr lvl="1"/>
-            <a:r>
-              <a:rPr lang="pt-BR" sz="2000" dirty="0"/>
-              <a:t>Atende todos os requisitos de uma linguagem orientada a objeto.</a:t>
-            </a:r>
           </a:p>
         </p:txBody>
       </p:sp>
@@ -5861,10 +5796,213 @@
           </a:custGeom>
         </p:spPr>
       </p:pic>
+      <p:sp>
+        <p:nvSpPr>
+          <p:cNvPr id="6" name="CaixaDeTexto 5">
+            <a:extLst>
+              <a:ext uri="{FF2B5EF4-FFF2-40B4-BE49-F238E27FC236}">
+                <a16:creationId xmlns:a16="http://schemas.microsoft.com/office/drawing/2014/main" id="{23C8520E-1427-4DC0-83E8-24704CE18FA6}"/>
+              </a:ext>
+            </a:extLst>
+          </p:cNvPr>
+          <p:cNvSpPr txBox="1"/>
+          <p:nvPr/>
+        </p:nvSpPr>
+        <p:spPr>
+          <a:xfrm>
+            <a:off x="4314471" y="491421"/>
+            <a:ext cx="1117550" cy="369332"/>
+          </a:xfrm>
+          <a:prstGeom prst="rect">
+            <a:avLst/>
+          </a:prstGeom>
+          <a:noFill/>
+        </p:spPr>
+        <p:txBody>
+          <a:bodyPr wrap="none" rtlCol="0">
+            <a:spAutoFit/>
+          </a:bodyPr>
+          <a:lstStyle/>
+          <a:p>
+            <a:r>
+              <a:rPr lang="pt-BR" dirty="0"/>
+              <a:t>for (  ) {  }:</a:t>
+            </a:r>
+          </a:p>
+        </p:txBody>
+      </p:sp>
+      <p:pic>
+        <p:nvPicPr>
+          <p:cNvPr id="9" name="Imagem 8">
+            <a:extLst>
+              <a:ext uri="{FF2B5EF4-FFF2-40B4-BE49-F238E27FC236}">
+                <a16:creationId xmlns:a16="http://schemas.microsoft.com/office/drawing/2014/main" id="{E6FDD8AC-AD08-48C2-BF3B-A26C11D542CB}"/>
+              </a:ext>
+            </a:extLst>
+          </p:cNvPr>
+          <p:cNvPicPr>
+            <a:picLocks noChangeAspect="1"/>
+          </p:cNvPicPr>
+          <p:nvPr/>
+        </p:nvPicPr>
+        <p:blipFill>
+          <a:blip r:embed="rId3"/>
+          <a:stretch>
+            <a:fillRect/>
+          </a:stretch>
+        </p:blipFill>
+        <p:spPr>
+          <a:xfrm>
+            <a:off x="4393439" y="911222"/>
+            <a:ext cx="6706486" cy="760960"/>
+          </a:xfrm>
+          <a:prstGeom prst="rect">
+            <a:avLst/>
+          </a:prstGeom>
+        </p:spPr>
+      </p:pic>
+      <p:sp>
+        <p:nvSpPr>
+          <p:cNvPr id="13" name="CaixaDeTexto 12">
+            <a:extLst>
+              <a:ext uri="{FF2B5EF4-FFF2-40B4-BE49-F238E27FC236}">
+                <a16:creationId xmlns:a16="http://schemas.microsoft.com/office/drawing/2014/main" id="{8A2DE9B5-B879-09CB-A886-1259F4EDA236}"/>
+              </a:ext>
+            </a:extLst>
+          </p:cNvPr>
+          <p:cNvSpPr txBox="1"/>
+          <p:nvPr/>
+        </p:nvSpPr>
+        <p:spPr>
+          <a:xfrm>
+            <a:off x="4328126" y="1879164"/>
+            <a:ext cx="1345176" cy="369332"/>
+          </a:xfrm>
+          <a:prstGeom prst="rect">
+            <a:avLst/>
+          </a:prstGeom>
+          <a:noFill/>
+        </p:spPr>
+        <p:txBody>
+          <a:bodyPr wrap="none" rtlCol="0">
+            <a:spAutoFit/>
+          </a:bodyPr>
+          <a:lstStyle/>
+          <a:p>
+            <a:r>
+              <a:rPr lang="pt-BR" dirty="0"/>
+              <a:t>for ( in )  {  }:</a:t>
+            </a:r>
+          </a:p>
+        </p:txBody>
+      </p:sp>
+      <p:pic>
+        <p:nvPicPr>
+          <p:cNvPr id="15" name="Imagem 14" descr="Texto&#10;&#10;Descrição gerada automaticamente">
+            <a:extLst>
+              <a:ext uri="{FF2B5EF4-FFF2-40B4-BE49-F238E27FC236}">
+                <a16:creationId xmlns:a16="http://schemas.microsoft.com/office/drawing/2014/main" id="{1B628E7D-A7D8-05A3-8802-62BFE1A82528}"/>
+              </a:ext>
+            </a:extLst>
+          </p:cNvPr>
+          <p:cNvPicPr>
+            <a:picLocks noChangeAspect="1"/>
+          </p:cNvPicPr>
+          <p:nvPr/>
+        </p:nvPicPr>
+        <p:blipFill>
+          <a:blip r:embed="rId4"/>
+          <a:stretch>
+            <a:fillRect/>
+          </a:stretch>
+        </p:blipFill>
+        <p:spPr>
+          <a:xfrm>
+            <a:off x="4393439" y="2264294"/>
+            <a:ext cx="6706486" cy="1376331"/>
+          </a:xfrm>
+          <a:prstGeom prst="rect">
+            <a:avLst/>
+          </a:prstGeom>
+        </p:spPr>
+      </p:pic>
+      <p:sp>
+        <p:nvSpPr>
+          <p:cNvPr id="16" name="CaixaDeTexto 15">
+            <a:extLst>
+              <a:ext uri="{FF2B5EF4-FFF2-40B4-BE49-F238E27FC236}">
+                <a16:creationId xmlns:a16="http://schemas.microsoft.com/office/drawing/2014/main" id="{ED9E2229-B676-F84F-B5DB-80D3D850CC5E}"/>
+              </a:ext>
+            </a:extLst>
+          </p:cNvPr>
+          <p:cNvSpPr txBox="1"/>
+          <p:nvPr/>
+        </p:nvSpPr>
+        <p:spPr>
+          <a:xfrm>
+            <a:off x="4328126" y="3805846"/>
+            <a:ext cx="1362809" cy="369332"/>
+          </a:xfrm>
+          <a:prstGeom prst="rect">
+            <a:avLst/>
+          </a:prstGeom>
+          <a:noFill/>
+        </p:spPr>
+        <p:txBody>
+          <a:bodyPr wrap="none" rtlCol="0">
+            <a:spAutoFit/>
+          </a:bodyPr>
+          <a:lstStyle/>
+          <a:p>
+            <a:r>
+              <a:rPr lang="pt-BR" dirty="0"/>
+              <a:t>for ( </a:t>
+            </a:r>
+            <a:r>
+              <a:rPr lang="pt-BR" dirty="0" err="1"/>
+              <a:t>of</a:t>
+            </a:r>
+            <a:r>
+              <a:rPr lang="pt-BR" dirty="0"/>
+              <a:t> )  {  }:</a:t>
+            </a:r>
+          </a:p>
+        </p:txBody>
+      </p:sp>
+      <p:pic>
+        <p:nvPicPr>
+          <p:cNvPr id="19" name="Imagem 18" descr="Texto&#10;&#10;Descrição gerada automaticamente">
+            <a:extLst>
+              <a:ext uri="{FF2B5EF4-FFF2-40B4-BE49-F238E27FC236}">
+                <a16:creationId xmlns:a16="http://schemas.microsoft.com/office/drawing/2014/main" id="{190EE71D-332E-BE5D-75D5-0A5D03D258F9}"/>
+              </a:ext>
+            </a:extLst>
+          </p:cNvPr>
+          <p:cNvPicPr>
+            <a:picLocks noChangeAspect="1"/>
+          </p:cNvPicPr>
+          <p:nvPr/>
+        </p:nvPicPr>
+        <p:blipFill>
+          <a:blip r:embed="rId5"/>
+          <a:stretch>
+            <a:fillRect/>
+          </a:stretch>
+        </p:blipFill>
+        <p:spPr>
+          <a:xfrm>
+            <a:off x="4416552" y="4173650"/>
+            <a:ext cx="6706486" cy="1337952"/>
+          </a:xfrm>
+          <a:prstGeom prst="rect">
+            <a:avLst/>
+          </a:prstGeom>
+        </p:spPr>
+      </p:pic>
     </p:spTree>
     <p:extLst>
       <p:ext uri="{BB962C8B-B14F-4D97-AF65-F5344CB8AC3E}">
-        <p14:creationId xmlns:p14="http://schemas.microsoft.com/office/powerpoint/2010/main" val="3400419323"/>
+        <p14:creationId xmlns:p14="http://schemas.microsoft.com/office/powerpoint/2010/main" val="338684592"/>
       </p:ext>
     </p:extLst>
   </p:cSld>
@@ -5874,7 +6012,7 @@
 </p:sld>
 </file>
 
-<file path=ppt/slides/slide4.xml><?xml version="1.0" encoding="utf-8"?>
+<file path=ppt/slides/slide13.xml><?xml version="1.0" encoding="utf-8"?>
 <p:sld xmlns:a="http://schemas.openxmlformats.org/drawingml/2006/main" xmlns:r="http://schemas.openxmlformats.org/officeDocument/2006/relationships" xmlns:p="http://schemas.openxmlformats.org/presentationml/2006/main">
   <p:cSld>
     <p:bg>
@@ -6127,19 +6265,42 @@
                   <a:schemeClr val="bg1"/>
                 </a:solidFill>
               </a:rPr>
-              <a:t>Instalação do</a:t>
-            </a:r>
+              <a:t>Comandos de quebra </a:t>
+            </a:r>
+            <a:r>
+              <a:rPr lang="pt-BR" b="1" dirty="0" err="1">
+                <a:solidFill>
+                  <a:schemeClr val="bg1"/>
+                </a:solidFill>
+              </a:rPr>
+              <a:t>decontrole</a:t>
+            </a:r>
+            <a:r>
+              <a:rPr lang="pt-BR" b="1" dirty="0">
+                <a:solidFill>
+                  <a:schemeClr val="bg1"/>
+                </a:solidFill>
+              </a:rPr>
+              <a:t> de fluxo no</a:t>
+            </a:r>
+            <a:br>
+              <a:rPr lang="pt-BR" b="1" dirty="0">
+                <a:solidFill>
+                  <a:schemeClr val="bg1"/>
+                </a:solidFill>
+              </a:rPr>
+            </a:br>
             <a:r>
               <a:rPr lang="pt-BR" b="1" dirty="0">
                 <a:solidFill>
                   <a:srgbClr val="FFFF00"/>
                 </a:solidFill>
               </a:rPr>
-              <a:t> TypeScript</a:t>
+              <a:t>TypeScript</a:t>
             </a:r>
             <a:endParaRPr lang="pt-BR" dirty="0">
               <a:solidFill>
-                <a:srgbClr val="FFFF00"/>
+                <a:schemeClr val="bg1"/>
               </a:solidFill>
             </a:endParaRPr>
           </a:p>
@@ -6203,55 +6364,6 @@
           <a:p>
             <a:pPr algn="ctr"/>
             <a:endParaRPr lang="en-US" dirty="0"/>
-          </a:p>
-        </p:txBody>
-      </p:sp>
-      <p:sp>
-        <p:nvSpPr>
-          <p:cNvPr id="3" name="Espaço Reservado para Conteúdo 2">
-            <a:extLst>
-              <a:ext uri="{FF2B5EF4-FFF2-40B4-BE49-F238E27FC236}">
-                <a16:creationId xmlns:a16="http://schemas.microsoft.com/office/drawing/2014/main" id="{69077D4C-F2A1-C668-7B95-F2B25BC939F6}"/>
-              </a:ext>
-            </a:extLst>
-          </p:cNvPr>
-          <p:cNvSpPr>
-            <a:spLocks noGrp="1"/>
-          </p:cNvSpPr>
-          <p:nvPr>
-            <p:ph idx="1"/>
-          </p:nvPr>
-        </p:nvSpPr>
-        <p:spPr>
-          <a:xfrm>
-            <a:off x="4447308" y="591344"/>
-            <a:ext cx="6906491" cy="5585619"/>
-          </a:xfrm>
-        </p:spPr>
-        <p:txBody>
-          <a:bodyPr anchor="ctr">
-            <a:normAutofit/>
-          </a:bodyPr>
-          <a:lstStyle/>
-          <a:p>
-            <a:r>
-              <a:rPr lang="pt-BR" sz="2000" dirty="0"/>
-              <a:t>Passo 1: Instalar o Node.js</a:t>
-            </a:r>
-          </a:p>
-          <a:p>
-            <a:endParaRPr lang="pt-BR" sz="2000" dirty="0"/>
-          </a:p>
-          <a:p>
-            <a:r>
-              <a:rPr lang="pt-BR" sz="2000" dirty="0"/>
-              <a:t>Passo 2: Instalar o TypeScript globalmente via </a:t>
-            </a:r>
-            <a:r>
-              <a:rPr lang="pt-BR" sz="2000" b="1" dirty="0" err="1"/>
-              <a:t>npm</a:t>
-            </a:r>
-            <a:endParaRPr lang="pt-BR" sz="2000" dirty="0"/>
           </a:p>
         </p:txBody>
       </p:sp>
@@ -6329,10 +6441,152 @@
           </a:custGeom>
         </p:spPr>
       </p:pic>
+      <p:sp>
+        <p:nvSpPr>
+          <p:cNvPr id="6" name="CaixaDeTexto 5">
+            <a:extLst>
+              <a:ext uri="{FF2B5EF4-FFF2-40B4-BE49-F238E27FC236}">
+                <a16:creationId xmlns:a16="http://schemas.microsoft.com/office/drawing/2014/main" id="{23C8520E-1427-4DC0-83E8-24704CE18FA6}"/>
+              </a:ext>
+            </a:extLst>
+          </p:cNvPr>
+          <p:cNvSpPr txBox="1"/>
+          <p:nvPr/>
+        </p:nvSpPr>
+        <p:spPr>
+          <a:xfrm>
+            <a:off x="4328126" y="1286146"/>
+            <a:ext cx="1849161" cy="369332"/>
+          </a:xfrm>
+          <a:prstGeom prst="rect">
+            <a:avLst/>
+          </a:prstGeom>
+          <a:noFill/>
+        </p:spPr>
+        <p:txBody>
+          <a:bodyPr wrap="none" rtlCol="0">
+            <a:spAutoFit/>
+          </a:bodyPr>
+          <a:lstStyle/>
+          <a:p>
+            <a:r>
+              <a:rPr lang="pt-BR" b="1" dirty="0"/>
+              <a:t>break</a:t>
+            </a:r>
+            <a:r>
+              <a:rPr lang="pt-BR" dirty="0"/>
+              <a:t> e </a:t>
+            </a:r>
+            <a:r>
+              <a:rPr lang="pt-BR" b="1" dirty="0"/>
+              <a:t>continue</a:t>
+            </a:r>
+            <a:r>
+              <a:rPr lang="pt-BR" dirty="0"/>
+              <a:t>:</a:t>
+            </a:r>
+          </a:p>
+        </p:txBody>
+      </p:sp>
+      <p:pic>
+        <p:nvPicPr>
+          <p:cNvPr id="5" name="Imagem 4" descr="Texto&#10;&#10;Descrição gerada automaticamente">
+            <a:extLst>
+              <a:ext uri="{FF2B5EF4-FFF2-40B4-BE49-F238E27FC236}">
+                <a16:creationId xmlns:a16="http://schemas.microsoft.com/office/drawing/2014/main" id="{A071AF00-F1FA-2022-8264-4CB4209E7BAA}"/>
+              </a:ext>
+            </a:extLst>
+          </p:cNvPr>
+          <p:cNvPicPr>
+            <a:picLocks noChangeAspect="1"/>
+          </p:cNvPicPr>
+          <p:nvPr/>
+        </p:nvPicPr>
+        <p:blipFill>
+          <a:blip r:embed="rId3"/>
+          <a:stretch>
+            <a:fillRect/>
+          </a:stretch>
+        </p:blipFill>
+        <p:spPr>
+          <a:xfrm>
+            <a:off x="4376524" y="2455479"/>
+            <a:ext cx="7323722" cy="2717894"/>
+          </a:xfrm>
+          <a:prstGeom prst="rect">
+            <a:avLst/>
+          </a:prstGeom>
+        </p:spPr>
+      </p:pic>
+      <p:sp>
+        <p:nvSpPr>
+          <p:cNvPr id="11" name="CaixaDeTexto 10">
+            <a:extLst>
+              <a:ext uri="{FF2B5EF4-FFF2-40B4-BE49-F238E27FC236}">
+                <a16:creationId xmlns:a16="http://schemas.microsoft.com/office/drawing/2014/main" id="{97778EE2-0AB2-95BD-2FF3-214EE94B11B6}"/>
+              </a:ext>
+            </a:extLst>
+          </p:cNvPr>
+          <p:cNvSpPr txBox="1"/>
+          <p:nvPr/>
+        </p:nvSpPr>
+        <p:spPr>
+          <a:xfrm>
+            <a:off x="4722288" y="1655478"/>
+            <a:ext cx="6977957" cy="646331"/>
+          </a:xfrm>
+          <a:prstGeom prst="rect">
+            <a:avLst/>
+          </a:prstGeom>
+          <a:noFill/>
+        </p:spPr>
+        <p:txBody>
+          <a:bodyPr wrap="square">
+            <a:spAutoFit/>
+          </a:bodyPr>
+          <a:lstStyle/>
+          <a:p>
+            <a:pPr>
+              <a:buFont typeface="Arial" panose="020B0604020202020204" pitchFamily="34" charset="0"/>
+              <a:buChar char="•"/>
+            </a:pPr>
+            <a:r>
+              <a:rPr lang="pt-BR" dirty="0"/>
+              <a:t>O </a:t>
+            </a:r>
+            <a:r>
+              <a:rPr lang="pt-BR" b="1" dirty="0"/>
+              <a:t>break</a:t>
+            </a:r>
+            <a:r>
+              <a:rPr lang="pt-BR" dirty="0"/>
+              <a:t> é utilizado para sair de um loop.</a:t>
+            </a:r>
+          </a:p>
+          <a:p>
+            <a:pPr>
+              <a:buFont typeface="Arial" panose="020B0604020202020204" pitchFamily="34" charset="0"/>
+              <a:buChar char="•"/>
+            </a:pPr>
+            <a:r>
+              <a:rPr lang="pt-BR" dirty="0"/>
+              <a:t>O </a:t>
+            </a:r>
+            <a:r>
+              <a:rPr lang="pt-BR" b="1" dirty="0"/>
+              <a:t>continue</a:t>
+            </a:r>
+            <a:r>
+              <a:rPr lang="pt-BR" dirty="0"/>
+              <a:t> é utilizado para pular para a próxima iteração de um loop.</a:t>
+            </a:r>
+          </a:p>
+        </p:txBody>
+      </p:sp>
     </p:spTree>
     <p:extLst>
       <p:ext uri="{BB962C8B-B14F-4D97-AF65-F5344CB8AC3E}">
-        <p14:creationId xmlns:p14="http://schemas.microsoft.com/office/powerpoint/2010/main" val="2915490236"/>
+        <p14:creationId xmlns:p14="http://schemas.microsoft.com/office/powerpoint/2010/main" val="465903695"/>
       </p:ext>
     </p:extLst>
   </p:cSld>
@@ -6342,7 +6596,7 @@
 </p:sld>
 </file>
 
-<file path=ppt/slides/slide5.xml><?xml version="1.0" encoding="utf-8"?>
+<file path=ppt/slides/slide14.xml><?xml version="1.0" encoding="utf-8"?>
 <p:sld xmlns:a="http://schemas.openxmlformats.org/drawingml/2006/main" xmlns:r="http://schemas.openxmlformats.org/officeDocument/2006/relationships" xmlns:p="http://schemas.openxmlformats.org/presentationml/2006/main">
   <p:cSld>
     <p:bg>
@@ -6595,30 +6849,22 @@
                   <a:schemeClr val="bg1"/>
                 </a:solidFill>
               </a:rPr>
-              <a:t>Instalação do</a:t>
-            </a:r>
+              <a:t>Exercícios:</a:t>
+            </a:r>
+            <a:br>
+              <a:rPr lang="pt-BR" b="1" dirty="0">
+                <a:solidFill>
+                  <a:schemeClr val="bg1"/>
+                </a:solidFill>
+              </a:rPr>
+            </a:br>
             <a:r>
               <a:rPr lang="pt-BR" b="1" dirty="0">
                 <a:solidFill>
                   <a:srgbClr val="FFFF00"/>
                 </a:solidFill>
               </a:rPr>
-              <a:t> Node.js:</a:t>
-            </a:r>
-            <a:br>
-              <a:rPr lang="pt-BR" b="1" dirty="0">
-                <a:solidFill>
-                  <a:srgbClr val="FFFF00"/>
-                </a:solidFill>
-              </a:rPr>
-            </a:br>
-            <a:r>
-              <a:rPr lang="pt-BR" b="1" dirty="0">
-                <a:solidFill>
-                  <a:schemeClr val="bg1"/>
-                </a:solidFill>
-              </a:rPr>
-              <a:t>Definição e características</a:t>
+              <a:t>TypeScript</a:t>
             </a:r>
             <a:endParaRPr lang="pt-BR" dirty="0">
               <a:solidFill>
@@ -6686,124 +6932,6 @@
           <a:p>
             <a:pPr algn="ctr"/>
             <a:endParaRPr lang="en-US" dirty="0"/>
-          </a:p>
-        </p:txBody>
-      </p:sp>
-      <p:sp>
-        <p:nvSpPr>
-          <p:cNvPr id="3" name="Espaço Reservado para Conteúdo 2">
-            <a:extLst>
-              <a:ext uri="{FF2B5EF4-FFF2-40B4-BE49-F238E27FC236}">
-                <a16:creationId xmlns:a16="http://schemas.microsoft.com/office/drawing/2014/main" id="{69077D4C-F2A1-C668-7B95-F2B25BC939F6}"/>
-              </a:ext>
-            </a:extLst>
-          </p:cNvPr>
-          <p:cNvSpPr>
-            <a:spLocks noGrp="1"/>
-          </p:cNvSpPr>
-          <p:nvPr>
-            <p:ph idx="1"/>
-          </p:nvPr>
-        </p:nvSpPr>
-        <p:spPr>
-          <a:xfrm>
-            <a:off x="4328126" y="591343"/>
-            <a:ext cx="6906491" cy="5585619"/>
-          </a:xfrm>
-        </p:spPr>
-        <p:txBody>
-          <a:bodyPr anchor="t">
-            <a:normAutofit fontScale="92500"/>
-          </a:bodyPr>
-          <a:lstStyle/>
-          <a:p>
-            <a:r>
-              <a:rPr lang="pt-BR" sz="2400" dirty="0"/>
-              <a:t>O que é ?</a:t>
-            </a:r>
-          </a:p>
-          <a:p>
-            <a:pPr lvl="1"/>
-            <a:r>
-              <a:rPr lang="pt-BR" sz="2000" dirty="0"/>
-              <a:t>Ambiente de execução JavaScript do lado do servidor</a:t>
-            </a:r>
-          </a:p>
-          <a:p>
-            <a:pPr marL="457200" lvl="1" indent="0">
-              <a:buNone/>
-            </a:pPr>
-            <a:endParaRPr lang="pt-BR" sz="2000" dirty="0"/>
-          </a:p>
-          <a:p>
-            <a:r>
-              <a:rPr lang="pt-BR" sz="2400" dirty="0"/>
-              <a:t>Assincronismo e </a:t>
-            </a:r>
-            <a:r>
-              <a:rPr lang="pt-BR" sz="2400" dirty="0" err="1"/>
-              <a:t>Event-driven</a:t>
-            </a:r>
-            <a:endParaRPr lang="pt-BR" sz="2400" dirty="0"/>
-          </a:p>
-          <a:p>
-            <a:pPr lvl="1"/>
-            <a:r>
-              <a:rPr lang="pt-BR" sz="2000" dirty="0"/>
-              <a:t>Projetado para operações assíncronas e orientado a eventos. Isso significa que ele pode lidar com muitas conexões simultâneas sem a necessidade de threads adicionais, resultando em aplicações escaláveis e eficientes.</a:t>
-            </a:r>
-          </a:p>
-          <a:p>
-            <a:pPr marL="457200" lvl="1" indent="0">
-              <a:buNone/>
-            </a:pPr>
-            <a:endParaRPr lang="pt-BR" sz="2000" dirty="0"/>
-          </a:p>
-          <a:p>
-            <a:r>
-              <a:rPr lang="pt-BR" sz="2400" dirty="0"/>
-              <a:t>V8 </a:t>
-            </a:r>
-            <a:r>
-              <a:rPr lang="pt-BR" sz="2400" dirty="0" err="1"/>
-              <a:t>Engine</a:t>
-            </a:r>
-            <a:endParaRPr lang="pt-BR" sz="2400" dirty="0"/>
-          </a:p>
-          <a:p>
-            <a:pPr lvl="1"/>
-            <a:r>
-              <a:rPr lang="pt-BR" sz="2000" dirty="0"/>
-              <a:t>Utiliza o V8, o mecanismo de JavaScript de código aberto do Google Chrome, que é conhecido por ser rápido e eficiente na execução de código JavaScript.</a:t>
-            </a:r>
-          </a:p>
-          <a:p>
-            <a:pPr lvl="1"/>
-            <a:endParaRPr lang="pt-BR" sz="1600" dirty="0"/>
-          </a:p>
-          <a:p>
-            <a:r>
-              <a:rPr lang="pt-BR" sz="2400" dirty="0"/>
-              <a:t>Módulos nativos e NPM</a:t>
-            </a:r>
-          </a:p>
-          <a:p>
-            <a:pPr lvl="1"/>
-            <a:r>
-              <a:rPr lang="pt-BR" sz="2000" dirty="0"/>
-              <a:t>Possui seu próprio sistema de módulos e usa o Node </a:t>
-            </a:r>
-            <a:r>
-              <a:rPr lang="pt-BR" sz="2000" dirty="0" err="1"/>
-              <a:t>Package</a:t>
-            </a:r>
-            <a:r>
-              <a:rPr lang="pt-BR" sz="2000" dirty="0"/>
-              <a:t> Manager (NPM) para gerenciar pacotes e dependências.</a:t>
-            </a:r>
-          </a:p>
-          <a:p>
-            <a:endParaRPr lang="pt-BR" sz="2400" dirty="0"/>
           </a:p>
         </p:txBody>
       </p:sp>
@@ -6881,10 +7009,195 @@
           </a:custGeom>
         </p:spPr>
       </p:pic>
+      <p:sp>
+        <p:nvSpPr>
+          <p:cNvPr id="7" name="Espaço Reservado para Conteúdo 2">
+            <a:extLst>
+              <a:ext uri="{FF2B5EF4-FFF2-40B4-BE49-F238E27FC236}">
+                <a16:creationId xmlns:a16="http://schemas.microsoft.com/office/drawing/2014/main" id="{91E5336C-9C44-38D4-A645-837FD4FF2317}"/>
+              </a:ext>
+            </a:extLst>
+          </p:cNvPr>
+          <p:cNvSpPr>
+            <a:spLocks noGrp="1"/>
+          </p:cNvSpPr>
+          <p:nvPr>
+            <p:ph idx="1"/>
+          </p:nvPr>
+        </p:nvSpPr>
+        <p:spPr>
+          <a:xfrm>
+            <a:off x="4328126" y="319088"/>
+            <a:ext cx="7025674" cy="6439064"/>
+          </a:xfrm>
+        </p:spPr>
+        <p:txBody>
+          <a:bodyPr>
+            <a:noAutofit/>
+          </a:bodyPr>
+          <a:lstStyle/>
+          <a:p>
+            <a:pPr marL="457200" indent="-457200">
+              <a:buFont typeface="+mj-lt"/>
+              <a:buAutoNum type="arabicPeriod"/>
+            </a:pPr>
+            <a:r>
+              <a:rPr lang="pt-BR" sz="1800" dirty="0"/>
+              <a:t>Crie um programa em TypeScript que verifica se um número é par ou ímpar. O usuário deve inserir um número, e o programa deve exibir uma mensagem indicando se o número é par ou ímpar.</a:t>
+            </a:r>
+          </a:p>
+          <a:p>
+            <a:pPr marL="457200" indent="-457200">
+              <a:buFont typeface="+mj-lt"/>
+              <a:buAutoNum type="arabicPeriod"/>
+            </a:pPr>
+            <a:r>
+              <a:rPr lang="pt-BR" sz="1800" dirty="0"/>
+              <a:t>Crie um programa em TypeScript que solicita a idade do usuário e verifica se ele é maior de idade (idade maior ou igual a 18 anos).</a:t>
+            </a:r>
+          </a:p>
+          <a:p>
+            <a:pPr marL="457200" indent="-457200">
+              <a:buFont typeface="+mj-lt"/>
+              <a:buAutoNum type="arabicPeriod"/>
+            </a:pPr>
+            <a:r>
+              <a:rPr lang="pt-BR" sz="1800" dirty="0"/>
+              <a:t>Crie um programa em TypeScript usando a estrutura </a:t>
+            </a:r>
+            <a:r>
+              <a:rPr lang="pt-BR" sz="1800" b="1" i="1" dirty="0"/>
+              <a:t>switch</a:t>
+            </a:r>
+            <a:r>
+              <a:rPr lang="pt-BR" sz="1800" i="1" dirty="0"/>
+              <a:t> </a:t>
+            </a:r>
+            <a:r>
+              <a:rPr lang="pt-BR" sz="1800" dirty="0"/>
+              <a:t> que dado um número inteiro seja impresso o dia da semana que ele representa. </a:t>
+            </a:r>
+            <a:r>
+              <a:rPr lang="pt-BR" sz="1800" dirty="0" err="1"/>
+              <a:t>Ex</a:t>
+            </a:r>
+            <a:r>
+              <a:rPr lang="pt-BR" sz="1800" dirty="0"/>
+              <a:t>: 1, imprime `segunda-feira`.</a:t>
+            </a:r>
+          </a:p>
+          <a:p>
+            <a:pPr marL="457200" indent="-457200">
+              <a:buFont typeface="+mj-lt"/>
+              <a:buAutoNum type="arabicPeriod"/>
+            </a:pPr>
+            <a:r>
+              <a:rPr lang="pt-BR" sz="1800" dirty="0"/>
+              <a:t>Crie um programa que use a estrutura de repetição </a:t>
+            </a:r>
+            <a:r>
+              <a:rPr lang="pt-BR" sz="1800" b="1" dirty="0" err="1"/>
+              <a:t>while</a:t>
+            </a:r>
+            <a:r>
+              <a:rPr lang="pt-BR" sz="1800" dirty="0"/>
+              <a:t> para imprimir os números pares de 2 a 10.</a:t>
+            </a:r>
+          </a:p>
+          <a:p>
+            <a:pPr marL="457200" indent="-457200">
+              <a:buFont typeface="+mj-lt"/>
+              <a:buAutoNum type="arabicPeriod"/>
+            </a:pPr>
+            <a:r>
+              <a:rPr lang="pt-BR" sz="1800" dirty="0"/>
+              <a:t>Crie um programa que use a estrutura de repetição </a:t>
+            </a:r>
+            <a:r>
+              <a:rPr lang="pt-BR" sz="1800" b="1" dirty="0"/>
+              <a:t>do...</a:t>
+            </a:r>
+            <a:r>
+              <a:rPr lang="pt-BR" sz="1800" b="1" dirty="0" err="1"/>
+              <a:t>while</a:t>
+            </a:r>
+            <a:r>
+              <a:rPr lang="pt-BR" sz="1800" dirty="0"/>
+              <a:t> para solicitar ao usuário que insira um número maior que 5. O programa deve continuar solicitando até que o usuário insira um número maior que 5.</a:t>
+            </a:r>
+          </a:p>
+          <a:p>
+            <a:pPr marL="457200" indent="-457200">
+              <a:buFont typeface="+mj-lt"/>
+              <a:buAutoNum type="arabicPeriod"/>
+            </a:pPr>
+            <a:r>
+              <a:rPr lang="pt-BR" sz="1800" dirty="0"/>
+              <a:t>Crie um programa que use a estrutura de repetição </a:t>
+            </a:r>
+            <a:r>
+              <a:rPr lang="pt-BR" sz="1800" b="1" dirty="0"/>
+              <a:t>for</a:t>
+            </a:r>
+            <a:r>
+              <a:rPr lang="pt-BR" sz="1800" dirty="0"/>
+              <a:t> para calcular a soma dos números de 1 a 5.</a:t>
+            </a:r>
+          </a:p>
+          <a:p>
+            <a:pPr marL="457200" indent="-457200">
+              <a:buFont typeface="+mj-lt"/>
+              <a:buAutoNum type="arabicPeriod"/>
+            </a:pPr>
+            <a:r>
+              <a:rPr lang="pt-BR" sz="1800" dirty="0"/>
+              <a:t>Crie um programa que use a estrutura de repetição </a:t>
+            </a:r>
+            <a:r>
+              <a:rPr lang="pt-BR" sz="1800" b="1" dirty="0"/>
+              <a:t>for...in</a:t>
+            </a:r>
+            <a:r>
+              <a:rPr lang="pt-BR" sz="1800" dirty="0"/>
+              <a:t> para percorrer as propriedades de um objeto e imprimir o nome e o valor de cada propriedade.</a:t>
+            </a:r>
+          </a:p>
+          <a:p>
+            <a:pPr marL="457200" indent="-457200">
+              <a:buFont typeface="+mj-lt"/>
+              <a:buAutoNum type="arabicPeriod"/>
+            </a:pPr>
+            <a:r>
+              <a:rPr lang="pt-BR" sz="1800" dirty="0"/>
+              <a:t>Crie um programa que use a estrutura de repetição </a:t>
+            </a:r>
+            <a:r>
+              <a:rPr lang="pt-BR" sz="1800" b="1" dirty="0"/>
+              <a:t>for...</a:t>
+            </a:r>
+            <a:r>
+              <a:rPr lang="pt-BR" sz="1800" b="1" dirty="0" err="1"/>
+              <a:t>of</a:t>
+            </a:r>
+            <a:r>
+              <a:rPr lang="pt-BR" sz="1800" dirty="0"/>
+              <a:t> para percorrer os elementos de um </a:t>
+            </a:r>
+            <a:r>
+              <a:rPr lang="pt-BR" sz="1800" dirty="0" err="1"/>
+              <a:t>array</a:t>
+            </a:r>
+            <a:r>
+              <a:rPr lang="pt-BR" sz="1800" dirty="0"/>
+              <a:t> e imprimir cada elemento multiplicado por 2.</a:t>
+            </a:r>
+          </a:p>
+        </p:txBody>
+      </p:sp>
     </p:spTree>
     <p:extLst>
       <p:ext uri="{BB962C8B-B14F-4D97-AF65-F5344CB8AC3E}">
-        <p14:creationId xmlns:p14="http://schemas.microsoft.com/office/powerpoint/2010/main" val="3137220833"/>
+        <p14:creationId xmlns:p14="http://schemas.microsoft.com/office/powerpoint/2010/main" val="3794177215"/>
       </p:ext>
     </p:extLst>
   </p:cSld>
@@ -6894,7 +7207,7 @@
 </p:sld>
 </file>
 
-<file path=ppt/slides/slide6.xml><?xml version="1.0" encoding="utf-8"?>
+<file path=ppt/slides/slide2.xml><?xml version="1.0" encoding="utf-8"?>
 <p:sld xmlns:a="http://schemas.openxmlformats.org/drawingml/2006/main" xmlns:r="http://schemas.openxmlformats.org/officeDocument/2006/relationships" xmlns:p="http://schemas.openxmlformats.org/presentationml/2006/main">
   <p:cSld>
     <p:bg>
@@ -7131,8 +7444,8 @@
         </p:nvSpPr>
         <p:spPr>
           <a:xfrm>
-            <a:off x="163902" y="1153572"/>
-            <a:ext cx="3723332" cy="4461163"/>
+            <a:off x="686834" y="1153572"/>
+            <a:ext cx="3200400" cy="4461163"/>
           </a:xfrm>
         </p:spPr>
         <p:txBody>
@@ -7142,12 +7455,12 @@
           <a:lstStyle/>
           <a:p>
             <a:r>
-              <a:rPr lang="pt-BR" b="1" dirty="0">
+              <a:rPr lang="pt-BR" dirty="0">
                 <a:solidFill>
-                  <a:schemeClr val="bg1"/>
+                  <a:srgbClr val="FFFFFF"/>
                 </a:solidFill>
               </a:rPr>
-              <a:t>Instalação do</a:t>
+              <a:t>Introdução ao </a:t>
             </a:r>
             <a:r>
               <a:rPr lang="pt-BR" b="1" dirty="0">
@@ -7155,26 +7468,11 @@
                   <a:srgbClr val="FFFF00"/>
                 </a:solidFill>
               </a:rPr>
-              <a:t> Node.js:</a:t>
-            </a:r>
-            <a:br>
-              <a:rPr lang="pt-BR" b="1" dirty="0">
-                <a:solidFill>
-                  <a:srgbClr val="FFFF00"/>
-                </a:solidFill>
-              </a:rPr>
-            </a:br>
-            <a:r>
-              <a:rPr lang="pt-BR" b="1" dirty="0">
-                <a:solidFill>
-                  <a:srgbClr val="FFFF00"/>
-                </a:solidFill>
-              </a:rPr>
-              <a:t>Passo a passo</a:t>
+              <a:t>TypeScript</a:t>
             </a:r>
             <a:endParaRPr lang="pt-BR" dirty="0">
               <a:solidFill>
-                <a:schemeClr val="bg1"/>
+                <a:srgbClr val="FFFF00"/>
               </a:solidFill>
             </a:endParaRPr>
           </a:p>
@@ -7259,177 +7557,50 @@
         </p:nvSpPr>
         <p:spPr>
           <a:xfrm>
-            <a:off x="4328126" y="591343"/>
+            <a:off x="4447308" y="591344"/>
             <a:ext cx="6906491" cy="5585619"/>
           </a:xfrm>
         </p:spPr>
         <p:txBody>
           <a:bodyPr anchor="ctr">
-            <a:normAutofit fontScale="92500" lnSpcReduction="20000"/>
+            <a:normAutofit/>
           </a:bodyPr>
           <a:lstStyle/>
           <a:p>
             <a:r>
-              <a:rPr lang="pt-BR" sz="2000" dirty="0"/>
-              <a:t>Passo 1: Acesse o site oficial:</a:t>
+              <a:rPr lang="pt-BR" dirty="0"/>
+              <a:t>Desenvolvido pela Microsoft</a:t>
+            </a:r>
+          </a:p>
+          <a:p>
+            <a:endParaRPr lang="pt-BR" dirty="0"/>
+          </a:p>
+          <a:p>
+            <a:r>
+              <a:rPr lang="pt-BR" dirty="0"/>
+              <a:t>Objetivos:</a:t>
             </a:r>
           </a:p>
           <a:p>
             <a:pPr lvl="1"/>
             <a:r>
-              <a:rPr lang="pt-BR" sz="1600" dirty="0"/>
-              <a:t>Site oficial do Node.js em </a:t>
-            </a:r>
-            <a:r>
-              <a:rPr lang="pt-BR" sz="1600" dirty="0">
-                <a:hlinkClick r:id="rId2"/>
-              </a:rPr>
-              <a:t>https://nodejs.org/</a:t>
-            </a:r>
-            <a:endParaRPr lang="pt-BR" sz="1600" dirty="0"/>
+              <a:rPr lang="pt-BR" dirty="0"/>
+              <a:t>Aumento da escalabilidade</a:t>
+            </a:r>
           </a:p>
           <a:p>
             <a:pPr lvl="1"/>
-            <a:endParaRPr lang="pt-BR" sz="1600" dirty="0"/>
-          </a:p>
-          <a:p>
-            <a:r>
-              <a:rPr lang="pt-BR" sz="2000" dirty="0"/>
-              <a:t>Passo 2: Baixar a versão LTS (</a:t>
-            </a:r>
-            <a:r>
-              <a:rPr lang="pt-BR" sz="2000" dirty="0" err="1"/>
-              <a:t>Long</a:t>
-            </a:r>
-            <a:r>
-              <a:rPr lang="pt-BR" sz="2000" dirty="0"/>
-              <a:t> </a:t>
-            </a:r>
-            <a:r>
-              <a:rPr lang="pt-BR" sz="2000" dirty="0" err="1"/>
-              <a:t>Term</a:t>
-            </a:r>
-            <a:r>
-              <a:rPr lang="pt-BR" sz="2000" dirty="0"/>
-              <a:t> </a:t>
-            </a:r>
-            <a:r>
-              <a:rPr lang="pt-BR" sz="2000" dirty="0" err="1"/>
-              <a:t>Support</a:t>
-            </a:r>
-            <a:r>
-              <a:rPr lang="pt-BR" sz="2000" dirty="0"/>
-              <a:t>)</a:t>
-            </a:r>
-          </a:p>
-          <a:p>
-            <a:endParaRPr lang="pt-BR" sz="2000" dirty="0"/>
-          </a:p>
-          <a:p>
-            <a:r>
-              <a:rPr lang="pt-BR" sz="2000" dirty="0"/>
-              <a:t>Passo 3: Seleciona a versão a ser baixada e inicie o download</a:t>
-            </a:r>
-          </a:p>
-          <a:p>
-            <a:endParaRPr lang="pt-BR" sz="2000" dirty="0"/>
-          </a:p>
-          <a:p>
-            <a:r>
-              <a:rPr lang="pt-BR" sz="2000" dirty="0"/>
-              <a:t>Passo 4: Execute o instalador e aceita os termos da licença</a:t>
-            </a:r>
-          </a:p>
-          <a:p>
-            <a:endParaRPr lang="pt-BR" sz="2000" dirty="0"/>
-          </a:p>
-          <a:p>
-            <a:r>
-              <a:rPr lang="pt-BR" sz="2000" dirty="0"/>
-              <a:t>Passo 5: Escolha a pasta de instalação</a:t>
-            </a:r>
-          </a:p>
-          <a:p>
-            <a:endParaRPr lang="pt-BR" sz="2000" dirty="0"/>
-          </a:p>
-          <a:p>
-            <a:r>
-              <a:rPr lang="pt-BR" sz="2000" dirty="0"/>
-              <a:t>Passo 6: Personalize a instalação</a:t>
+            <a:r>
+              <a:rPr lang="pt-BR" dirty="0"/>
+              <a:t>Robustez (resiliência a erros e situações inesperadas durante a execução)</a:t>
             </a:r>
           </a:p>
           <a:p>
             <a:pPr lvl="1"/>
             <a:r>
-              <a:rPr lang="pt-BR" sz="1600" dirty="0"/>
-              <a:t>Instale o </a:t>
-            </a:r>
-            <a:r>
-              <a:rPr lang="pt-BR" sz="1600" b="1" dirty="0" err="1"/>
-              <a:t>npm</a:t>
-            </a:r>
-            <a:r>
-              <a:rPr lang="pt-BR" sz="1600" dirty="0"/>
-              <a:t> caso não esteja selecionado</a:t>
-            </a:r>
-          </a:p>
-          <a:p>
-            <a:pPr marL="457200" lvl="1" indent="0">
-              <a:buNone/>
-            </a:pPr>
-            <a:endParaRPr lang="pt-BR" sz="1600" dirty="0"/>
-          </a:p>
-          <a:p>
-            <a:r>
-              <a:rPr lang="pt-BR" sz="2000" dirty="0"/>
-              <a:t>Passo 7: Conclua a instalação pressionando </a:t>
-            </a:r>
-            <a:r>
-              <a:rPr lang="pt-BR" sz="2000" b="1" dirty="0" err="1"/>
-              <a:t>next</a:t>
-            </a:r>
-            <a:endParaRPr lang="pt-BR" sz="2000" b="1" dirty="0"/>
-          </a:p>
-          <a:p>
-            <a:endParaRPr lang="pt-BR" sz="2000" dirty="0"/>
-          </a:p>
-          <a:p>
-            <a:r>
-              <a:rPr lang="pt-BR" sz="2000" dirty="0"/>
-              <a:t>Passo 8: Verifique a instalação</a:t>
-            </a:r>
-          </a:p>
-          <a:p>
-            <a:pPr lvl="1"/>
-            <a:r>
-              <a:rPr lang="pt-BR" sz="1600" dirty="0"/>
-              <a:t>Use os comandos: </a:t>
-            </a:r>
-            <a:r>
-              <a:rPr lang="pt-BR" sz="1600" b="1" dirty="0"/>
-              <a:t>node – </a:t>
-            </a:r>
-            <a:r>
-              <a:rPr lang="pt-BR" sz="1600" b="1" dirty="0" err="1"/>
-              <a:t>v</a:t>
-            </a:r>
-            <a:r>
-              <a:rPr lang="pt-BR" sz="1600" b="1" dirty="0"/>
-              <a:t> ou </a:t>
-            </a:r>
-            <a:r>
-              <a:rPr lang="pt-BR" sz="1600" b="1" dirty="0" err="1"/>
-              <a:t>npm</a:t>
-            </a:r>
-            <a:r>
-              <a:rPr lang="pt-BR" sz="1600" b="1" dirty="0"/>
-              <a:t> –</a:t>
-            </a:r>
-            <a:r>
-              <a:rPr lang="pt-BR" sz="1600" b="1" dirty="0" err="1"/>
-              <a:t>v</a:t>
-            </a:r>
-            <a:endParaRPr lang="pt-BR" sz="1600" dirty="0"/>
+              <a:rPr lang="pt-BR" dirty="0"/>
+              <a:t>E fácil manutenção em projetos de grande porte</a:t>
+            </a:r>
           </a:p>
         </p:txBody>
       </p:sp>
@@ -7448,7 +7619,7 @@
           <p:nvPr/>
         </p:nvPicPr>
         <p:blipFill>
-          <a:blip r:embed="rId3"/>
+          <a:blip r:embed="rId2"/>
           <a:stretch>
             <a:fillRect/>
           </a:stretch>
@@ -7510,7 +7681,7 @@
     </p:spTree>
     <p:extLst>
       <p:ext uri="{BB962C8B-B14F-4D97-AF65-F5344CB8AC3E}">
-        <p14:creationId xmlns:p14="http://schemas.microsoft.com/office/powerpoint/2010/main" val="1720284833"/>
+        <p14:creationId xmlns:p14="http://schemas.microsoft.com/office/powerpoint/2010/main" val="372220404"/>
       </p:ext>
     </p:extLst>
   </p:cSld>
@@ -7520,7 +7691,7 @@
 </p:sld>
 </file>
 
-<file path=ppt/slides/slide7.xml><?xml version="1.0" encoding="utf-8"?>
+<file path=ppt/slides/slide3.xml><?xml version="1.0" encoding="utf-8"?>
 <p:sld xmlns:a="http://schemas.openxmlformats.org/drawingml/2006/main" xmlns:r="http://schemas.openxmlformats.org/officeDocument/2006/relationships" xmlns:p="http://schemas.openxmlformats.org/presentationml/2006/main">
   <p:cSld>
     <p:bg>
@@ -7773,7 +7944,7 @@
                   <a:schemeClr val="bg1"/>
                 </a:solidFill>
               </a:rPr>
-              <a:t>Instalação do</a:t>
+              <a:t>Principais características do</a:t>
             </a:r>
             <a:r>
               <a:rPr lang="pt-BR" b="1" dirty="0">
@@ -7781,26 +7952,11 @@
                   <a:srgbClr val="FFFF00"/>
                 </a:solidFill>
               </a:rPr>
-              <a:t> TypeScript:</a:t>
-            </a:r>
-            <a:br>
-              <a:rPr lang="pt-BR" b="1" dirty="0">
-                <a:solidFill>
-                  <a:srgbClr val="FFFF00"/>
-                </a:solidFill>
-              </a:rPr>
-            </a:br>
-            <a:r>
-              <a:rPr lang="pt-BR" b="1" dirty="0">
-                <a:solidFill>
-                  <a:srgbClr val="FFFF00"/>
-                </a:solidFill>
-              </a:rPr>
-              <a:t>Passo a passo</a:t>
+              <a:t> TypeScript</a:t>
             </a:r>
             <a:endParaRPr lang="pt-BR" dirty="0">
               <a:solidFill>
-                <a:schemeClr val="bg1"/>
+                <a:srgbClr val="FFFF00"/>
               </a:solidFill>
             </a:endParaRPr>
           </a:p>
@@ -7885,7 +8041,7 @@
         </p:nvSpPr>
         <p:spPr>
           <a:xfrm>
-            <a:off x="4328126" y="591343"/>
+            <a:off x="4447308" y="591344"/>
             <a:ext cx="6906491" cy="5585619"/>
           </a:xfrm>
         </p:spPr>
@@ -7896,195 +8052,70 @@
           <a:lstStyle/>
           <a:p>
             <a:r>
+              <a:rPr lang="pt-BR" sz="2400" dirty="0" err="1"/>
+              <a:t>Superset</a:t>
+            </a:r>
+            <a:r>
+              <a:rPr lang="pt-BR" sz="2400" dirty="0"/>
+              <a:t> do JavaScript</a:t>
+            </a:r>
+          </a:p>
+          <a:p>
+            <a:pPr lvl="1"/>
+            <a:r>
               <a:rPr lang="pt-BR" sz="2000" dirty="0"/>
-              <a:t>Passo 1: Abra o prompt de comando:</a:t>
+              <a:t>Qualquer código JS é automaticamente válido no TypeScript.</a:t>
             </a:r>
           </a:p>
           <a:p>
             <a:pPr lvl="1"/>
-            <a:r>
-              <a:rPr lang="pt-BR" sz="1600" dirty="0"/>
-              <a:t>Pressione ‘</a:t>
-            </a:r>
-            <a:r>
-              <a:rPr lang="pt-BR" sz="1600" dirty="0" err="1"/>
-              <a:t>win</a:t>
-            </a:r>
-            <a:r>
-              <a:rPr lang="pt-BR" sz="1600" dirty="0"/>
-              <a:t> + </a:t>
-            </a:r>
-            <a:r>
-              <a:rPr lang="pt-BR" sz="1600" dirty="0" err="1"/>
-              <a:t>r</a:t>
-            </a:r>
-            <a:r>
-              <a:rPr lang="pt-BR" sz="1600" dirty="0"/>
-              <a:t>’, digite ‘</a:t>
-            </a:r>
-            <a:r>
-              <a:rPr lang="pt-BR" sz="1600" b="1" dirty="0" err="1"/>
-              <a:t>cmd</a:t>
-            </a:r>
-            <a:r>
-              <a:rPr lang="pt-BR" sz="1600" dirty="0"/>
-              <a:t>’ e pressione </a:t>
-            </a:r>
-            <a:r>
-              <a:rPr lang="pt-BR" sz="1600" dirty="0" err="1"/>
-              <a:t>Enter</a:t>
-            </a:r>
-            <a:r>
-              <a:rPr lang="pt-BR" sz="1600" dirty="0"/>
-              <a:t> para abrir o prompt de comando</a:t>
+            <a:endParaRPr lang="pt-BR" sz="2000" dirty="0"/>
+          </a:p>
+          <a:p>
+            <a:r>
+              <a:rPr lang="pt-BR" sz="2400" dirty="0"/>
+              <a:t>Sistema de tipos estático</a:t>
             </a:r>
           </a:p>
           <a:p>
             <a:pPr lvl="1"/>
-            <a:endParaRPr lang="pt-BR" sz="1600" dirty="0"/>
-          </a:p>
-          <a:p>
             <a:r>
               <a:rPr lang="pt-BR" sz="2000" dirty="0"/>
-              <a:t>Passo 2: Instale o TypeScript via </a:t>
-            </a:r>
-            <a:r>
-              <a:rPr lang="pt-BR" sz="2000" dirty="0" err="1"/>
-              <a:t>npm</a:t>
-            </a:r>
+              <a:t>Permite que os tipos de dados e retornos de função sejam especificados.</a:t>
+            </a:r>
+          </a:p>
+          <a:p>
+            <a:pPr lvl="1"/>
+            <a:endParaRPr lang="pt-BR" sz="2000" dirty="0"/>
+          </a:p>
+          <a:p>
+            <a:r>
+              <a:rPr lang="pt-BR" sz="2400" dirty="0"/>
+              <a:t>Compilação para JS</a:t>
+            </a:r>
+          </a:p>
+          <a:p>
+            <a:pPr lvl="1"/>
             <a:r>
               <a:rPr lang="pt-BR" sz="2000" dirty="0"/>
-              <a:t>:</a:t>
+              <a:t>Permite que os desenvolvedores compilem seus programas para versões atuais e mais antigas.</a:t>
             </a:r>
           </a:p>
           <a:p>
             <a:pPr lvl="1"/>
-            <a:r>
-              <a:rPr lang="pt-BR" sz="1400" dirty="0"/>
-              <a:t>Digite: </a:t>
-            </a:r>
-            <a:r>
-              <a:rPr lang="pt-BR" sz="1400" b="1" dirty="0" err="1"/>
-              <a:t>npm</a:t>
-            </a:r>
-            <a:r>
-              <a:rPr lang="pt-BR" sz="1400" b="1" dirty="0"/>
-              <a:t> </a:t>
-            </a:r>
-            <a:r>
-              <a:rPr lang="pt-BR" sz="1400" b="1" dirty="0" err="1"/>
-              <a:t>install</a:t>
-            </a:r>
-            <a:r>
-              <a:rPr lang="pt-BR" sz="1400" b="1" dirty="0"/>
-              <a:t> –</a:t>
-            </a:r>
-            <a:r>
-              <a:rPr lang="pt-BR" sz="1400" b="1" dirty="0" err="1"/>
-              <a:t>g</a:t>
-            </a:r>
-            <a:r>
-              <a:rPr lang="pt-BR" sz="1400" b="1" dirty="0"/>
-              <a:t> </a:t>
-            </a:r>
-            <a:r>
-              <a:rPr lang="pt-BR" sz="1400" b="1" dirty="0" err="1"/>
-              <a:t>typescript</a:t>
-            </a:r>
-            <a:endParaRPr lang="pt-BR" sz="1400" b="1" dirty="0"/>
+            <a:endParaRPr lang="pt-BR" sz="2000" dirty="0"/>
+          </a:p>
+          <a:p>
+            <a:r>
+              <a:rPr lang="pt-BR" sz="2400" dirty="0"/>
+              <a:t>Full OOP</a:t>
+            </a:r>
           </a:p>
           <a:p>
             <a:pPr lvl="1"/>
-            <a:endParaRPr lang="pt-BR" sz="1400" dirty="0"/>
-          </a:p>
-          <a:p>
             <a:r>
               <a:rPr lang="pt-BR" sz="2000" dirty="0"/>
-              <a:t>Passo 3: Verifique a instalação</a:t>
-            </a:r>
-          </a:p>
-          <a:p>
-            <a:pPr lvl="1"/>
-            <a:r>
-              <a:rPr lang="pt-BR" sz="1400" dirty="0" err="1"/>
-              <a:t>tsc</a:t>
-            </a:r>
-            <a:r>
-              <a:rPr lang="pt-BR" sz="1400" dirty="0"/>
-              <a:t> –</a:t>
-            </a:r>
-            <a:r>
-              <a:rPr lang="pt-BR" sz="1400" dirty="0" err="1"/>
-              <a:t>v</a:t>
-            </a:r>
-            <a:endParaRPr lang="pt-BR" sz="1400" dirty="0"/>
-          </a:p>
-          <a:p>
-            <a:pPr lvl="1"/>
-            <a:endParaRPr lang="pt-BR" sz="1400" dirty="0"/>
-          </a:p>
-          <a:p>
-            <a:r>
-              <a:rPr lang="pt-BR" sz="2000" dirty="0"/>
-              <a:t>Passo 4: Teste a instalação:</a:t>
-            </a:r>
-          </a:p>
-          <a:p>
-            <a:pPr lvl="1"/>
-            <a:r>
-              <a:rPr lang="pt-BR" sz="1400" dirty="0"/>
-              <a:t>Crie um arquivo texto com extensão</a:t>
-            </a:r>
-            <a:r>
-              <a:rPr lang="pt-BR" sz="1400" b="1" dirty="0"/>
-              <a:t> `.</a:t>
-            </a:r>
-            <a:r>
-              <a:rPr lang="pt-BR" sz="1400" b="1" dirty="0" err="1"/>
-              <a:t>ts</a:t>
-            </a:r>
-            <a:r>
-              <a:rPr lang="pt-BR" sz="1400" b="1" dirty="0"/>
-              <a:t>`</a:t>
-            </a:r>
-            <a:r>
-              <a:rPr lang="pt-BR" sz="1400" dirty="0"/>
-              <a:t> (</a:t>
-            </a:r>
-            <a:r>
-              <a:rPr lang="pt-BR" sz="1400" dirty="0" err="1"/>
-              <a:t>app.ts</a:t>
-            </a:r>
-            <a:r>
-              <a:rPr lang="pt-BR" sz="1400" dirty="0"/>
-              <a:t>)</a:t>
-            </a:r>
-          </a:p>
-          <a:p>
-            <a:pPr lvl="1"/>
-            <a:r>
-              <a:rPr lang="pt-BR" sz="1400" dirty="0"/>
-              <a:t>Verifique se o compilador foi instalado: </a:t>
-            </a:r>
-            <a:r>
-              <a:rPr lang="pt-BR" sz="1400" b="1" dirty="0"/>
-              <a:t>‘</a:t>
-            </a:r>
-            <a:r>
-              <a:rPr lang="pt-BR" sz="1400" b="1" dirty="0" err="1"/>
-              <a:t>tsc</a:t>
-            </a:r>
-            <a:r>
-              <a:rPr lang="pt-BR" sz="1400" b="1" dirty="0"/>
-              <a:t> </a:t>
-            </a:r>
-            <a:r>
-              <a:rPr lang="pt-BR" sz="1400" b="1" dirty="0" err="1"/>
-              <a:t>app.ts</a:t>
-            </a:r>
-            <a:r>
-              <a:rPr lang="pt-BR" sz="1400" b="1" dirty="0"/>
-              <a:t>`</a:t>
+              <a:t>Atende todos os requisitos de uma linguagem orientada a objeto.</a:t>
             </a:r>
           </a:p>
         </p:txBody>
@@ -8166,7 +8197,7 @@
     </p:spTree>
     <p:extLst>
       <p:ext uri="{BB962C8B-B14F-4D97-AF65-F5344CB8AC3E}">
-        <p14:creationId xmlns:p14="http://schemas.microsoft.com/office/powerpoint/2010/main" val="963745987"/>
+        <p14:creationId xmlns:p14="http://schemas.microsoft.com/office/powerpoint/2010/main" val="3400419323"/>
       </p:ext>
     </p:extLst>
   </p:cSld>
@@ -8176,7 +8207,7 @@
 </p:sld>
 </file>
 
-<file path=ppt/slides/slide8.xml><?xml version="1.0" encoding="utf-8"?>
+<file path=ppt/slides/slide4.xml><?xml version="1.0" encoding="utf-8"?>
 <p:sld xmlns:a="http://schemas.openxmlformats.org/drawingml/2006/main" xmlns:r="http://schemas.openxmlformats.org/officeDocument/2006/relationships" xmlns:p="http://schemas.openxmlformats.org/presentationml/2006/main">
   <p:cSld>
     <p:bg>
@@ -8429,7 +8460,7 @@
                   <a:schemeClr val="bg1"/>
                 </a:solidFill>
               </a:rPr>
-              <a:t>Tipos básicos no</a:t>
+              <a:t>Instalação do</a:t>
             </a:r>
             <a:r>
               <a:rPr lang="pt-BR" b="1" dirty="0">
@@ -8437,7 +8468,22 @@
                   <a:srgbClr val="FFFF00"/>
                 </a:solidFill>
               </a:rPr>
-              <a:t> TypeScript</a:t>
+              <a:t> Node.js:</a:t>
+            </a:r>
+            <a:br>
+              <a:rPr lang="pt-BR" b="1" dirty="0">
+                <a:solidFill>
+                  <a:srgbClr val="FFFF00"/>
+                </a:solidFill>
+              </a:rPr>
+            </a:br>
+            <a:r>
+              <a:rPr lang="pt-BR" b="1" dirty="0">
+                <a:solidFill>
+                  <a:schemeClr val="bg1"/>
+                </a:solidFill>
+              </a:rPr>
+              <a:t>Definição e características</a:t>
             </a:r>
             <a:endParaRPr lang="pt-BR" dirty="0">
               <a:solidFill>
@@ -8505,6 +8551,124 @@
           <a:p>
             <a:pPr algn="ctr"/>
             <a:endParaRPr lang="en-US" dirty="0"/>
+          </a:p>
+        </p:txBody>
+      </p:sp>
+      <p:sp>
+        <p:nvSpPr>
+          <p:cNvPr id="3" name="Espaço Reservado para Conteúdo 2">
+            <a:extLst>
+              <a:ext uri="{FF2B5EF4-FFF2-40B4-BE49-F238E27FC236}">
+                <a16:creationId xmlns:a16="http://schemas.microsoft.com/office/drawing/2014/main" id="{69077D4C-F2A1-C668-7B95-F2B25BC939F6}"/>
+              </a:ext>
+            </a:extLst>
+          </p:cNvPr>
+          <p:cNvSpPr>
+            <a:spLocks noGrp="1"/>
+          </p:cNvSpPr>
+          <p:nvPr>
+            <p:ph idx="1"/>
+          </p:nvPr>
+        </p:nvSpPr>
+        <p:spPr>
+          <a:xfrm>
+            <a:off x="4328126" y="591343"/>
+            <a:ext cx="6906491" cy="5585619"/>
+          </a:xfrm>
+        </p:spPr>
+        <p:txBody>
+          <a:bodyPr anchor="t">
+            <a:normAutofit fontScale="92500"/>
+          </a:bodyPr>
+          <a:lstStyle/>
+          <a:p>
+            <a:r>
+              <a:rPr lang="pt-BR" sz="2400" dirty="0"/>
+              <a:t>O que é ?</a:t>
+            </a:r>
+          </a:p>
+          <a:p>
+            <a:pPr lvl="1"/>
+            <a:r>
+              <a:rPr lang="pt-BR" sz="2000" dirty="0"/>
+              <a:t>Ambiente de execução JavaScript do lado do servidor</a:t>
+            </a:r>
+          </a:p>
+          <a:p>
+            <a:pPr marL="457200" lvl="1" indent="0">
+              <a:buNone/>
+            </a:pPr>
+            <a:endParaRPr lang="pt-BR" sz="2000" dirty="0"/>
+          </a:p>
+          <a:p>
+            <a:r>
+              <a:rPr lang="pt-BR" sz="2400" dirty="0"/>
+              <a:t>Assincronismo e </a:t>
+            </a:r>
+            <a:r>
+              <a:rPr lang="pt-BR" sz="2400" dirty="0" err="1"/>
+              <a:t>Event-driven</a:t>
+            </a:r>
+            <a:endParaRPr lang="pt-BR" sz="2400" dirty="0"/>
+          </a:p>
+          <a:p>
+            <a:pPr lvl="1"/>
+            <a:r>
+              <a:rPr lang="pt-BR" sz="2000" dirty="0"/>
+              <a:t>Projetado para operações assíncronas e orientado a eventos. Isso significa que ele pode lidar com muitas conexões simultâneas sem a necessidade de threads adicionais, resultando em aplicações escaláveis e eficientes.</a:t>
+            </a:r>
+          </a:p>
+          <a:p>
+            <a:pPr marL="457200" lvl="1" indent="0">
+              <a:buNone/>
+            </a:pPr>
+            <a:endParaRPr lang="pt-BR" sz="2000" dirty="0"/>
+          </a:p>
+          <a:p>
+            <a:r>
+              <a:rPr lang="pt-BR" sz="2400" dirty="0"/>
+              <a:t>V8 </a:t>
+            </a:r>
+            <a:r>
+              <a:rPr lang="pt-BR" sz="2400" dirty="0" err="1"/>
+              <a:t>Engine</a:t>
+            </a:r>
+            <a:endParaRPr lang="pt-BR" sz="2400" dirty="0"/>
+          </a:p>
+          <a:p>
+            <a:pPr lvl="1"/>
+            <a:r>
+              <a:rPr lang="pt-BR" sz="2000" dirty="0"/>
+              <a:t>Utiliza o V8, o mecanismo de JavaScript de código aberto do Google Chrome, que é conhecido por ser rápido e eficiente na execução de código JavaScript.</a:t>
+            </a:r>
+          </a:p>
+          <a:p>
+            <a:pPr lvl="1"/>
+            <a:endParaRPr lang="pt-BR" sz="1600" dirty="0"/>
+          </a:p>
+          <a:p>
+            <a:r>
+              <a:rPr lang="pt-BR" sz="2400" dirty="0"/>
+              <a:t>Módulos nativos e NPM</a:t>
+            </a:r>
+          </a:p>
+          <a:p>
+            <a:pPr lvl="1"/>
+            <a:r>
+              <a:rPr lang="pt-BR" sz="2000" dirty="0"/>
+              <a:t>Possui seu próprio sistema de módulos e usa o Node </a:t>
+            </a:r>
+            <a:r>
+              <a:rPr lang="pt-BR" sz="2000" dirty="0" err="1"/>
+              <a:t>Package</a:t>
+            </a:r>
+            <a:r>
+              <a:rPr lang="pt-BR" sz="2000" dirty="0"/>
+              <a:t> Manager (NPM) para gerenciar pacotes e dependências.</a:t>
+            </a:r>
+          </a:p>
+          <a:p>
+            <a:endParaRPr lang="pt-BR" sz="2400" dirty="0"/>
           </a:p>
         </p:txBody>
       </p:sp>
@@ -8582,220 +8746,10 @@
           </a:custGeom>
         </p:spPr>
       </p:pic>
-      <p:pic>
-        <p:nvPicPr>
-          <p:cNvPr id="9" name="Imagem 8" descr="Retângulo&#10;&#10;Descrição gerada automaticamente com confiança baixa">
-            <a:extLst>
-              <a:ext uri="{FF2B5EF4-FFF2-40B4-BE49-F238E27FC236}">
-                <a16:creationId xmlns:a16="http://schemas.microsoft.com/office/drawing/2014/main" id="{7B8BE551-4ADC-B349-CB97-D6C4D5940FBE}"/>
-              </a:ext>
-            </a:extLst>
-          </p:cNvPr>
-          <p:cNvPicPr>
-            <a:picLocks noChangeAspect="1"/>
-          </p:cNvPicPr>
-          <p:nvPr/>
-        </p:nvPicPr>
-        <p:blipFill>
-          <a:blip r:embed="rId3"/>
-          <a:stretch>
-            <a:fillRect/>
-          </a:stretch>
-        </p:blipFill>
-        <p:spPr>
-          <a:xfrm>
-            <a:off x="4559429" y="5105910"/>
-            <a:ext cx="6148335" cy="808114"/>
-          </a:xfrm>
-          <a:prstGeom prst="rect">
-            <a:avLst/>
-          </a:prstGeom>
-        </p:spPr>
-      </p:pic>
-      <p:pic>
-        <p:nvPicPr>
-          <p:cNvPr id="13" name="Imagem 12" descr="Texto&#10;&#10;Descrição gerada automaticamente com confiança baixa">
-            <a:extLst>
-              <a:ext uri="{FF2B5EF4-FFF2-40B4-BE49-F238E27FC236}">
-                <a16:creationId xmlns:a16="http://schemas.microsoft.com/office/drawing/2014/main" id="{1EB1A975-4EEE-691B-D2BB-F174C299D086}"/>
-              </a:ext>
-            </a:extLst>
-          </p:cNvPr>
-          <p:cNvPicPr>
-            <a:picLocks noChangeAspect="1"/>
-          </p:cNvPicPr>
-          <p:nvPr/>
-        </p:nvPicPr>
-        <p:blipFill>
-          <a:blip r:embed="rId4"/>
-          <a:stretch>
-            <a:fillRect/>
-          </a:stretch>
-        </p:blipFill>
-        <p:spPr>
-          <a:xfrm>
-            <a:off x="4559429" y="2905722"/>
-            <a:ext cx="6148335" cy="1476928"/>
-          </a:xfrm>
-          <a:prstGeom prst="rect">
-            <a:avLst/>
-          </a:prstGeom>
-        </p:spPr>
-      </p:pic>
-      <p:pic>
-        <p:nvPicPr>
-          <p:cNvPr id="15" name="Imagem 14" descr="Interface gráfica do usuário, Texto&#10;&#10;Descrição gerada automaticamente">
-            <a:extLst>
-              <a:ext uri="{FF2B5EF4-FFF2-40B4-BE49-F238E27FC236}">
-                <a16:creationId xmlns:a16="http://schemas.microsoft.com/office/drawing/2014/main" id="{A5090FFD-EBA7-D510-BC96-A2AD31040741}"/>
-              </a:ext>
-            </a:extLst>
-          </p:cNvPr>
-          <p:cNvPicPr>
-            <a:picLocks noChangeAspect="1"/>
-          </p:cNvPicPr>
-          <p:nvPr/>
-        </p:nvPicPr>
-        <p:blipFill>
-          <a:blip r:embed="rId5"/>
-          <a:stretch>
-            <a:fillRect/>
-          </a:stretch>
-        </p:blipFill>
-        <p:spPr>
-          <a:xfrm>
-            <a:off x="4559430" y="943976"/>
-            <a:ext cx="6148335" cy="1017770"/>
-          </a:xfrm>
-          <a:prstGeom prst="rect">
-            <a:avLst/>
-          </a:prstGeom>
-        </p:spPr>
-      </p:pic>
-      <p:sp>
-        <p:nvSpPr>
-          <p:cNvPr id="16" name="CaixaDeTexto 15">
-            <a:extLst>
-              <a:ext uri="{FF2B5EF4-FFF2-40B4-BE49-F238E27FC236}">
-                <a16:creationId xmlns:a16="http://schemas.microsoft.com/office/drawing/2014/main" id="{4CFBE1C0-A66F-F7DD-93F9-3915DE5ED191}"/>
-              </a:ext>
-            </a:extLst>
-          </p:cNvPr>
-          <p:cNvSpPr txBox="1"/>
-          <p:nvPr/>
-        </p:nvSpPr>
-        <p:spPr>
-          <a:xfrm>
-            <a:off x="4559429" y="573944"/>
-            <a:ext cx="1422954" cy="369332"/>
-          </a:xfrm>
-          <a:prstGeom prst="rect">
-            <a:avLst/>
-          </a:prstGeom>
-          <a:noFill/>
-        </p:spPr>
-        <p:txBody>
-          <a:bodyPr wrap="none" rtlCol="0">
-            <a:spAutoFit/>
-          </a:bodyPr>
-          <a:lstStyle/>
-          <a:p>
-            <a:r>
-              <a:rPr lang="pt-BR" dirty="0"/>
-              <a:t>Textos: </a:t>
-            </a:r>
-            <a:r>
-              <a:rPr lang="pt-BR" i="1" dirty="0" err="1"/>
-              <a:t>string</a:t>
-            </a:r>
-            <a:endParaRPr lang="pt-BR" i="1" dirty="0"/>
-          </a:p>
-        </p:txBody>
-      </p:sp>
-      <p:sp>
-        <p:nvSpPr>
-          <p:cNvPr id="17" name="CaixaDeTexto 16">
-            <a:extLst>
-              <a:ext uri="{FF2B5EF4-FFF2-40B4-BE49-F238E27FC236}">
-                <a16:creationId xmlns:a16="http://schemas.microsoft.com/office/drawing/2014/main" id="{8CC5C1E9-F591-06D3-FE36-70B50365CA7E}"/>
-              </a:ext>
-            </a:extLst>
-          </p:cNvPr>
-          <p:cNvSpPr txBox="1"/>
-          <p:nvPr/>
-        </p:nvSpPr>
-        <p:spPr>
-          <a:xfrm>
-            <a:off x="4559429" y="2535690"/>
-            <a:ext cx="2039020" cy="369332"/>
-          </a:xfrm>
-          <a:prstGeom prst="rect">
-            <a:avLst/>
-          </a:prstGeom>
-          <a:noFill/>
-        </p:spPr>
-        <p:txBody>
-          <a:bodyPr wrap="none" rtlCol="0">
-            <a:spAutoFit/>
-          </a:bodyPr>
-          <a:lstStyle/>
-          <a:p>
-            <a:r>
-              <a:rPr lang="pt-BR" dirty="0"/>
-              <a:t>Numéricos: </a:t>
-            </a:r>
-            <a:r>
-              <a:rPr lang="pt-BR" i="1" dirty="0" err="1"/>
-              <a:t>number</a:t>
-            </a:r>
-            <a:endParaRPr lang="pt-BR" i="1" dirty="0"/>
-          </a:p>
-        </p:txBody>
-      </p:sp>
-      <p:sp>
-        <p:nvSpPr>
-          <p:cNvPr id="18" name="CaixaDeTexto 17">
-            <a:extLst>
-              <a:ext uri="{FF2B5EF4-FFF2-40B4-BE49-F238E27FC236}">
-                <a16:creationId xmlns:a16="http://schemas.microsoft.com/office/drawing/2014/main" id="{9E16CFB5-B1B5-4E7B-D2F1-80775E41E13B}"/>
-              </a:ext>
-            </a:extLst>
-          </p:cNvPr>
-          <p:cNvSpPr txBox="1"/>
-          <p:nvPr/>
-        </p:nvSpPr>
-        <p:spPr>
-          <a:xfrm>
-            <a:off x="4559429" y="4736578"/>
-            <a:ext cx="1745671" cy="369332"/>
-          </a:xfrm>
-          <a:prstGeom prst="rect">
-            <a:avLst/>
-          </a:prstGeom>
-          <a:noFill/>
-        </p:spPr>
-        <p:txBody>
-          <a:bodyPr wrap="none" rtlCol="0">
-            <a:spAutoFit/>
-          </a:bodyPr>
-          <a:lstStyle/>
-          <a:p>
-            <a:r>
-              <a:rPr lang="pt-BR" dirty="0"/>
-              <a:t>Lógicos: </a:t>
-            </a:r>
-            <a:r>
-              <a:rPr lang="pt-BR" i="1" dirty="0" err="1"/>
-              <a:t>booelan</a:t>
-            </a:r>
-            <a:endParaRPr lang="pt-BR" i="1" dirty="0"/>
-          </a:p>
-        </p:txBody>
-      </p:sp>
     </p:spTree>
     <p:extLst>
       <p:ext uri="{BB962C8B-B14F-4D97-AF65-F5344CB8AC3E}">
-        <p14:creationId xmlns:p14="http://schemas.microsoft.com/office/powerpoint/2010/main" val="1142695250"/>
+        <p14:creationId xmlns:p14="http://schemas.microsoft.com/office/powerpoint/2010/main" val="3137220833"/>
       </p:ext>
     </p:extLst>
   </p:cSld>
@@ -8805,7 +8759,7 @@
 </p:sld>
 </file>
 
-<file path=ppt/slides/slide9.xml><?xml version="1.0" encoding="utf-8"?>
+<file path=ppt/slides/slide5.xml><?xml version="1.0" encoding="utf-8"?>
 <p:sld xmlns:a="http://schemas.openxmlformats.org/drawingml/2006/main" xmlns:r="http://schemas.openxmlformats.org/officeDocument/2006/relationships" xmlns:p="http://schemas.openxmlformats.org/presentationml/2006/main">
   <p:cSld>
     <p:bg>
@@ -9058,7 +9012,7 @@
                   <a:schemeClr val="bg1"/>
                 </a:solidFill>
               </a:rPr>
-              <a:t>Tipos básicos no</a:t>
+              <a:t>Tipos de dados no</a:t>
             </a:r>
             <a:r>
               <a:rPr lang="pt-BR" b="1" dirty="0">
@@ -9211,140 +9165,936 @@
           </a:custGeom>
         </p:spPr>
       </p:pic>
-      <p:sp>
-        <p:nvSpPr>
-          <p:cNvPr id="16" name="CaixaDeTexto 15">
-            <a:extLst>
-              <a:ext uri="{FF2B5EF4-FFF2-40B4-BE49-F238E27FC236}">
-                <a16:creationId xmlns:a16="http://schemas.microsoft.com/office/drawing/2014/main" id="{4CFBE1C0-A66F-F7DD-93F9-3915DE5ED191}"/>
-              </a:ext>
-            </a:extLst>
-          </p:cNvPr>
-          <p:cNvSpPr txBox="1"/>
-          <p:nvPr/>
+      <p:graphicFrame>
+        <p:nvGraphicFramePr>
+          <p:cNvPr id="5" name="Tabela 4">
+            <a:extLst>
+              <a:ext uri="{FF2B5EF4-FFF2-40B4-BE49-F238E27FC236}">
+                <a16:creationId xmlns:a16="http://schemas.microsoft.com/office/drawing/2014/main" id="{B7C66454-89DE-8221-8A89-D951D4309886}"/>
+              </a:ext>
+            </a:extLst>
+          </p:cNvPr>
+          <p:cNvGraphicFramePr>
+            <a:graphicFrameLocks noGrp="1"/>
+          </p:cNvGraphicFramePr>
+          <p:nvPr>
+            <p:extLst>
+              <p:ext uri="{D42A27DB-BD31-4B8C-83A1-F6EECF244321}">
+                <p14:modId xmlns:p14="http://schemas.microsoft.com/office/powerpoint/2010/main" val="45613634"/>
+              </p:ext>
+            </p:extLst>
+          </p:nvPr>
+        </p:nvGraphicFramePr>
+        <p:xfrm>
+          <a:off x="4247699" y="137160"/>
+          <a:ext cx="6771799" cy="6583680"/>
+        </p:xfrm>
+        <a:graphic>
+          <a:graphicData uri="http://schemas.openxmlformats.org/drawingml/2006/table">
+            <a:tbl>
+              <a:tblPr firstRow="1" bandRow="1">
+                <a:tableStyleId>{5C22544A-7EE6-4342-B048-85BDC9FD1C3A}</a:tableStyleId>
+              </a:tblPr>
+              <a:tblGrid>
+                <a:gridCol w="1663465">
+                  <a:extLst>
+                    <a:ext uri="{9D8B030D-6E8A-4147-A177-3AD203B41FA5}">
+                      <a16:colId xmlns:a16="http://schemas.microsoft.com/office/drawing/2014/main" val="4135651507"/>
+                    </a:ext>
+                  </a:extLst>
+                </a:gridCol>
+                <a:gridCol w="5108334">
+                  <a:extLst>
+                    <a:ext uri="{9D8B030D-6E8A-4147-A177-3AD203B41FA5}">
+                      <a16:colId xmlns:a16="http://schemas.microsoft.com/office/drawing/2014/main" val="753793838"/>
+                    </a:ext>
+                  </a:extLst>
+                </a:gridCol>
+              </a:tblGrid>
+              <a:tr h="345973">
+                <a:tc>
+                  <a:txBody>
+                    <a:bodyPr/>
+                    <a:lstStyle/>
+                    <a:p>
+                      <a:r>
+                        <a:rPr lang="pt-BR" dirty="0"/>
+                        <a:t>Tipo</a:t>
+                      </a:r>
+                    </a:p>
+                  </a:txBody>
+                  <a:tcPr/>
+                </a:tc>
+                <a:tc>
+                  <a:txBody>
+                    <a:bodyPr/>
+                    <a:lstStyle/>
+                    <a:p>
+                      <a:r>
+                        <a:rPr lang="pt-BR" dirty="0"/>
+                        <a:t>Descrição</a:t>
+                      </a:r>
+                    </a:p>
+                  </a:txBody>
+                  <a:tcPr/>
+                </a:tc>
+                <a:extLst>
+                  <a:ext uri="{0D108BD9-81ED-4DB2-BD59-A6C34878D82A}">
+                    <a16:rowId xmlns:a16="http://schemas.microsoft.com/office/drawing/2014/main" val="4281893238"/>
+                  </a:ext>
+                </a:extLst>
+              </a:tr>
+              <a:tr h="346466">
+                <a:tc>
+                  <a:txBody>
+                    <a:bodyPr/>
+                    <a:lstStyle/>
+                    <a:p>
+                      <a:r>
+                        <a:rPr lang="pt-BR" b="1" i="1" dirty="0" err="1"/>
+                        <a:t>string</a:t>
+                      </a:r>
+                      <a:endParaRPr lang="pt-BR" b="1" i="1" dirty="0"/>
+                    </a:p>
+                  </a:txBody>
+                  <a:tcPr/>
+                </a:tc>
+                <a:tc>
+                  <a:txBody>
+                    <a:bodyPr/>
+                    <a:lstStyle/>
+                    <a:p>
+                      <a:r>
+                        <a:rPr lang="pt-BR" dirty="0"/>
+                        <a:t>valores alfanuméricos</a:t>
+                      </a:r>
+                    </a:p>
+                  </a:txBody>
+                  <a:tcPr/>
+                </a:tc>
+                <a:extLst>
+                  <a:ext uri="{0D108BD9-81ED-4DB2-BD59-A6C34878D82A}">
+                    <a16:rowId xmlns:a16="http://schemas.microsoft.com/office/drawing/2014/main" val="2286753038"/>
+                  </a:ext>
+                </a:extLst>
+              </a:tr>
+              <a:tr h="346466">
+                <a:tc>
+                  <a:txBody>
+                    <a:bodyPr/>
+                    <a:lstStyle/>
+                    <a:p>
+                      <a:r>
+                        <a:rPr lang="pt-BR" b="1" i="1" dirty="0" err="1"/>
+                        <a:t>number</a:t>
+                      </a:r>
+                      <a:endParaRPr lang="pt-BR" b="1" i="1" dirty="0"/>
+                    </a:p>
+                  </a:txBody>
+                  <a:tcPr/>
+                </a:tc>
+                <a:tc>
+                  <a:txBody>
+                    <a:bodyPr/>
+                    <a:lstStyle/>
+                    <a:p>
+                      <a:r>
+                        <a:rPr lang="pt-BR" dirty="0"/>
+                        <a:t>valores numéricos inteiros e de ponto flutuante</a:t>
+                      </a:r>
+                    </a:p>
+                  </a:txBody>
+                  <a:tcPr/>
+                </a:tc>
+                <a:extLst>
+                  <a:ext uri="{0D108BD9-81ED-4DB2-BD59-A6C34878D82A}">
+                    <a16:rowId xmlns:a16="http://schemas.microsoft.com/office/drawing/2014/main" val="3842279389"/>
+                  </a:ext>
+                </a:extLst>
+              </a:tr>
+              <a:tr h="346466">
+                <a:tc>
+                  <a:txBody>
+                    <a:bodyPr/>
+                    <a:lstStyle/>
+                    <a:p>
+                      <a:r>
+                        <a:rPr lang="pt-BR" b="1" i="1" dirty="0" err="1"/>
+                        <a:t>boolean</a:t>
+                      </a:r>
+                      <a:endParaRPr lang="pt-BR" b="1" i="1" dirty="0"/>
+                    </a:p>
+                  </a:txBody>
+                  <a:tcPr/>
+                </a:tc>
+                <a:tc>
+                  <a:txBody>
+                    <a:bodyPr/>
+                    <a:lstStyle/>
+                    <a:p>
+                      <a:r>
+                        <a:rPr lang="pt-BR" dirty="0"/>
+                        <a:t>valores lógicos (</a:t>
+                      </a:r>
+                      <a:r>
+                        <a:rPr lang="pt-BR" dirty="0" err="1">
+                          <a:solidFill>
+                            <a:srgbClr val="FF0000"/>
+                          </a:solidFill>
+                        </a:rPr>
+                        <a:t>true</a:t>
+                      </a:r>
+                      <a:r>
+                        <a:rPr lang="pt-BR" dirty="0"/>
+                        <a:t> ou </a:t>
+                      </a:r>
+                      <a:r>
+                        <a:rPr lang="pt-BR" dirty="0">
+                          <a:solidFill>
+                            <a:srgbClr val="FF0000"/>
+                          </a:solidFill>
+                        </a:rPr>
+                        <a:t>false</a:t>
+                      </a:r>
+                      <a:r>
+                        <a:rPr lang="pt-BR" dirty="0"/>
+                        <a:t>)</a:t>
+                      </a:r>
+                    </a:p>
+                  </a:txBody>
+                  <a:tcPr/>
+                </a:tc>
+                <a:extLst>
+                  <a:ext uri="{0D108BD9-81ED-4DB2-BD59-A6C34878D82A}">
+                    <a16:rowId xmlns:a16="http://schemas.microsoft.com/office/drawing/2014/main" val="3662349425"/>
+                  </a:ext>
+                </a:extLst>
+              </a:tr>
+              <a:tr h="346466">
+                <a:tc>
+                  <a:txBody>
+                    <a:bodyPr/>
+                    <a:lstStyle/>
+                    <a:p>
+                      <a:r>
+                        <a:rPr lang="pt-BR" b="1" i="1" dirty="0" err="1"/>
+                        <a:t>any</a:t>
+                      </a:r>
+                      <a:endParaRPr lang="pt-BR" b="1" i="1" dirty="0"/>
+                    </a:p>
+                  </a:txBody>
+                  <a:tcPr/>
+                </a:tc>
+                <a:tc>
+                  <a:txBody>
+                    <a:bodyPr/>
+                    <a:lstStyle/>
+                    <a:p>
+                      <a:r>
+                        <a:rPr lang="pt-BR" dirty="0"/>
+                        <a:t>qualquer valor</a:t>
+                      </a:r>
+                    </a:p>
+                  </a:txBody>
+                  <a:tcPr/>
+                </a:tc>
+                <a:extLst>
+                  <a:ext uri="{0D108BD9-81ED-4DB2-BD59-A6C34878D82A}">
+                    <a16:rowId xmlns:a16="http://schemas.microsoft.com/office/drawing/2014/main" val="361793299"/>
+                  </a:ext>
+                </a:extLst>
+              </a:tr>
+              <a:tr h="346466">
+                <a:tc>
+                  <a:txBody>
+                    <a:bodyPr/>
+                    <a:lstStyle/>
+                    <a:p>
+                      <a:r>
+                        <a:rPr lang="pt-BR" b="1" i="1" dirty="0" err="1"/>
+                        <a:t>null</a:t>
+                      </a:r>
+                      <a:endParaRPr lang="pt-BR" b="1" i="1" dirty="0"/>
+                    </a:p>
+                  </a:txBody>
+                  <a:tcPr/>
+                </a:tc>
+                <a:tc>
+                  <a:txBody>
+                    <a:bodyPr/>
+                    <a:lstStyle/>
+                    <a:p>
+                      <a:r>
+                        <a:rPr lang="pt-BR" dirty="0"/>
+                        <a:t>valor nulo</a:t>
+                      </a:r>
+                    </a:p>
+                  </a:txBody>
+                  <a:tcPr/>
+                </a:tc>
+                <a:extLst>
+                  <a:ext uri="{0D108BD9-81ED-4DB2-BD59-A6C34878D82A}">
+                    <a16:rowId xmlns:a16="http://schemas.microsoft.com/office/drawing/2014/main" val="3052507536"/>
+                  </a:ext>
+                </a:extLst>
+              </a:tr>
+              <a:tr h="346466">
+                <a:tc>
+                  <a:txBody>
+                    <a:bodyPr/>
+                    <a:lstStyle/>
+                    <a:p>
+                      <a:r>
+                        <a:rPr lang="pt-BR" b="1" i="1" dirty="0" err="1"/>
+                        <a:t>void</a:t>
+                      </a:r>
+                      <a:endParaRPr lang="pt-BR" b="1" i="1" dirty="0"/>
+                    </a:p>
+                  </a:txBody>
+                  <a:tcPr/>
+                </a:tc>
+                <a:tc>
+                  <a:txBody>
+                    <a:bodyPr/>
+                    <a:lstStyle/>
+                    <a:p>
+                      <a:r>
+                        <a:rPr lang="pt-BR" dirty="0"/>
+                        <a:t>sem valor</a:t>
+                      </a:r>
+                    </a:p>
+                  </a:txBody>
+                  <a:tcPr/>
+                </a:tc>
+                <a:extLst>
+                  <a:ext uri="{0D108BD9-81ED-4DB2-BD59-A6C34878D82A}">
+                    <a16:rowId xmlns:a16="http://schemas.microsoft.com/office/drawing/2014/main" val="819889047"/>
+                  </a:ext>
+                </a:extLst>
+              </a:tr>
+              <a:tr h="346466">
+                <a:tc>
+                  <a:txBody>
+                    <a:bodyPr/>
+                    <a:lstStyle/>
+                    <a:p>
+                      <a:r>
+                        <a:rPr lang="pt-BR" b="1" i="1" dirty="0" err="1"/>
+                        <a:t>never</a:t>
+                      </a:r>
+                      <a:endParaRPr lang="pt-BR" b="1" i="1" dirty="0"/>
+                    </a:p>
+                  </a:txBody>
+                  <a:tcPr/>
+                </a:tc>
+                <a:tc>
+                  <a:txBody>
+                    <a:bodyPr/>
+                    <a:lstStyle/>
+                    <a:p>
+                      <a:r>
+                        <a:rPr lang="pt-BR" dirty="0"/>
+                        <a:t>representa um conjunto de valores que nunca ocorre</a:t>
+                      </a:r>
+                    </a:p>
+                  </a:txBody>
+                  <a:tcPr/>
+                </a:tc>
+                <a:extLst>
+                  <a:ext uri="{0D108BD9-81ED-4DB2-BD59-A6C34878D82A}">
+                    <a16:rowId xmlns:a16="http://schemas.microsoft.com/office/drawing/2014/main" val="1053197046"/>
+                  </a:ext>
+                </a:extLst>
+              </a:tr>
+              <a:tr h="598010">
+                <a:tc>
+                  <a:txBody>
+                    <a:bodyPr/>
+                    <a:lstStyle/>
+                    <a:p>
+                      <a:r>
+                        <a:rPr lang="pt-BR" b="1" i="1" dirty="0" err="1"/>
+                        <a:t>Array</a:t>
+                      </a:r>
+                      <a:endParaRPr lang="pt-BR" b="1" i="1" dirty="0"/>
+                    </a:p>
+                  </a:txBody>
+                  <a:tcPr/>
+                </a:tc>
+                <a:tc>
+                  <a:txBody>
+                    <a:bodyPr/>
+                    <a:lstStyle/>
+                    <a:p>
+                      <a:r>
+                        <a:rPr lang="pt-BR" dirty="0"/>
+                        <a:t>estruturas multidimensionais onde os elementos </a:t>
+                      </a:r>
+                      <a:r>
+                        <a:rPr lang="pt-BR" b="1" dirty="0">
+                          <a:solidFill>
+                            <a:srgbClr val="FF0000"/>
+                          </a:solidFill>
+                        </a:rPr>
+                        <a:t>do mesmo tipo</a:t>
+                      </a:r>
+                      <a:r>
+                        <a:rPr lang="pt-BR" b="1" dirty="0"/>
+                        <a:t> </a:t>
+                      </a:r>
+                      <a:r>
+                        <a:rPr lang="pt-BR" dirty="0"/>
+                        <a:t>são acessados através de índices inteiros.</a:t>
+                      </a:r>
+                    </a:p>
+                  </a:txBody>
+                  <a:tcPr/>
+                </a:tc>
+                <a:extLst>
+                  <a:ext uri="{0D108BD9-81ED-4DB2-BD59-A6C34878D82A}">
+                    <a16:rowId xmlns:a16="http://schemas.microsoft.com/office/drawing/2014/main" val="2184265229"/>
+                  </a:ext>
+                </a:extLst>
+              </a:tr>
+              <a:tr h="598010">
+                <a:tc>
+                  <a:txBody>
+                    <a:bodyPr/>
+                    <a:lstStyle/>
+                    <a:p>
+                      <a:r>
+                        <a:rPr lang="pt-BR" b="1" i="1" dirty="0" err="1"/>
+                        <a:t>enum</a:t>
+                      </a:r>
+                      <a:endParaRPr lang="pt-BR" b="1" i="1" dirty="0"/>
+                    </a:p>
+                  </a:txBody>
+                  <a:tcPr/>
+                </a:tc>
+                <a:tc>
+                  <a:txBody>
+                    <a:bodyPr/>
+                    <a:lstStyle/>
+                    <a:p>
+                      <a:r>
+                        <a:rPr lang="pt-BR" dirty="0"/>
+                        <a:t>estrutura composta que representa um conjunto de constantes nomeadas vinculadas a valores inteiros</a:t>
+                      </a:r>
+                    </a:p>
+                  </a:txBody>
+                  <a:tcPr/>
+                </a:tc>
+                <a:extLst>
+                  <a:ext uri="{0D108BD9-81ED-4DB2-BD59-A6C34878D82A}">
+                    <a16:rowId xmlns:a16="http://schemas.microsoft.com/office/drawing/2014/main" val="4052759502"/>
+                  </a:ext>
+                </a:extLst>
+              </a:tr>
+              <a:tr h="854299">
+                <a:tc>
+                  <a:txBody>
+                    <a:bodyPr/>
+                    <a:lstStyle/>
+                    <a:p>
+                      <a:r>
+                        <a:rPr lang="pt-BR" b="1" i="1" dirty="0" err="1"/>
+                        <a:t>object</a:t>
+                      </a:r>
+                      <a:endParaRPr lang="pt-BR" b="1" i="1" dirty="0"/>
+                    </a:p>
+                  </a:txBody>
+                  <a:tcPr/>
+                </a:tc>
+                <a:tc>
+                  <a:txBody>
+                    <a:bodyPr/>
+                    <a:lstStyle/>
+                    <a:p>
+                      <a:r>
+                        <a:rPr lang="pt-BR" dirty="0"/>
+                        <a:t>usado para representar qualquer valor não-primitivo. Isso inclui objetos, </a:t>
+                      </a:r>
+                      <a:r>
+                        <a:rPr lang="pt-BR" dirty="0" err="1"/>
+                        <a:t>arrays</a:t>
+                      </a:r>
+                      <a:r>
+                        <a:rPr lang="pt-BR" dirty="0"/>
+                        <a:t>, funções e instâncias de classes</a:t>
+                      </a:r>
+                    </a:p>
+                  </a:txBody>
+                  <a:tcPr/>
+                </a:tc>
+                <a:extLst>
+                  <a:ext uri="{0D108BD9-81ED-4DB2-BD59-A6C34878D82A}">
+                    <a16:rowId xmlns:a16="http://schemas.microsoft.com/office/drawing/2014/main" val="1195195717"/>
+                  </a:ext>
+                </a:extLst>
+              </a:tr>
+              <a:tr h="854299">
+                <a:tc>
+                  <a:txBody>
+                    <a:bodyPr/>
+                    <a:lstStyle/>
+                    <a:p>
+                      <a:r>
+                        <a:rPr lang="pt-BR" b="1" i="1" dirty="0" err="1"/>
+                        <a:t>tuple</a:t>
+                      </a:r>
+                      <a:endParaRPr lang="pt-BR" b="1" i="1" dirty="0"/>
+                    </a:p>
+                  </a:txBody>
+                  <a:tcPr/>
+                </a:tc>
+                <a:tc>
+                  <a:txBody>
+                    <a:bodyPr/>
+                    <a:lstStyle/>
+                    <a:p>
+                      <a:r>
+                        <a:rPr lang="pt-BR" dirty="0"/>
+                        <a:t>permite representar uma sequência fixa de elementos com tipos conhecidos, onde cada elemento pode ter um tipo diferente.</a:t>
+                      </a:r>
+                    </a:p>
+                  </a:txBody>
+                  <a:tcPr/>
+                </a:tc>
+                <a:extLst>
+                  <a:ext uri="{0D108BD9-81ED-4DB2-BD59-A6C34878D82A}">
+                    <a16:rowId xmlns:a16="http://schemas.microsoft.com/office/drawing/2014/main" val="3793416553"/>
+                  </a:ext>
+                </a:extLst>
+              </a:tr>
+            </a:tbl>
+          </a:graphicData>
+        </a:graphic>
+      </p:graphicFrame>
+    </p:spTree>
+    <p:extLst>
+      <p:ext uri="{BB962C8B-B14F-4D97-AF65-F5344CB8AC3E}">
+        <p14:creationId xmlns:p14="http://schemas.microsoft.com/office/powerpoint/2010/main" val="1206854338"/>
+      </p:ext>
+    </p:extLst>
+  </p:cSld>
+  <p:clrMapOvr>
+    <a:masterClrMapping/>
+  </p:clrMapOvr>
+</p:sld>
+</file>
+
+<file path=ppt/slides/slide6.xml><?xml version="1.0" encoding="utf-8"?>
+<p:sld xmlns:a="http://schemas.openxmlformats.org/drawingml/2006/main" xmlns:r="http://schemas.openxmlformats.org/officeDocument/2006/relationships" xmlns:p="http://schemas.openxmlformats.org/presentationml/2006/main">
+  <p:cSld>
+    <p:bg>
+      <p:bgPr>
+        <a:solidFill>
+          <a:schemeClr val="bg1"/>
+        </a:solidFill>
+        <a:effectLst/>
+      </p:bgPr>
+    </p:bg>
+    <p:spTree>
+      <p:nvGrpSpPr>
+        <p:cNvPr id="1" name=""/>
+        <p:cNvGrpSpPr/>
+        <p:nvPr/>
+      </p:nvGrpSpPr>
+      <p:grpSpPr>
+        <a:xfrm>
+          <a:off x="0" y="0"/>
+          <a:ext cx="0" cy="0"/>
+          <a:chOff x="0" y="0"/>
+          <a:chExt cx="0" cy="0"/>
+        </a:xfrm>
+      </p:grpSpPr>
+      <p:sp useBgFill="1">
+        <p:nvSpPr>
+          <p:cNvPr id="8" name="Rectangle 7">
+            <a:extLst>
+              <a:ext uri="{FF2B5EF4-FFF2-40B4-BE49-F238E27FC236}">
+                <a16:creationId xmlns:a16="http://schemas.microsoft.com/office/drawing/2014/main" id="{907EF6B7-1338-4443-8C46-6A318D952DFD}"/>
+              </a:ext>
+              <a:ext uri="{C183D7F6-B498-43B3-948B-1728B52AA6E4}">
+                <adec:decorative xmlns:adec="http://schemas.microsoft.com/office/drawing/2017/decorative" val="1"/>
+              </a:ext>
+            </a:extLst>
+          </p:cNvPr>
+          <p:cNvSpPr>
+            <a:spLocks noGrp="1" noRot="1" noChangeAspect="1" noMove="1" noResize="1" noEditPoints="1" noAdjustHandles="1" noChangeArrowheads="1" noChangeShapeType="1" noTextEdit="1"/>
+          </p:cNvSpPr>
+          <p:nvPr>
+            <p:extLst>
+              <p:ext uri="{386F3935-93C4-4BCD-93E2-E3B085C9AB24}">
+                <p16:designElem xmlns:p16="http://schemas.microsoft.com/office/powerpoint/2015/main" val="1"/>
+              </p:ext>
+            </p:extLst>
+          </p:nvPr>
         </p:nvSpPr>
         <p:spPr>
           <a:xfrm>
-            <a:off x="4641599" y="243138"/>
-            <a:ext cx="2034981" cy="369332"/>
+            <a:off x="3048" y="0"/>
+            <a:ext cx="12188952" cy="6858000"/>
           </a:xfrm>
           <a:prstGeom prst="rect">
             <a:avLst/>
           </a:prstGeom>
-          <a:noFill/>
-        </p:spPr>
-        <p:txBody>
-          <a:bodyPr wrap="none" rtlCol="0">
-            <a:spAutoFit/>
+          <a:ln>
+            <a:noFill/>
+          </a:ln>
+        </p:spPr>
+        <p:style>
+          <a:lnRef idx="2">
+            <a:schemeClr val="accent1">
+              <a:shade val="50000"/>
+            </a:schemeClr>
+          </a:lnRef>
+          <a:fillRef idx="1">
+            <a:schemeClr val="accent1"/>
+          </a:fillRef>
+          <a:effectRef idx="0">
+            <a:schemeClr val="accent1"/>
+          </a:effectRef>
+          <a:fontRef idx="minor">
+            <a:schemeClr val="lt1"/>
+          </a:fontRef>
+        </p:style>
+        <p:txBody>
+          <a:bodyPr rtlCol="0" anchor="ctr"/>
+          <a:lstStyle/>
+          <a:p>
+            <a:pPr algn="ctr"/>
+            <a:endParaRPr lang="en-US"/>
+          </a:p>
+        </p:txBody>
+      </p:sp>
+      <p:sp>
+        <p:nvSpPr>
+          <p:cNvPr id="10" name="Freeform: Shape 9">
+            <a:extLst>
+              <a:ext uri="{FF2B5EF4-FFF2-40B4-BE49-F238E27FC236}">
+                <a16:creationId xmlns:a16="http://schemas.microsoft.com/office/drawing/2014/main" id="{DAAE4CDD-124C-4DCF-9584-B6033B545DD5}"/>
+              </a:ext>
+              <a:ext uri="{C183D7F6-B498-43B3-948B-1728B52AA6E4}">
+                <adec:decorative xmlns:adec="http://schemas.microsoft.com/office/drawing/2017/decorative" val="1"/>
+              </a:ext>
+            </a:extLst>
+          </p:cNvPr>
+          <p:cNvSpPr>
+            <a:spLocks noGrp="1" noRot="1" noChangeAspect="1" noMove="1" noResize="1" noEditPoints="1" noAdjustHandles="1" noChangeArrowheads="1" noChangeShapeType="1" noTextEdit="1"/>
+          </p:cNvSpPr>
+          <p:nvPr>
+            <p:extLst>
+              <p:ext uri="{386F3935-93C4-4BCD-93E2-E3B085C9AB24}">
+                <p16:designElem xmlns:p16="http://schemas.microsoft.com/office/powerpoint/2015/main" val="1"/>
+              </p:ext>
+            </p:extLst>
+          </p:nvPr>
+        </p:nvSpPr>
+        <p:spPr>
+          <a:xfrm>
+            <a:off x="1" y="0"/>
+            <a:ext cx="4167271" cy="6858000"/>
+          </a:xfrm>
+          <a:custGeom>
+            <a:avLst/>
+            <a:gdLst>
+              <a:gd name="connsiteX0" fmla="*/ 0 w 4167271"/>
+              <a:gd name="connsiteY0" fmla="*/ 0 h 6858000"/>
+              <a:gd name="connsiteX1" fmla="*/ 2259550 w 4167271"/>
+              <a:gd name="connsiteY1" fmla="*/ 0 h 6858000"/>
+              <a:gd name="connsiteX2" fmla="*/ 2387803 w 4167271"/>
+              <a:gd name="connsiteY2" fmla="*/ 82222 h 6858000"/>
+              <a:gd name="connsiteX3" fmla="*/ 4167271 w 4167271"/>
+              <a:gd name="connsiteY3" fmla="*/ 3429000 h 6858000"/>
+              <a:gd name="connsiteX4" fmla="*/ 2387803 w 4167271"/>
+              <a:gd name="connsiteY4" fmla="*/ 6775779 h 6858000"/>
+              <a:gd name="connsiteX5" fmla="*/ 2259550 w 4167271"/>
+              <a:gd name="connsiteY5" fmla="*/ 6858000 h 6858000"/>
+              <a:gd name="connsiteX6" fmla="*/ 0 w 4167271"/>
+              <a:gd name="connsiteY6" fmla="*/ 6858000 h 6858000"/>
+            </a:gdLst>
+            <a:ahLst/>
+            <a:cxnLst>
+              <a:cxn ang="0">
+                <a:pos x="connsiteX0" y="connsiteY0"/>
+              </a:cxn>
+              <a:cxn ang="0">
+                <a:pos x="connsiteX1" y="connsiteY1"/>
+              </a:cxn>
+              <a:cxn ang="0">
+                <a:pos x="connsiteX2" y="connsiteY2"/>
+              </a:cxn>
+              <a:cxn ang="0">
+                <a:pos x="connsiteX3" y="connsiteY3"/>
+              </a:cxn>
+              <a:cxn ang="0">
+                <a:pos x="connsiteX4" y="connsiteY4"/>
+              </a:cxn>
+              <a:cxn ang="0">
+                <a:pos x="connsiteX5" y="connsiteY5"/>
+              </a:cxn>
+              <a:cxn ang="0">
+                <a:pos x="connsiteX6" y="connsiteY6"/>
+              </a:cxn>
+            </a:cxnLst>
+            <a:rect l="l" t="t" r="r" b="b"/>
+            <a:pathLst>
+              <a:path w="4167271" h="6858000">
+                <a:moveTo>
+                  <a:pt x="0" y="0"/>
+                </a:moveTo>
+                <a:lnTo>
+                  <a:pt x="2259550" y="0"/>
+                </a:lnTo>
+                <a:lnTo>
+                  <a:pt x="2387803" y="82222"/>
+                </a:lnTo>
+                <a:cubicBezTo>
+                  <a:pt x="3461407" y="807534"/>
+                  <a:pt x="4167271" y="2035835"/>
+                  <a:pt x="4167271" y="3429000"/>
+                </a:cubicBezTo>
+                <a:cubicBezTo>
+                  <a:pt x="4167271" y="4822165"/>
+                  <a:pt x="3461407" y="6050467"/>
+                  <a:pt x="2387803" y="6775779"/>
+                </a:cubicBezTo>
+                <a:lnTo>
+                  <a:pt x="2259550" y="6858000"/>
+                </a:lnTo>
+                <a:lnTo>
+                  <a:pt x="0" y="6858000"/>
+                </a:lnTo>
+                <a:close/>
+              </a:path>
+            </a:pathLst>
+          </a:custGeom>
+          <a:solidFill>
+            <a:schemeClr val="accent2"/>
+          </a:solidFill>
+          <a:ln>
+            <a:noFill/>
+          </a:ln>
+        </p:spPr>
+        <p:style>
+          <a:lnRef idx="2">
+            <a:schemeClr val="accent1">
+              <a:shade val="50000"/>
+            </a:schemeClr>
+          </a:lnRef>
+          <a:fillRef idx="1">
+            <a:schemeClr val="accent1"/>
+          </a:fillRef>
+          <a:effectRef idx="0">
+            <a:schemeClr val="accent1"/>
+          </a:effectRef>
+          <a:fontRef idx="minor">
+            <a:schemeClr val="lt1"/>
+          </a:fontRef>
+        </p:style>
+        <p:txBody>
+          <a:bodyPr rtlCol="0" anchor="ctr"/>
+          <a:lstStyle/>
+          <a:p>
+            <a:pPr algn="ctr"/>
+            <a:endParaRPr lang="en-US"/>
+          </a:p>
+        </p:txBody>
+      </p:sp>
+      <p:sp>
+        <p:nvSpPr>
+          <p:cNvPr id="2" name="Título 1">
+            <a:extLst>
+              <a:ext uri="{FF2B5EF4-FFF2-40B4-BE49-F238E27FC236}">
+                <a16:creationId xmlns:a16="http://schemas.microsoft.com/office/drawing/2014/main" id="{A3989186-0E8B-13B4-BB6B-AE73AE4CE94D}"/>
+              </a:ext>
+            </a:extLst>
+          </p:cNvPr>
+          <p:cNvSpPr>
+            <a:spLocks noGrp="1"/>
+          </p:cNvSpPr>
+          <p:nvPr>
+            <p:ph type="title"/>
+          </p:nvPr>
+        </p:nvSpPr>
+        <p:spPr>
+          <a:xfrm>
+            <a:off x="163902" y="1153572"/>
+            <a:ext cx="3723332" cy="4461163"/>
+          </a:xfrm>
+        </p:spPr>
+        <p:txBody>
+          <a:bodyPr>
+            <a:normAutofit/>
           </a:bodyPr>
           <a:lstStyle/>
           <a:p>
             <a:r>
-              <a:rPr lang="pt-BR" dirty="0"/>
-              <a:t>Qualquer valor: </a:t>
-            </a:r>
-            <a:r>
-              <a:rPr lang="pt-BR" i="1" dirty="0" err="1"/>
-              <a:t>any</a:t>
-            </a:r>
-            <a:endParaRPr lang="pt-BR" i="1" dirty="0"/>
-          </a:p>
-        </p:txBody>
-      </p:sp>
-      <p:sp>
-        <p:nvSpPr>
-          <p:cNvPr id="17" name="CaixaDeTexto 16">
-            <a:extLst>
-              <a:ext uri="{FF2B5EF4-FFF2-40B4-BE49-F238E27FC236}">
-                <a16:creationId xmlns:a16="http://schemas.microsoft.com/office/drawing/2014/main" id="{8CC5C1E9-F591-06D3-FE36-70B50365CA7E}"/>
-              </a:ext>
-            </a:extLst>
-          </p:cNvPr>
-          <p:cNvSpPr txBox="1"/>
-          <p:nvPr/>
-        </p:nvSpPr>
-        <p:spPr>
-          <a:xfrm>
-            <a:off x="4655180" y="1749727"/>
-            <a:ext cx="4016869" cy="369332"/>
-          </a:xfrm>
-          <a:prstGeom prst="rect">
+              <a:rPr lang="pt-BR" b="1" dirty="0">
+                <a:solidFill>
+                  <a:schemeClr val="bg1"/>
+                </a:solidFill>
+              </a:rPr>
+              <a:t>Tipos primitivos do</a:t>
+            </a:r>
+            <a:r>
+              <a:rPr lang="pt-BR" b="1" dirty="0">
+                <a:solidFill>
+                  <a:srgbClr val="FFFF00"/>
+                </a:solidFill>
+              </a:rPr>
+              <a:t> TypeScript</a:t>
+            </a:r>
+            <a:endParaRPr lang="pt-BR" dirty="0">
+              <a:solidFill>
+                <a:schemeClr val="bg1"/>
+              </a:solidFill>
+            </a:endParaRPr>
+          </a:p>
+        </p:txBody>
+      </p:sp>
+      <p:sp>
+        <p:nvSpPr>
+          <p:cNvPr id="12" name="Arc 11">
+            <a:extLst>
+              <a:ext uri="{FF2B5EF4-FFF2-40B4-BE49-F238E27FC236}">
+                <a16:creationId xmlns:a16="http://schemas.microsoft.com/office/drawing/2014/main" id="{081E4A58-353D-44AE-B2FC-2A74E2E400F7}"/>
+              </a:ext>
+              <a:ext uri="{C183D7F6-B498-43B3-948B-1728B52AA6E4}">
+                <adec:decorative xmlns:adec="http://schemas.microsoft.com/office/drawing/2017/decorative" val="1"/>
+              </a:ext>
+            </a:extLst>
+          </p:cNvPr>
+          <p:cNvSpPr>
+            <a:spLocks noGrp="1" noRot="1" noChangeAspect="1" noMove="1" noResize="1" noEditPoints="1" noAdjustHandles="1" noChangeArrowheads="1" noChangeShapeType="1" noTextEdit="1"/>
+          </p:cNvSpPr>
+          <p:nvPr>
+            <p:extLst>
+              <p:ext uri="{386F3935-93C4-4BCD-93E2-E3B085C9AB24}">
+                <p16:designElem xmlns:p16="http://schemas.microsoft.com/office/powerpoint/2015/main" val="1"/>
+              </p:ext>
+            </p:extLst>
+          </p:nvPr>
+        </p:nvSpPr>
+        <p:spPr>
+          <a:xfrm flipV="1">
+            <a:off x="7550402" y="2455479"/>
+            <a:ext cx="4083433" cy="4083433"/>
+          </a:xfrm>
+          <a:prstGeom prst="arc">
             <a:avLst/>
           </a:prstGeom>
-          <a:noFill/>
-        </p:spPr>
-        <p:txBody>
-          <a:bodyPr wrap="none" rtlCol="0">
-            <a:spAutoFit/>
-          </a:bodyPr>
-          <a:lstStyle/>
-          <a:p>
-            <a:r>
-              <a:rPr lang="pt-BR" dirty="0"/>
-              <a:t>Nulo ou desconhecido: </a:t>
-            </a:r>
-            <a:r>
-              <a:rPr lang="pt-BR" i="1" dirty="0" err="1"/>
-              <a:t>null</a:t>
-            </a:r>
-            <a:r>
-              <a:rPr lang="pt-BR" i="1" dirty="0"/>
-              <a:t> ou </a:t>
-            </a:r>
-            <a:r>
-              <a:rPr lang="pt-BR" i="1" dirty="0" err="1"/>
-              <a:t>undefined</a:t>
-            </a:r>
-            <a:endParaRPr lang="pt-BR" i="1" dirty="0"/>
-          </a:p>
-        </p:txBody>
-      </p:sp>
-      <p:sp>
-        <p:nvSpPr>
-          <p:cNvPr id="18" name="CaixaDeTexto 17">
-            <a:extLst>
-              <a:ext uri="{FF2B5EF4-FFF2-40B4-BE49-F238E27FC236}">
-                <a16:creationId xmlns:a16="http://schemas.microsoft.com/office/drawing/2014/main" id="{9E16CFB5-B1B5-4E7B-D2F1-80775E41E13B}"/>
-              </a:ext>
-            </a:extLst>
-          </p:cNvPr>
-          <p:cNvSpPr txBox="1"/>
-          <p:nvPr/>
-        </p:nvSpPr>
-        <p:spPr>
-          <a:xfrm>
-            <a:off x="4671717" y="3200243"/>
-            <a:ext cx="1187120" cy="369332"/>
-          </a:xfrm>
-          <a:prstGeom prst="rect">
-            <a:avLst/>
-          </a:prstGeom>
-          <a:noFill/>
-        </p:spPr>
-        <p:txBody>
-          <a:bodyPr wrap="none" rtlCol="0">
-            <a:spAutoFit/>
-          </a:bodyPr>
-          <a:lstStyle/>
-          <a:p>
-            <a:r>
-              <a:rPr lang="pt-BR" dirty="0"/>
-              <a:t>Vazio: </a:t>
-            </a:r>
-            <a:r>
-              <a:rPr lang="pt-BR" i="1" dirty="0" err="1"/>
-              <a:t>void</a:t>
-            </a:r>
-            <a:endParaRPr lang="pt-BR" i="1" dirty="0"/>
+          <a:ln w="127000" cap="rnd">
+            <a:solidFill>
+              <a:schemeClr val="accent4"/>
+            </a:solidFill>
+            <a:prstDash val="dash"/>
+          </a:ln>
+        </p:spPr>
+        <p:style>
+          <a:lnRef idx="1">
+            <a:schemeClr val="accent1"/>
+          </a:lnRef>
+          <a:fillRef idx="0">
+            <a:schemeClr val="accent1"/>
+          </a:fillRef>
+          <a:effectRef idx="0">
+            <a:schemeClr val="accent1"/>
+          </a:effectRef>
+          <a:fontRef idx="minor">
+            <a:schemeClr val="tx1"/>
+          </a:fontRef>
+        </p:style>
+        <p:txBody>
+          <a:bodyPr rtlCol="0" anchor="ctr"/>
+          <a:lstStyle/>
+          <a:p>
+            <a:pPr algn="ctr"/>
+            <a:endParaRPr lang="en-US" dirty="0"/>
           </a:p>
         </p:txBody>
       </p:sp>
       <p:pic>
         <p:nvPicPr>
-          <p:cNvPr id="5" name="Imagem 4" descr="Interface gráfica do usuário, Texto, Aplicativo&#10;&#10;Descrição gerada automaticamente">
-            <a:extLst>
-              <a:ext uri="{FF2B5EF4-FFF2-40B4-BE49-F238E27FC236}">
-                <a16:creationId xmlns:a16="http://schemas.microsoft.com/office/drawing/2014/main" id="{B047DFBC-B33F-4A76-EC1E-DBC04ADB87F6}"/>
+          <p:cNvPr id="4" name="Imagem 3" descr="Logotipo, nome da empresa&#10;&#10;Descrição gerada automaticamente">
+            <a:extLst>
+              <a:ext uri="{FF2B5EF4-FFF2-40B4-BE49-F238E27FC236}">
+                <a16:creationId xmlns:a16="http://schemas.microsoft.com/office/drawing/2014/main" id="{7094D36D-C578-1FEE-CD11-3623D976B2AC}"/>
+              </a:ext>
+            </a:extLst>
+          </p:cNvPr>
+          <p:cNvPicPr>
+            <a:picLocks noChangeAspect="1"/>
+          </p:cNvPicPr>
+          <p:nvPr/>
+        </p:nvPicPr>
+        <p:blipFill>
+          <a:blip r:embed="rId2"/>
+          <a:stretch>
+            <a:fillRect/>
+          </a:stretch>
+        </p:blipFill>
+        <p:spPr>
+          <a:xfrm>
+            <a:off x="11099925" y="5824981"/>
+            <a:ext cx="1065914" cy="1065914"/>
+          </a:xfrm>
+          <a:custGeom>
+            <a:avLst/>
+            <a:gdLst/>
+            <a:ahLst/>
+            <a:cxnLst/>
+            <a:rect l="l" t="t" r="r" b="b"/>
+            <a:pathLst>
+              <a:path w="2833631" h="2677010">
+                <a:moveTo>
+                  <a:pt x="49418" y="0"/>
+                </a:moveTo>
+                <a:lnTo>
+                  <a:pt x="2784213" y="0"/>
+                </a:lnTo>
+                <a:cubicBezTo>
+                  <a:pt x="2811506" y="0"/>
+                  <a:pt x="2833631" y="22125"/>
+                  <a:pt x="2833631" y="49418"/>
+                </a:cubicBezTo>
+                <a:lnTo>
+                  <a:pt x="2833631" y="2627592"/>
+                </a:lnTo>
+                <a:cubicBezTo>
+                  <a:pt x="2833631" y="2654885"/>
+                  <a:pt x="2811506" y="2677010"/>
+                  <a:pt x="2784213" y="2677010"/>
+                </a:cubicBezTo>
+                <a:lnTo>
+                  <a:pt x="49418" y="2677010"/>
+                </a:lnTo>
+                <a:cubicBezTo>
+                  <a:pt x="22125" y="2677010"/>
+                  <a:pt x="0" y="2654885"/>
+                  <a:pt x="0" y="2627592"/>
+                </a:cubicBezTo>
+                <a:lnTo>
+                  <a:pt x="0" y="49418"/>
+                </a:lnTo>
+                <a:cubicBezTo>
+                  <a:pt x="0" y="22125"/>
+                  <a:pt x="22125" y="0"/>
+                  <a:pt x="49418" y="0"/>
+                </a:cubicBezTo>
+                <a:close/>
+              </a:path>
+            </a:pathLst>
+          </a:custGeom>
+        </p:spPr>
+      </p:pic>
+      <p:pic>
+        <p:nvPicPr>
+          <p:cNvPr id="9" name="Imagem 8" descr="Retângulo&#10;&#10;Descrição gerada automaticamente com confiança baixa">
+            <a:extLst>
+              <a:ext uri="{FF2B5EF4-FFF2-40B4-BE49-F238E27FC236}">
+                <a16:creationId xmlns:a16="http://schemas.microsoft.com/office/drawing/2014/main" id="{7B8BE551-4ADC-B349-CB97-D6C4D5940FBE}"/>
               </a:ext>
             </a:extLst>
           </p:cNvPr>
@@ -9361,8 +10111,8 @@
         </p:blipFill>
         <p:spPr>
           <a:xfrm>
-            <a:off x="4641599" y="629082"/>
-            <a:ext cx="5517371" cy="912086"/>
+            <a:off x="4559429" y="5105910"/>
+            <a:ext cx="6148335" cy="808114"/>
           </a:xfrm>
           <a:prstGeom prst="rect">
             <a:avLst/>
@@ -9371,10 +10121,10 @@
       </p:pic>
       <p:pic>
         <p:nvPicPr>
-          <p:cNvPr id="20" name="Imagem 19" descr="Retângulo&#10;&#10;Descrição gerada automaticamente com confiança média">
-            <a:extLst>
-              <a:ext uri="{FF2B5EF4-FFF2-40B4-BE49-F238E27FC236}">
-                <a16:creationId xmlns:a16="http://schemas.microsoft.com/office/drawing/2014/main" id="{875E860B-7C19-6C33-2769-36B9B1F2FEFA}"/>
+          <p:cNvPr id="13" name="Imagem 12" descr="Texto&#10;&#10;Descrição gerada automaticamente com confiança baixa">
+            <a:extLst>
+              <a:ext uri="{FF2B5EF4-FFF2-40B4-BE49-F238E27FC236}">
+                <a16:creationId xmlns:a16="http://schemas.microsoft.com/office/drawing/2014/main" id="{1EB1A975-4EEE-691B-D2BB-F174C299D086}"/>
               </a:ext>
             </a:extLst>
           </p:cNvPr>
@@ -9391,8 +10141,8 @@
         </p:blipFill>
         <p:spPr>
           <a:xfrm>
-            <a:off x="4641599" y="2120732"/>
-            <a:ext cx="5517371" cy="910851"/>
+            <a:off x="4559429" y="2905722"/>
+            <a:ext cx="6148335" cy="1476928"/>
           </a:xfrm>
           <a:prstGeom prst="rect">
             <a:avLst/>
@@ -9401,10 +10151,10 @@
       </p:pic>
       <p:pic>
         <p:nvPicPr>
-          <p:cNvPr id="22" name="Imagem 21" descr="Texto&#10;&#10;Descrição gerada automaticamente">
-            <a:extLst>
-              <a:ext uri="{FF2B5EF4-FFF2-40B4-BE49-F238E27FC236}">
-                <a16:creationId xmlns:a16="http://schemas.microsoft.com/office/drawing/2014/main" id="{6A59DE1B-F5A2-304A-07BA-97F2250C50CF}"/>
+          <p:cNvPr id="15" name="Imagem 14" descr="Interface gráfica do usuário, Texto&#10;&#10;Descrição gerada automaticamente">
+            <a:extLst>
+              <a:ext uri="{FF2B5EF4-FFF2-40B4-BE49-F238E27FC236}">
+                <a16:creationId xmlns:a16="http://schemas.microsoft.com/office/drawing/2014/main" id="{A5090FFD-EBA7-D510-BC96-A2AD31040741}"/>
               </a:ext>
             </a:extLst>
           </p:cNvPr>
@@ -9421,6 +10171,763 @@
         </p:blipFill>
         <p:spPr>
           <a:xfrm>
+            <a:off x="4559430" y="943976"/>
+            <a:ext cx="6148335" cy="1017770"/>
+          </a:xfrm>
+          <a:prstGeom prst="rect">
+            <a:avLst/>
+          </a:prstGeom>
+        </p:spPr>
+      </p:pic>
+      <p:sp>
+        <p:nvSpPr>
+          <p:cNvPr id="16" name="CaixaDeTexto 15">
+            <a:extLst>
+              <a:ext uri="{FF2B5EF4-FFF2-40B4-BE49-F238E27FC236}">
+                <a16:creationId xmlns:a16="http://schemas.microsoft.com/office/drawing/2014/main" id="{4CFBE1C0-A66F-F7DD-93F9-3915DE5ED191}"/>
+              </a:ext>
+            </a:extLst>
+          </p:cNvPr>
+          <p:cNvSpPr txBox="1"/>
+          <p:nvPr/>
+        </p:nvSpPr>
+        <p:spPr>
+          <a:xfrm>
+            <a:off x="4559429" y="573944"/>
+            <a:ext cx="1422954" cy="369332"/>
+          </a:xfrm>
+          <a:prstGeom prst="rect">
+            <a:avLst/>
+          </a:prstGeom>
+          <a:noFill/>
+        </p:spPr>
+        <p:txBody>
+          <a:bodyPr wrap="none" rtlCol="0">
+            <a:spAutoFit/>
+          </a:bodyPr>
+          <a:lstStyle/>
+          <a:p>
+            <a:r>
+              <a:rPr lang="pt-BR" dirty="0"/>
+              <a:t>Textos: </a:t>
+            </a:r>
+            <a:r>
+              <a:rPr lang="pt-BR" i="1" dirty="0" err="1"/>
+              <a:t>string</a:t>
+            </a:r>
+            <a:endParaRPr lang="pt-BR" i="1" dirty="0"/>
+          </a:p>
+        </p:txBody>
+      </p:sp>
+      <p:sp>
+        <p:nvSpPr>
+          <p:cNvPr id="17" name="CaixaDeTexto 16">
+            <a:extLst>
+              <a:ext uri="{FF2B5EF4-FFF2-40B4-BE49-F238E27FC236}">
+                <a16:creationId xmlns:a16="http://schemas.microsoft.com/office/drawing/2014/main" id="{8CC5C1E9-F591-06D3-FE36-70B50365CA7E}"/>
+              </a:ext>
+            </a:extLst>
+          </p:cNvPr>
+          <p:cNvSpPr txBox="1"/>
+          <p:nvPr/>
+        </p:nvSpPr>
+        <p:spPr>
+          <a:xfrm>
+            <a:off x="4559429" y="2535690"/>
+            <a:ext cx="2039020" cy="369332"/>
+          </a:xfrm>
+          <a:prstGeom prst="rect">
+            <a:avLst/>
+          </a:prstGeom>
+          <a:noFill/>
+        </p:spPr>
+        <p:txBody>
+          <a:bodyPr wrap="none" rtlCol="0">
+            <a:spAutoFit/>
+          </a:bodyPr>
+          <a:lstStyle/>
+          <a:p>
+            <a:r>
+              <a:rPr lang="pt-BR" dirty="0"/>
+              <a:t>Numéricos: </a:t>
+            </a:r>
+            <a:r>
+              <a:rPr lang="pt-BR" i="1" dirty="0" err="1"/>
+              <a:t>number</a:t>
+            </a:r>
+            <a:endParaRPr lang="pt-BR" i="1" dirty="0"/>
+          </a:p>
+        </p:txBody>
+      </p:sp>
+      <p:sp>
+        <p:nvSpPr>
+          <p:cNvPr id="18" name="CaixaDeTexto 17">
+            <a:extLst>
+              <a:ext uri="{FF2B5EF4-FFF2-40B4-BE49-F238E27FC236}">
+                <a16:creationId xmlns:a16="http://schemas.microsoft.com/office/drawing/2014/main" id="{9E16CFB5-B1B5-4E7B-D2F1-80775E41E13B}"/>
+              </a:ext>
+            </a:extLst>
+          </p:cNvPr>
+          <p:cNvSpPr txBox="1"/>
+          <p:nvPr/>
+        </p:nvSpPr>
+        <p:spPr>
+          <a:xfrm>
+            <a:off x="4559429" y="4736578"/>
+            <a:ext cx="1745671" cy="369332"/>
+          </a:xfrm>
+          <a:prstGeom prst="rect">
+            <a:avLst/>
+          </a:prstGeom>
+          <a:noFill/>
+        </p:spPr>
+        <p:txBody>
+          <a:bodyPr wrap="none" rtlCol="0">
+            <a:spAutoFit/>
+          </a:bodyPr>
+          <a:lstStyle/>
+          <a:p>
+            <a:r>
+              <a:rPr lang="pt-BR" dirty="0"/>
+              <a:t>Lógicos: </a:t>
+            </a:r>
+            <a:r>
+              <a:rPr lang="pt-BR" i="1" dirty="0" err="1"/>
+              <a:t>booelan</a:t>
+            </a:r>
+            <a:endParaRPr lang="pt-BR" i="1" dirty="0"/>
+          </a:p>
+        </p:txBody>
+      </p:sp>
+    </p:spTree>
+    <p:extLst>
+      <p:ext uri="{BB962C8B-B14F-4D97-AF65-F5344CB8AC3E}">
+        <p14:creationId xmlns:p14="http://schemas.microsoft.com/office/powerpoint/2010/main" val="1142695250"/>
+      </p:ext>
+    </p:extLst>
+  </p:cSld>
+  <p:clrMapOvr>
+    <a:masterClrMapping/>
+  </p:clrMapOvr>
+</p:sld>
+</file>
+
+<file path=ppt/slides/slide7.xml><?xml version="1.0" encoding="utf-8"?>
+<p:sld xmlns:a="http://schemas.openxmlformats.org/drawingml/2006/main" xmlns:r="http://schemas.openxmlformats.org/officeDocument/2006/relationships" xmlns:p="http://schemas.openxmlformats.org/presentationml/2006/main">
+  <p:cSld>
+    <p:bg>
+      <p:bgPr>
+        <a:solidFill>
+          <a:schemeClr val="bg1"/>
+        </a:solidFill>
+        <a:effectLst/>
+      </p:bgPr>
+    </p:bg>
+    <p:spTree>
+      <p:nvGrpSpPr>
+        <p:cNvPr id="1" name=""/>
+        <p:cNvGrpSpPr/>
+        <p:nvPr/>
+      </p:nvGrpSpPr>
+      <p:grpSpPr>
+        <a:xfrm>
+          <a:off x="0" y="0"/>
+          <a:ext cx="0" cy="0"/>
+          <a:chOff x="0" y="0"/>
+          <a:chExt cx="0" cy="0"/>
+        </a:xfrm>
+      </p:grpSpPr>
+      <p:sp useBgFill="1">
+        <p:nvSpPr>
+          <p:cNvPr id="8" name="Rectangle 7">
+            <a:extLst>
+              <a:ext uri="{FF2B5EF4-FFF2-40B4-BE49-F238E27FC236}">
+                <a16:creationId xmlns:a16="http://schemas.microsoft.com/office/drawing/2014/main" id="{907EF6B7-1338-4443-8C46-6A318D952DFD}"/>
+              </a:ext>
+              <a:ext uri="{C183D7F6-B498-43B3-948B-1728B52AA6E4}">
+                <adec:decorative xmlns:adec="http://schemas.microsoft.com/office/drawing/2017/decorative" val="1"/>
+              </a:ext>
+            </a:extLst>
+          </p:cNvPr>
+          <p:cNvSpPr>
+            <a:spLocks noGrp="1" noRot="1" noChangeAspect="1" noMove="1" noResize="1" noEditPoints="1" noAdjustHandles="1" noChangeArrowheads="1" noChangeShapeType="1" noTextEdit="1"/>
+          </p:cNvSpPr>
+          <p:nvPr>
+            <p:extLst>
+              <p:ext uri="{386F3935-93C4-4BCD-93E2-E3B085C9AB24}">
+                <p16:designElem xmlns:p16="http://schemas.microsoft.com/office/powerpoint/2015/main" val="1"/>
+              </p:ext>
+            </p:extLst>
+          </p:nvPr>
+        </p:nvSpPr>
+        <p:spPr>
+          <a:xfrm>
+            <a:off x="3048" y="0"/>
+            <a:ext cx="12188952" cy="6858000"/>
+          </a:xfrm>
+          <a:prstGeom prst="rect">
+            <a:avLst/>
+          </a:prstGeom>
+          <a:ln>
+            <a:noFill/>
+          </a:ln>
+        </p:spPr>
+        <p:style>
+          <a:lnRef idx="2">
+            <a:schemeClr val="accent1">
+              <a:shade val="50000"/>
+            </a:schemeClr>
+          </a:lnRef>
+          <a:fillRef idx="1">
+            <a:schemeClr val="accent1"/>
+          </a:fillRef>
+          <a:effectRef idx="0">
+            <a:schemeClr val="accent1"/>
+          </a:effectRef>
+          <a:fontRef idx="minor">
+            <a:schemeClr val="lt1"/>
+          </a:fontRef>
+        </p:style>
+        <p:txBody>
+          <a:bodyPr rtlCol="0" anchor="ctr"/>
+          <a:lstStyle/>
+          <a:p>
+            <a:pPr algn="ctr"/>
+            <a:endParaRPr lang="en-US"/>
+          </a:p>
+        </p:txBody>
+      </p:sp>
+      <p:sp>
+        <p:nvSpPr>
+          <p:cNvPr id="10" name="Freeform: Shape 9">
+            <a:extLst>
+              <a:ext uri="{FF2B5EF4-FFF2-40B4-BE49-F238E27FC236}">
+                <a16:creationId xmlns:a16="http://schemas.microsoft.com/office/drawing/2014/main" id="{DAAE4CDD-124C-4DCF-9584-B6033B545DD5}"/>
+              </a:ext>
+              <a:ext uri="{C183D7F6-B498-43B3-948B-1728B52AA6E4}">
+                <adec:decorative xmlns:adec="http://schemas.microsoft.com/office/drawing/2017/decorative" val="1"/>
+              </a:ext>
+            </a:extLst>
+          </p:cNvPr>
+          <p:cNvSpPr>
+            <a:spLocks noGrp="1" noRot="1" noChangeAspect="1" noMove="1" noResize="1" noEditPoints="1" noAdjustHandles="1" noChangeArrowheads="1" noChangeShapeType="1" noTextEdit="1"/>
+          </p:cNvSpPr>
+          <p:nvPr>
+            <p:extLst>
+              <p:ext uri="{386F3935-93C4-4BCD-93E2-E3B085C9AB24}">
+                <p16:designElem xmlns:p16="http://schemas.microsoft.com/office/powerpoint/2015/main" val="1"/>
+              </p:ext>
+            </p:extLst>
+          </p:nvPr>
+        </p:nvSpPr>
+        <p:spPr>
+          <a:xfrm>
+            <a:off x="1" y="0"/>
+            <a:ext cx="4167271" cy="6858000"/>
+          </a:xfrm>
+          <a:custGeom>
+            <a:avLst/>
+            <a:gdLst>
+              <a:gd name="connsiteX0" fmla="*/ 0 w 4167271"/>
+              <a:gd name="connsiteY0" fmla="*/ 0 h 6858000"/>
+              <a:gd name="connsiteX1" fmla="*/ 2259550 w 4167271"/>
+              <a:gd name="connsiteY1" fmla="*/ 0 h 6858000"/>
+              <a:gd name="connsiteX2" fmla="*/ 2387803 w 4167271"/>
+              <a:gd name="connsiteY2" fmla="*/ 82222 h 6858000"/>
+              <a:gd name="connsiteX3" fmla="*/ 4167271 w 4167271"/>
+              <a:gd name="connsiteY3" fmla="*/ 3429000 h 6858000"/>
+              <a:gd name="connsiteX4" fmla="*/ 2387803 w 4167271"/>
+              <a:gd name="connsiteY4" fmla="*/ 6775779 h 6858000"/>
+              <a:gd name="connsiteX5" fmla="*/ 2259550 w 4167271"/>
+              <a:gd name="connsiteY5" fmla="*/ 6858000 h 6858000"/>
+              <a:gd name="connsiteX6" fmla="*/ 0 w 4167271"/>
+              <a:gd name="connsiteY6" fmla="*/ 6858000 h 6858000"/>
+            </a:gdLst>
+            <a:ahLst/>
+            <a:cxnLst>
+              <a:cxn ang="0">
+                <a:pos x="connsiteX0" y="connsiteY0"/>
+              </a:cxn>
+              <a:cxn ang="0">
+                <a:pos x="connsiteX1" y="connsiteY1"/>
+              </a:cxn>
+              <a:cxn ang="0">
+                <a:pos x="connsiteX2" y="connsiteY2"/>
+              </a:cxn>
+              <a:cxn ang="0">
+                <a:pos x="connsiteX3" y="connsiteY3"/>
+              </a:cxn>
+              <a:cxn ang="0">
+                <a:pos x="connsiteX4" y="connsiteY4"/>
+              </a:cxn>
+              <a:cxn ang="0">
+                <a:pos x="connsiteX5" y="connsiteY5"/>
+              </a:cxn>
+              <a:cxn ang="0">
+                <a:pos x="connsiteX6" y="connsiteY6"/>
+              </a:cxn>
+            </a:cxnLst>
+            <a:rect l="l" t="t" r="r" b="b"/>
+            <a:pathLst>
+              <a:path w="4167271" h="6858000">
+                <a:moveTo>
+                  <a:pt x="0" y="0"/>
+                </a:moveTo>
+                <a:lnTo>
+                  <a:pt x="2259550" y="0"/>
+                </a:lnTo>
+                <a:lnTo>
+                  <a:pt x="2387803" y="82222"/>
+                </a:lnTo>
+                <a:cubicBezTo>
+                  <a:pt x="3461407" y="807534"/>
+                  <a:pt x="4167271" y="2035835"/>
+                  <a:pt x="4167271" y="3429000"/>
+                </a:cubicBezTo>
+                <a:cubicBezTo>
+                  <a:pt x="4167271" y="4822165"/>
+                  <a:pt x="3461407" y="6050467"/>
+                  <a:pt x="2387803" y="6775779"/>
+                </a:cubicBezTo>
+                <a:lnTo>
+                  <a:pt x="2259550" y="6858000"/>
+                </a:lnTo>
+                <a:lnTo>
+                  <a:pt x="0" y="6858000"/>
+                </a:lnTo>
+                <a:close/>
+              </a:path>
+            </a:pathLst>
+          </a:custGeom>
+          <a:solidFill>
+            <a:schemeClr val="accent2"/>
+          </a:solidFill>
+          <a:ln>
+            <a:noFill/>
+          </a:ln>
+        </p:spPr>
+        <p:style>
+          <a:lnRef idx="2">
+            <a:schemeClr val="accent1">
+              <a:shade val="50000"/>
+            </a:schemeClr>
+          </a:lnRef>
+          <a:fillRef idx="1">
+            <a:schemeClr val="accent1"/>
+          </a:fillRef>
+          <a:effectRef idx="0">
+            <a:schemeClr val="accent1"/>
+          </a:effectRef>
+          <a:fontRef idx="minor">
+            <a:schemeClr val="lt1"/>
+          </a:fontRef>
+        </p:style>
+        <p:txBody>
+          <a:bodyPr rtlCol="0" anchor="ctr"/>
+          <a:lstStyle/>
+          <a:p>
+            <a:pPr algn="ctr"/>
+            <a:endParaRPr lang="en-US"/>
+          </a:p>
+        </p:txBody>
+      </p:sp>
+      <p:sp>
+        <p:nvSpPr>
+          <p:cNvPr id="2" name="Título 1">
+            <a:extLst>
+              <a:ext uri="{FF2B5EF4-FFF2-40B4-BE49-F238E27FC236}">
+                <a16:creationId xmlns:a16="http://schemas.microsoft.com/office/drawing/2014/main" id="{A3989186-0E8B-13B4-BB6B-AE73AE4CE94D}"/>
+              </a:ext>
+            </a:extLst>
+          </p:cNvPr>
+          <p:cNvSpPr>
+            <a:spLocks noGrp="1"/>
+          </p:cNvSpPr>
+          <p:nvPr>
+            <p:ph type="title"/>
+          </p:nvPr>
+        </p:nvSpPr>
+        <p:spPr>
+          <a:xfrm>
+            <a:off x="163902" y="1153572"/>
+            <a:ext cx="3723332" cy="4461163"/>
+          </a:xfrm>
+        </p:spPr>
+        <p:txBody>
+          <a:bodyPr>
+            <a:normAutofit/>
+          </a:bodyPr>
+          <a:lstStyle/>
+          <a:p>
+            <a:r>
+              <a:rPr lang="pt-BR" b="1" dirty="0">
+                <a:solidFill>
+                  <a:schemeClr val="bg1"/>
+                </a:solidFill>
+              </a:rPr>
+              <a:t>Tipos primitivos no</a:t>
+            </a:r>
+            <a:r>
+              <a:rPr lang="pt-BR" b="1" dirty="0">
+                <a:solidFill>
+                  <a:srgbClr val="FFFF00"/>
+                </a:solidFill>
+              </a:rPr>
+              <a:t> TypeScript</a:t>
+            </a:r>
+            <a:endParaRPr lang="pt-BR" dirty="0">
+              <a:solidFill>
+                <a:schemeClr val="bg1"/>
+              </a:solidFill>
+            </a:endParaRPr>
+          </a:p>
+        </p:txBody>
+      </p:sp>
+      <p:sp>
+        <p:nvSpPr>
+          <p:cNvPr id="12" name="Arc 11">
+            <a:extLst>
+              <a:ext uri="{FF2B5EF4-FFF2-40B4-BE49-F238E27FC236}">
+                <a16:creationId xmlns:a16="http://schemas.microsoft.com/office/drawing/2014/main" id="{081E4A58-353D-44AE-B2FC-2A74E2E400F7}"/>
+              </a:ext>
+              <a:ext uri="{C183D7F6-B498-43B3-948B-1728B52AA6E4}">
+                <adec:decorative xmlns:adec="http://schemas.microsoft.com/office/drawing/2017/decorative" val="1"/>
+              </a:ext>
+            </a:extLst>
+          </p:cNvPr>
+          <p:cNvSpPr>
+            <a:spLocks noGrp="1" noRot="1" noChangeAspect="1" noMove="1" noResize="1" noEditPoints="1" noAdjustHandles="1" noChangeArrowheads="1" noChangeShapeType="1" noTextEdit="1"/>
+          </p:cNvSpPr>
+          <p:nvPr>
+            <p:extLst>
+              <p:ext uri="{386F3935-93C4-4BCD-93E2-E3B085C9AB24}">
+                <p16:designElem xmlns:p16="http://schemas.microsoft.com/office/powerpoint/2015/main" val="1"/>
+              </p:ext>
+            </p:extLst>
+          </p:nvPr>
+        </p:nvSpPr>
+        <p:spPr>
+          <a:xfrm flipV="1">
+            <a:off x="7550402" y="2455479"/>
+            <a:ext cx="4083433" cy="4083433"/>
+          </a:xfrm>
+          <a:prstGeom prst="arc">
+            <a:avLst/>
+          </a:prstGeom>
+          <a:ln w="127000" cap="rnd">
+            <a:solidFill>
+              <a:schemeClr val="accent4"/>
+            </a:solidFill>
+            <a:prstDash val="dash"/>
+          </a:ln>
+        </p:spPr>
+        <p:style>
+          <a:lnRef idx="1">
+            <a:schemeClr val="accent1"/>
+          </a:lnRef>
+          <a:fillRef idx="0">
+            <a:schemeClr val="accent1"/>
+          </a:fillRef>
+          <a:effectRef idx="0">
+            <a:schemeClr val="accent1"/>
+          </a:effectRef>
+          <a:fontRef idx="minor">
+            <a:schemeClr val="tx1"/>
+          </a:fontRef>
+        </p:style>
+        <p:txBody>
+          <a:bodyPr rtlCol="0" anchor="ctr"/>
+          <a:lstStyle/>
+          <a:p>
+            <a:pPr algn="ctr"/>
+            <a:endParaRPr lang="en-US" dirty="0"/>
+          </a:p>
+        </p:txBody>
+      </p:sp>
+      <p:pic>
+        <p:nvPicPr>
+          <p:cNvPr id="4" name="Imagem 3" descr="Logotipo, nome da empresa&#10;&#10;Descrição gerada automaticamente">
+            <a:extLst>
+              <a:ext uri="{FF2B5EF4-FFF2-40B4-BE49-F238E27FC236}">
+                <a16:creationId xmlns:a16="http://schemas.microsoft.com/office/drawing/2014/main" id="{7094D36D-C578-1FEE-CD11-3623D976B2AC}"/>
+              </a:ext>
+            </a:extLst>
+          </p:cNvPr>
+          <p:cNvPicPr>
+            <a:picLocks noChangeAspect="1"/>
+          </p:cNvPicPr>
+          <p:nvPr/>
+        </p:nvPicPr>
+        <p:blipFill>
+          <a:blip r:embed="rId2"/>
+          <a:stretch>
+            <a:fillRect/>
+          </a:stretch>
+        </p:blipFill>
+        <p:spPr>
+          <a:xfrm>
+            <a:off x="11099925" y="5824981"/>
+            <a:ext cx="1065914" cy="1065914"/>
+          </a:xfrm>
+          <a:custGeom>
+            <a:avLst/>
+            <a:gdLst/>
+            <a:ahLst/>
+            <a:cxnLst/>
+            <a:rect l="l" t="t" r="r" b="b"/>
+            <a:pathLst>
+              <a:path w="2833631" h="2677010">
+                <a:moveTo>
+                  <a:pt x="49418" y="0"/>
+                </a:moveTo>
+                <a:lnTo>
+                  <a:pt x="2784213" y="0"/>
+                </a:lnTo>
+                <a:cubicBezTo>
+                  <a:pt x="2811506" y="0"/>
+                  <a:pt x="2833631" y="22125"/>
+                  <a:pt x="2833631" y="49418"/>
+                </a:cubicBezTo>
+                <a:lnTo>
+                  <a:pt x="2833631" y="2627592"/>
+                </a:lnTo>
+                <a:cubicBezTo>
+                  <a:pt x="2833631" y="2654885"/>
+                  <a:pt x="2811506" y="2677010"/>
+                  <a:pt x="2784213" y="2677010"/>
+                </a:cubicBezTo>
+                <a:lnTo>
+                  <a:pt x="49418" y="2677010"/>
+                </a:lnTo>
+                <a:cubicBezTo>
+                  <a:pt x="22125" y="2677010"/>
+                  <a:pt x="0" y="2654885"/>
+                  <a:pt x="0" y="2627592"/>
+                </a:cubicBezTo>
+                <a:lnTo>
+                  <a:pt x="0" y="49418"/>
+                </a:lnTo>
+                <a:cubicBezTo>
+                  <a:pt x="0" y="22125"/>
+                  <a:pt x="22125" y="0"/>
+                  <a:pt x="49418" y="0"/>
+                </a:cubicBezTo>
+                <a:close/>
+              </a:path>
+            </a:pathLst>
+          </a:custGeom>
+        </p:spPr>
+      </p:pic>
+      <p:sp>
+        <p:nvSpPr>
+          <p:cNvPr id="16" name="CaixaDeTexto 15">
+            <a:extLst>
+              <a:ext uri="{FF2B5EF4-FFF2-40B4-BE49-F238E27FC236}">
+                <a16:creationId xmlns:a16="http://schemas.microsoft.com/office/drawing/2014/main" id="{4CFBE1C0-A66F-F7DD-93F9-3915DE5ED191}"/>
+              </a:ext>
+            </a:extLst>
+          </p:cNvPr>
+          <p:cNvSpPr txBox="1"/>
+          <p:nvPr/>
+        </p:nvSpPr>
+        <p:spPr>
+          <a:xfrm>
+            <a:off x="4641599" y="243138"/>
+            <a:ext cx="2034981" cy="369332"/>
+          </a:xfrm>
+          <a:prstGeom prst="rect">
+            <a:avLst/>
+          </a:prstGeom>
+          <a:noFill/>
+        </p:spPr>
+        <p:txBody>
+          <a:bodyPr wrap="none" rtlCol="0">
+            <a:spAutoFit/>
+          </a:bodyPr>
+          <a:lstStyle/>
+          <a:p>
+            <a:r>
+              <a:rPr lang="pt-BR" dirty="0"/>
+              <a:t>Qualquer valor: </a:t>
+            </a:r>
+            <a:r>
+              <a:rPr lang="pt-BR" i="1" dirty="0" err="1"/>
+              <a:t>any</a:t>
+            </a:r>
+            <a:endParaRPr lang="pt-BR" i="1" dirty="0"/>
+          </a:p>
+        </p:txBody>
+      </p:sp>
+      <p:sp>
+        <p:nvSpPr>
+          <p:cNvPr id="17" name="CaixaDeTexto 16">
+            <a:extLst>
+              <a:ext uri="{FF2B5EF4-FFF2-40B4-BE49-F238E27FC236}">
+                <a16:creationId xmlns:a16="http://schemas.microsoft.com/office/drawing/2014/main" id="{8CC5C1E9-F591-06D3-FE36-70B50365CA7E}"/>
+              </a:ext>
+            </a:extLst>
+          </p:cNvPr>
+          <p:cNvSpPr txBox="1"/>
+          <p:nvPr/>
+        </p:nvSpPr>
+        <p:spPr>
+          <a:xfrm>
+            <a:off x="4655180" y="1749727"/>
+            <a:ext cx="4016869" cy="369332"/>
+          </a:xfrm>
+          <a:prstGeom prst="rect">
+            <a:avLst/>
+          </a:prstGeom>
+          <a:noFill/>
+        </p:spPr>
+        <p:txBody>
+          <a:bodyPr wrap="none" rtlCol="0">
+            <a:spAutoFit/>
+          </a:bodyPr>
+          <a:lstStyle/>
+          <a:p>
+            <a:r>
+              <a:rPr lang="pt-BR" dirty="0"/>
+              <a:t>Nulo ou desconhecido: </a:t>
+            </a:r>
+            <a:r>
+              <a:rPr lang="pt-BR" i="1" dirty="0" err="1"/>
+              <a:t>null</a:t>
+            </a:r>
+            <a:r>
+              <a:rPr lang="pt-BR" i="1" dirty="0"/>
+              <a:t> ou </a:t>
+            </a:r>
+            <a:r>
+              <a:rPr lang="pt-BR" i="1" dirty="0" err="1"/>
+              <a:t>undefined</a:t>
+            </a:r>
+            <a:endParaRPr lang="pt-BR" i="1" dirty="0"/>
+          </a:p>
+        </p:txBody>
+      </p:sp>
+      <p:sp>
+        <p:nvSpPr>
+          <p:cNvPr id="18" name="CaixaDeTexto 17">
+            <a:extLst>
+              <a:ext uri="{FF2B5EF4-FFF2-40B4-BE49-F238E27FC236}">
+                <a16:creationId xmlns:a16="http://schemas.microsoft.com/office/drawing/2014/main" id="{9E16CFB5-B1B5-4E7B-D2F1-80775E41E13B}"/>
+              </a:ext>
+            </a:extLst>
+          </p:cNvPr>
+          <p:cNvSpPr txBox="1"/>
+          <p:nvPr/>
+        </p:nvSpPr>
+        <p:spPr>
+          <a:xfrm>
+            <a:off x="4671717" y="3200243"/>
+            <a:ext cx="1187120" cy="369332"/>
+          </a:xfrm>
+          <a:prstGeom prst="rect">
+            <a:avLst/>
+          </a:prstGeom>
+          <a:noFill/>
+        </p:spPr>
+        <p:txBody>
+          <a:bodyPr wrap="none" rtlCol="0">
+            <a:spAutoFit/>
+          </a:bodyPr>
+          <a:lstStyle/>
+          <a:p>
+            <a:r>
+              <a:rPr lang="pt-BR" dirty="0"/>
+              <a:t>Vazio: </a:t>
+            </a:r>
+            <a:r>
+              <a:rPr lang="pt-BR" i="1" dirty="0" err="1"/>
+              <a:t>void</a:t>
+            </a:r>
+            <a:endParaRPr lang="pt-BR" i="1" dirty="0"/>
+          </a:p>
+        </p:txBody>
+      </p:sp>
+      <p:pic>
+        <p:nvPicPr>
+          <p:cNvPr id="5" name="Imagem 4" descr="Interface gráfica do usuário, Texto, Aplicativo&#10;&#10;Descrição gerada automaticamente">
+            <a:extLst>
+              <a:ext uri="{FF2B5EF4-FFF2-40B4-BE49-F238E27FC236}">
+                <a16:creationId xmlns:a16="http://schemas.microsoft.com/office/drawing/2014/main" id="{B047DFBC-B33F-4A76-EC1E-DBC04ADB87F6}"/>
+              </a:ext>
+            </a:extLst>
+          </p:cNvPr>
+          <p:cNvPicPr>
+            <a:picLocks noChangeAspect="1"/>
+          </p:cNvPicPr>
+          <p:nvPr/>
+        </p:nvPicPr>
+        <p:blipFill>
+          <a:blip r:embed="rId3"/>
+          <a:stretch>
+            <a:fillRect/>
+          </a:stretch>
+        </p:blipFill>
+        <p:spPr>
+          <a:xfrm>
+            <a:off x="4641599" y="629082"/>
+            <a:ext cx="5517371" cy="912086"/>
+          </a:xfrm>
+          <a:prstGeom prst="rect">
+            <a:avLst/>
+          </a:prstGeom>
+        </p:spPr>
+      </p:pic>
+      <p:pic>
+        <p:nvPicPr>
+          <p:cNvPr id="20" name="Imagem 19" descr="Retângulo&#10;&#10;Descrição gerada automaticamente com confiança média">
+            <a:extLst>
+              <a:ext uri="{FF2B5EF4-FFF2-40B4-BE49-F238E27FC236}">
+                <a16:creationId xmlns:a16="http://schemas.microsoft.com/office/drawing/2014/main" id="{875E860B-7C19-6C33-2769-36B9B1F2FEFA}"/>
+              </a:ext>
+            </a:extLst>
+          </p:cNvPr>
+          <p:cNvPicPr>
+            <a:picLocks noChangeAspect="1"/>
+          </p:cNvPicPr>
+          <p:nvPr/>
+        </p:nvPicPr>
+        <p:blipFill>
+          <a:blip r:embed="rId4"/>
+          <a:stretch>
+            <a:fillRect/>
+          </a:stretch>
+        </p:blipFill>
+        <p:spPr>
+          <a:xfrm>
+            <a:off x="4641599" y="2120732"/>
+            <a:ext cx="5517371" cy="910851"/>
+          </a:xfrm>
+          <a:prstGeom prst="rect">
+            <a:avLst/>
+          </a:prstGeom>
+        </p:spPr>
+      </p:pic>
+      <p:pic>
+        <p:nvPicPr>
+          <p:cNvPr id="22" name="Imagem 21" descr="Texto&#10;&#10;Descrição gerada automaticamente">
+            <a:extLst>
+              <a:ext uri="{FF2B5EF4-FFF2-40B4-BE49-F238E27FC236}">
+                <a16:creationId xmlns:a16="http://schemas.microsoft.com/office/drawing/2014/main" id="{6A59DE1B-F5A2-304A-07BA-97F2250C50CF}"/>
+              </a:ext>
+            </a:extLst>
+          </p:cNvPr>
+          <p:cNvPicPr>
+            <a:picLocks noChangeAspect="1"/>
+          </p:cNvPicPr>
+          <p:nvPr/>
+        </p:nvPicPr>
+        <p:blipFill>
+          <a:blip r:embed="rId5"/>
+          <a:stretch>
+            <a:fillRect/>
+          </a:stretch>
+        </p:blipFill>
+        <p:spPr>
+          <a:xfrm>
             <a:off x="4656494" y="3573091"/>
             <a:ext cx="5517371" cy="1115452"/>
           </a:xfrm>
@@ -9503,6 +11010,2484 @@
     <p:extLst>
       <p:ext uri="{BB962C8B-B14F-4D97-AF65-F5344CB8AC3E}">
         <p14:creationId xmlns:p14="http://schemas.microsoft.com/office/powerpoint/2010/main" val="3613649305"/>
+      </p:ext>
+    </p:extLst>
+  </p:cSld>
+  <p:clrMapOvr>
+    <a:masterClrMapping/>
+  </p:clrMapOvr>
+</p:sld>
+</file>
+
+<file path=ppt/slides/slide8.xml><?xml version="1.0" encoding="utf-8"?>
+<p:sld xmlns:a="http://schemas.openxmlformats.org/drawingml/2006/main" xmlns:r="http://schemas.openxmlformats.org/officeDocument/2006/relationships" xmlns:p="http://schemas.openxmlformats.org/presentationml/2006/main">
+  <p:cSld>
+    <p:bg>
+      <p:bgPr>
+        <a:solidFill>
+          <a:schemeClr val="bg1"/>
+        </a:solidFill>
+        <a:effectLst/>
+      </p:bgPr>
+    </p:bg>
+    <p:spTree>
+      <p:nvGrpSpPr>
+        <p:cNvPr id="1" name=""/>
+        <p:cNvGrpSpPr/>
+        <p:nvPr/>
+      </p:nvGrpSpPr>
+      <p:grpSpPr>
+        <a:xfrm>
+          <a:off x="0" y="0"/>
+          <a:ext cx="0" cy="0"/>
+          <a:chOff x="0" y="0"/>
+          <a:chExt cx="0" cy="0"/>
+        </a:xfrm>
+      </p:grpSpPr>
+      <p:sp useBgFill="1">
+        <p:nvSpPr>
+          <p:cNvPr id="8" name="Rectangle 7">
+            <a:extLst>
+              <a:ext uri="{FF2B5EF4-FFF2-40B4-BE49-F238E27FC236}">
+                <a16:creationId xmlns:a16="http://schemas.microsoft.com/office/drawing/2014/main" id="{907EF6B7-1338-4443-8C46-6A318D952DFD}"/>
+              </a:ext>
+              <a:ext uri="{C183D7F6-B498-43B3-948B-1728B52AA6E4}">
+                <adec:decorative xmlns:adec="http://schemas.microsoft.com/office/drawing/2017/decorative" val="1"/>
+              </a:ext>
+            </a:extLst>
+          </p:cNvPr>
+          <p:cNvSpPr>
+            <a:spLocks noGrp="1" noRot="1" noChangeAspect="1" noMove="1" noResize="1" noEditPoints="1" noAdjustHandles="1" noChangeArrowheads="1" noChangeShapeType="1" noTextEdit="1"/>
+          </p:cNvSpPr>
+          <p:nvPr>
+            <p:extLst>
+              <p:ext uri="{386F3935-93C4-4BCD-93E2-E3B085C9AB24}">
+                <p16:designElem xmlns:p16="http://schemas.microsoft.com/office/powerpoint/2015/main" val="1"/>
+              </p:ext>
+            </p:extLst>
+          </p:nvPr>
+        </p:nvSpPr>
+        <p:spPr>
+          <a:xfrm>
+            <a:off x="3048" y="0"/>
+            <a:ext cx="12188952" cy="6858000"/>
+          </a:xfrm>
+          <a:prstGeom prst="rect">
+            <a:avLst/>
+          </a:prstGeom>
+          <a:ln>
+            <a:noFill/>
+          </a:ln>
+        </p:spPr>
+        <p:style>
+          <a:lnRef idx="2">
+            <a:schemeClr val="accent1">
+              <a:shade val="50000"/>
+            </a:schemeClr>
+          </a:lnRef>
+          <a:fillRef idx="1">
+            <a:schemeClr val="accent1"/>
+          </a:fillRef>
+          <a:effectRef idx="0">
+            <a:schemeClr val="accent1"/>
+          </a:effectRef>
+          <a:fontRef idx="minor">
+            <a:schemeClr val="lt1"/>
+          </a:fontRef>
+        </p:style>
+        <p:txBody>
+          <a:bodyPr rtlCol="0" anchor="ctr"/>
+          <a:lstStyle/>
+          <a:p>
+            <a:pPr algn="ctr"/>
+            <a:endParaRPr lang="en-US"/>
+          </a:p>
+        </p:txBody>
+      </p:sp>
+      <p:sp>
+        <p:nvSpPr>
+          <p:cNvPr id="10" name="Freeform: Shape 9">
+            <a:extLst>
+              <a:ext uri="{FF2B5EF4-FFF2-40B4-BE49-F238E27FC236}">
+                <a16:creationId xmlns:a16="http://schemas.microsoft.com/office/drawing/2014/main" id="{DAAE4CDD-124C-4DCF-9584-B6033B545DD5}"/>
+              </a:ext>
+              <a:ext uri="{C183D7F6-B498-43B3-948B-1728B52AA6E4}">
+                <adec:decorative xmlns:adec="http://schemas.microsoft.com/office/drawing/2017/decorative" val="1"/>
+              </a:ext>
+            </a:extLst>
+          </p:cNvPr>
+          <p:cNvSpPr>
+            <a:spLocks noGrp="1" noRot="1" noChangeAspect="1" noMove="1" noResize="1" noEditPoints="1" noAdjustHandles="1" noChangeArrowheads="1" noChangeShapeType="1" noTextEdit="1"/>
+          </p:cNvSpPr>
+          <p:nvPr>
+            <p:extLst>
+              <p:ext uri="{386F3935-93C4-4BCD-93E2-E3B085C9AB24}">
+                <p16:designElem xmlns:p16="http://schemas.microsoft.com/office/powerpoint/2015/main" val="1"/>
+              </p:ext>
+            </p:extLst>
+          </p:nvPr>
+        </p:nvSpPr>
+        <p:spPr>
+          <a:xfrm>
+            <a:off x="1" y="0"/>
+            <a:ext cx="4167271" cy="6858000"/>
+          </a:xfrm>
+          <a:custGeom>
+            <a:avLst/>
+            <a:gdLst>
+              <a:gd name="connsiteX0" fmla="*/ 0 w 4167271"/>
+              <a:gd name="connsiteY0" fmla="*/ 0 h 6858000"/>
+              <a:gd name="connsiteX1" fmla="*/ 2259550 w 4167271"/>
+              <a:gd name="connsiteY1" fmla="*/ 0 h 6858000"/>
+              <a:gd name="connsiteX2" fmla="*/ 2387803 w 4167271"/>
+              <a:gd name="connsiteY2" fmla="*/ 82222 h 6858000"/>
+              <a:gd name="connsiteX3" fmla="*/ 4167271 w 4167271"/>
+              <a:gd name="connsiteY3" fmla="*/ 3429000 h 6858000"/>
+              <a:gd name="connsiteX4" fmla="*/ 2387803 w 4167271"/>
+              <a:gd name="connsiteY4" fmla="*/ 6775779 h 6858000"/>
+              <a:gd name="connsiteX5" fmla="*/ 2259550 w 4167271"/>
+              <a:gd name="connsiteY5" fmla="*/ 6858000 h 6858000"/>
+              <a:gd name="connsiteX6" fmla="*/ 0 w 4167271"/>
+              <a:gd name="connsiteY6" fmla="*/ 6858000 h 6858000"/>
+            </a:gdLst>
+            <a:ahLst/>
+            <a:cxnLst>
+              <a:cxn ang="0">
+                <a:pos x="connsiteX0" y="connsiteY0"/>
+              </a:cxn>
+              <a:cxn ang="0">
+                <a:pos x="connsiteX1" y="connsiteY1"/>
+              </a:cxn>
+              <a:cxn ang="0">
+                <a:pos x="connsiteX2" y="connsiteY2"/>
+              </a:cxn>
+              <a:cxn ang="0">
+                <a:pos x="connsiteX3" y="connsiteY3"/>
+              </a:cxn>
+              <a:cxn ang="0">
+                <a:pos x="connsiteX4" y="connsiteY4"/>
+              </a:cxn>
+              <a:cxn ang="0">
+                <a:pos x="connsiteX5" y="connsiteY5"/>
+              </a:cxn>
+              <a:cxn ang="0">
+                <a:pos x="connsiteX6" y="connsiteY6"/>
+              </a:cxn>
+            </a:cxnLst>
+            <a:rect l="l" t="t" r="r" b="b"/>
+            <a:pathLst>
+              <a:path w="4167271" h="6858000">
+                <a:moveTo>
+                  <a:pt x="0" y="0"/>
+                </a:moveTo>
+                <a:lnTo>
+                  <a:pt x="2259550" y="0"/>
+                </a:lnTo>
+                <a:lnTo>
+                  <a:pt x="2387803" y="82222"/>
+                </a:lnTo>
+                <a:cubicBezTo>
+                  <a:pt x="3461407" y="807534"/>
+                  <a:pt x="4167271" y="2035835"/>
+                  <a:pt x="4167271" y="3429000"/>
+                </a:cubicBezTo>
+                <a:cubicBezTo>
+                  <a:pt x="4167271" y="4822165"/>
+                  <a:pt x="3461407" y="6050467"/>
+                  <a:pt x="2387803" y="6775779"/>
+                </a:cubicBezTo>
+                <a:lnTo>
+                  <a:pt x="2259550" y="6858000"/>
+                </a:lnTo>
+                <a:lnTo>
+                  <a:pt x="0" y="6858000"/>
+                </a:lnTo>
+                <a:close/>
+              </a:path>
+            </a:pathLst>
+          </a:custGeom>
+          <a:solidFill>
+            <a:schemeClr val="accent2"/>
+          </a:solidFill>
+          <a:ln>
+            <a:noFill/>
+          </a:ln>
+        </p:spPr>
+        <p:style>
+          <a:lnRef idx="2">
+            <a:schemeClr val="accent1">
+              <a:shade val="50000"/>
+            </a:schemeClr>
+          </a:lnRef>
+          <a:fillRef idx="1">
+            <a:schemeClr val="accent1"/>
+          </a:fillRef>
+          <a:effectRef idx="0">
+            <a:schemeClr val="accent1"/>
+          </a:effectRef>
+          <a:fontRef idx="minor">
+            <a:schemeClr val="lt1"/>
+          </a:fontRef>
+        </p:style>
+        <p:txBody>
+          <a:bodyPr rtlCol="0" anchor="ctr"/>
+          <a:lstStyle/>
+          <a:p>
+            <a:pPr algn="ctr"/>
+            <a:endParaRPr lang="en-US"/>
+          </a:p>
+        </p:txBody>
+      </p:sp>
+      <p:sp>
+        <p:nvSpPr>
+          <p:cNvPr id="2" name="Título 1">
+            <a:extLst>
+              <a:ext uri="{FF2B5EF4-FFF2-40B4-BE49-F238E27FC236}">
+                <a16:creationId xmlns:a16="http://schemas.microsoft.com/office/drawing/2014/main" id="{A3989186-0E8B-13B4-BB6B-AE73AE4CE94D}"/>
+              </a:ext>
+            </a:extLst>
+          </p:cNvPr>
+          <p:cNvSpPr>
+            <a:spLocks noGrp="1"/>
+          </p:cNvSpPr>
+          <p:nvPr>
+            <p:ph type="title"/>
+          </p:nvPr>
+        </p:nvSpPr>
+        <p:spPr>
+          <a:xfrm>
+            <a:off x="163902" y="1153572"/>
+            <a:ext cx="3723332" cy="4461163"/>
+          </a:xfrm>
+        </p:spPr>
+        <p:txBody>
+          <a:bodyPr>
+            <a:normAutofit/>
+          </a:bodyPr>
+          <a:lstStyle/>
+          <a:p>
+            <a:r>
+              <a:rPr lang="pt-BR" b="1" dirty="0">
+                <a:solidFill>
+                  <a:schemeClr val="bg1"/>
+                </a:solidFill>
+              </a:rPr>
+              <a:t>Tipos complexos no</a:t>
+            </a:r>
+            <a:r>
+              <a:rPr lang="pt-BR" b="1" dirty="0">
+                <a:solidFill>
+                  <a:srgbClr val="FFFF00"/>
+                </a:solidFill>
+              </a:rPr>
+              <a:t> TypeScript</a:t>
+            </a:r>
+            <a:endParaRPr lang="pt-BR" dirty="0">
+              <a:solidFill>
+                <a:schemeClr val="bg1"/>
+              </a:solidFill>
+            </a:endParaRPr>
+          </a:p>
+        </p:txBody>
+      </p:sp>
+      <p:sp>
+        <p:nvSpPr>
+          <p:cNvPr id="12" name="Arc 11">
+            <a:extLst>
+              <a:ext uri="{FF2B5EF4-FFF2-40B4-BE49-F238E27FC236}">
+                <a16:creationId xmlns:a16="http://schemas.microsoft.com/office/drawing/2014/main" id="{081E4A58-353D-44AE-B2FC-2A74E2E400F7}"/>
+              </a:ext>
+              <a:ext uri="{C183D7F6-B498-43B3-948B-1728B52AA6E4}">
+                <adec:decorative xmlns:adec="http://schemas.microsoft.com/office/drawing/2017/decorative" val="1"/>
+              </a:ext>
+            </a:extLst>
+          </p:cNvPr>
+          <p:cNvSpPr>
+            <a:spLocks noGrp="1" noRot="1" noChangeAspect="1" noMove="1" noResize="1" noEditPoints="1" noAdjustHandles="1" noChangeArrowheads="1" noChangeShapeType="1" noTextEdit="1"/>
+          </p:cNvSpPr>
+          <p:nvPr>
+            <p:extLst>
+              <p:ext uri="{386F3935-93C4-4BCD-93E2-E3B085C9AB24}">
+                <p16:designElem xmlns:p16="http://schemas.microsoft.com/office/powerpoint/2015/main" val="1"/>
+              </p:ext>
+            </p:extLst>
+          </p:nvPr>
+        </p:nvSpPr>
+        <p:spPr>
+          <a:xfrm flipV="1">
+            <a:off x="7550402" y="2455479"/>
+            <a:ext cx="4083433" cy="4083433"/>
+          </a:xfrm>
+          <a:prstGeom prst="arc">
+            <a:avLst/>
+          </a:prstGeom>
+          <a:ln w="127000" cap="rnd">
+            <a:solidFill>
+              <a:schemeClr val="accent4"/>
+            </a:solidFill>
+            <a:prstDash val="dash"/>
+          </a:ln>
+        </p:spPr>
+        <p:style>
+          <a:lnRef idx="1">
+            <a:schemeClr val="accent1"/>
+          </a:lnRef>
+          <a:fillRef idx="0">
+            <a:schemeClr val="accent1"/>
+          </a:fillRef>
+          <a:effectRef idx="0">
+            <a:schemeClr val="accent1"/>
+          </a:effectRef>
+          <a:fontRef idx="minor">
+            <a:schemeClr val="tx1"/>
+          </a:fontRef>
+        </p:style>
+        <p:txBody>
+          <a:bodyPr rtlCol="0" anchor="ctr"/>
+          <a:lstStyle/>
+          <a:p>
+            <a:pPr algn="ctr"/>
+            <a:endParaRPr lang="en-US" dirty="0"/>
+          </a:p>
+        </p:txBody>
+      </p:sp>
+      <p:pic>
+        <p:nvPicPr>
+          <p:cNvPr id="4" name="Imagem 3" descr="Logotipo, nome da empresa&#10;&#10;Descrição gerada automaticamente">
+            <a:extLst>
+              <a:ext uri="{FF2B5EF4-FFF2-40B4-BE49-F238E27FC236}">
+                <a16:creationId xmlns:a16="http://schemas.microsoft.com/office/drawing/2014/main" id="{7094D36D-C578-1FEE-CD11-3623D976B2AC}"/>
+              </a:ext>
+            </a:extLst>
+          </p:cNvPr>
+          <p:cNvPicPr>
+            <a:picLocks noChangeAspect="1"/>
+          </p:cNvPicPr>
+          <p:nvPr/>
+        </p:nvPicPr>
+        <p:blipFill>
+          <a:blip r:embed="rId2"/>
+          <a:stretch>
+            <a:fillRect/>
+          </a:stretch>
+        </p:blipFill>
+        <p:spPr>
+          <a:xfrm>
+            <a:off x="11099925" y="5824981"/>
+            <a:ext cx="1065914" cy="1065914"/>
+          </a:xfrm>
+          <a:custGeom>
+            <a:avLst/>
+            <a:gdLst/>
+            <a:ahLst/>
+            <a:cxnLst/>
+            <a:rect l="l" t="t" r="r" b="b"/>
+            <a:pathLst>
+              <a:path w="2833631" h="2677010">
+                <a:moveTo>
+                  <a:pt x="49418" y="0"/>
+                </a:moveTo>
+                <a:lnTo>
+                  <a:pt x="2784213" y="0"/>
+                </a:lnTo>
+                <a:cubicBezTo>
+                  <a:pt x="2811506" y="0"/>
+                  <a:pt x="2833631" y="22125"/>
+                  <a:pt x="2833631" y="49418"/>
+                </a:cubicBezTo>
+                <a:lnTo>
+                  <a:pt x="2833631" y="2627592"/>
+                </a:lnTo>
+                <a:cubicBezTo>
+                  <a:pt x="2833631" y="2654885"/>
+                  <a:pt x="2811506" y="2677010"/>
+                  <a:pt x="2784213" y="2677010"/>
+                </a:cubicBezTo>
+                <a:lnTo>
+                  <a:pt x="49418" y="2677010"/>
+                </a:lnTo>
+                <a:cubicBezTo>
+                  <a:pt x="22125" y="2677010"/>
+                  <a:pt x="0" y="2654885"/>
+                  <a:pt x="0" y="2627592"/>
+                </a:cubicBezTo>
+                <a:lnTo>
+                  <a:pt x="0" y="49418"/>
+                </a:lnTo>
+                <a:cubicBezTo>
+                  <a:pt x="0" y="22125"/>
+                  <a:pt x="22125" y="0"/>
+                  <a:pt x="49418" y="0"/>
+                </a:cubicBezTo>
+                <a:close/>
+              </a:path>
+            </a:pathLst>
+          </a:custGeom>
+        </p:spPr>
+      </p:pic>
+      <p:sp>
+        <p:nvSpPr>
+          <p:cNvPr id="16" name="CaixaDeTexto 15">
+            <a:extLst>
+              <a:ext uri="{FF2B5EF4-FFF2-40B4-BE49-F238E27FC236}">
+                <a16:creationId xmlns:a16="http://schemas.microsoft.com/office/drawing/2014/main" id="{4CFBE1C0-A66F-F7DD-93F9-3915DE5ED191}"/>
+              </a:ext>
+            </a:extLst>
+          </p:cNvPr>
+          <p:cNvSpPr txBox="1"/>
+          <p:nvPr/>
+        </p:nvSpPr>
+        <p:spPr>
+          <a:xfrm>
+            <a:off x="4322286" y="224442"/>
+            <a:ext cx="1514902" cy="369332"/>
+          </a:xfrm>
+          <a:prstGeom prst="rect">
+            <a:avLst/>
+          </a:prstGeom>
+          <a:noFill/>
+        </p:spPr>
+        <p:txBody>
+          <a:bodyPr wrap="none" rtlCol="0">
+            <a:spAutoFit/>
+          </a:bodyPr>
+          <a:lstStyle/>
+          <a:p>
+            <a:r>
+              <a:rPr lang="pt-BR" dirty="0"/>
+              <a:t>Objeto: </a:t>
+            </a:r>
+            <a:r>
+              <a:rPr lang="pt-BR" i="1" dirty="0" err="1"/>
+              <a:t>object</a:t>
+            </a:r>
+            <a:endParaRPr lang="pt-BR" i="1" dirty="0"/>
+          </a:p>
+        </p:txBody>
+      </p:sp>
+      <p:sp>
+        <p:nvSpPr>
+          <p:cNvPr id="17" name="CaixaDeTexto 16">
+            <a:extLst>
+              <a:ext uri="{FF2B5EF4-FFF2-40B4-BE49-F238E27FC236}">
+                <a16:creationId xmlns:a16="http://schemas.microsoft.com/office/drawing/2014/main" id="{8CC5C1E9-F591-06D3-FE36-70B50365CA7E}"/>
+              </a:ext>
+            </a:extLst>
+          </p:cNvPr>
+          <p:cNvSpPr txBox="1"/>
+          <p:nvPr/>
+        </p:nvSpPr>
+        <p:spPr>
+          <a:xfrm>
+            <a:off x="4325844" y="1490436"/>
+            <a:ext cx="2638864" cy="369332"/>
+          </a:xfrm>
+          <a:prstGeom prst="rect">
+            <a:avLst/>
+          </a:prstGeom>
+          <a:noFill/>
+        </p:spPr>
+        <p:txBody>
+          <a:bodyPr wrap="none" rtlCol="0">
+            <a:spAutoFit/>
+          </a:bodyPr>
+          <a:lstStyle/>
+          <a:p>
+            <a:r>
+              <a:rPr lang="pt-BR" dirty="0"/>
+              <a:t>Multidimensionais: </a:t>
+            </a:r>
+            <a:r>
+              <a:rPr lang="pt-BR" i="1" dirty="0" err="1"/>
+              <a:t>Array</a:t>
+            </a:r>
+            <a:endParaRPr lang="pt-BR" i="1" dirty="0"/>
+          </a:p>
+        </p:txBody>
+      </p:sp>
+      <p:sp>
+        <p:nvSpPr>
+          <p:cNvPr id="18" name="CaixaDeTexto 17">
+            <a:extLst>
+              <a:ext uri="{FF2B5EF4-FFF2-40B4-BE49-F238E27FC236}">
+                <a16:creationId xmlns:a16="http://schemas.microsoft.com/office/drawing/2014/main" id="{9E16CFB5-B1B5-4E7B-D2F1-80775E41E13B}"/>
+              </a:ext>
+            </a:extLst>
+          </p:cNvPr>
+          <p:cNvSpPr txBox="1"/>
+          <p:nvPr/>
+        </p:nvSpPr>
+        <p:spPr>
+          <a:xfrm>
+            <a:off x="4322286" y="2867204"/>
+            <a:ext cx="1282852" cy="369332"/>
+          </a:xfrm>
+          <a:prstGeom prst="rect">
+            <a:avLst/>
+          </a:prstGeom>
+          <a:noFill/>
+        </p:spPr>
+        <p:txBody>
+          <a:bodyPr wrap="none" rtlCol="0">
+            <a:spAutoFit/>
+          </a:bodyPr>
+          <a:lstStyle/>
+          <a:p>
+            <a:r>
+              <a:rPr lang="pt-BR" dirty="0" err="1"/>
+              <a:t>Tupla</a:t>
+            </a:r>
+            <a:r>
+              <a:rPr lang="pt-BR" dirty="0"/>
+              <a:t>: </a:t>
+            </a:r>
+            <a:r>
+              <a:rPr lang="pt-BR" i="1" dirty="0" err="1"/>
+              <a:t>tuple</a:t>
+            </a:r>
+            <a:endParaRPr lang="pt-BR" i="1" dirty="0"/>
+          </a:p>
+        </p:txBody>
+      </p:sp>
+      <p:pic>
+        <p:nvPicPr>
+          <p:cNvPr id="6" name="Imagem 5" descr="Interface gráfica do usuário, Texto, Aplicativo&#10;&#10;Descrição gerada automaticamente">
+            <a:extLst>
+              <a:ext uri="{FF2B5EF4-FFF2-40B4-BE49-F238E27FC236}">
+                <a16:creationId xmlns:a16="http://schemas.microsoft.com/office/drawing/2014/main" id="{4E182DD2-B782-5811-9BA1-F03F96A5E490}"/>
+              </a:ext>
+            </a:extLst>
+          </p:cNvPr>
+          <p:cNvPicPr>
+            <a:picLocks noChangeAspect="1"/>
+          </p:cNvPicPr>
+          <p:nvPr/>
+        </p:nvPicPr>
+        <p:blipFill>
+          <a:blip r:embed="rId3"/>
+          <a:stretch>
+            <a:fillRect/>
+          </a:stretch>
+        </p:blipFill>
+        <p:spPr>
+          <a:xfrm>
+            <a:off x="4303728" y="1827350"/>
+            <a:ext cx="5379147" cy="890442"/>
+          </a:xfrm>
+          <a:prstGeom prst="rect">
+            <a:avLst/>
+          </a:prstGeom>
+        </p:spPr>
+      </p:pic>
+      <p:pic>
+        <p:nvPicPr>
+          <p:cNvPr id="9" name="Imagem 8" descr="Retângulo&#10;&#10;Descrição gerada automaticamente com confiança baixa">
+            <a:extLst>
+              <a:ext uri="{FF2B5EF4-FFF2-40B4-BE49-F238E27FC236}">
+                <a16:creationId xmlns:a16="http://schemas.microsoft.com/office/drawing/2014/main" id="{2C5090F6-2C97-ABD4-7FAF-1A4D8C015D10}"/>
+              </a:ext>
+            </a:extLst>
+          </p:cNvPr>
+          <p:cNvPicPr>
+            <a:picLocks noChangeAspect="1"/>
+          </p:cNvPicPr>
+          <p:nvPr/>
+        </p:nvPicPr>
+        <p:blipFill>
+          <a:blip r:embed="rId4"/>
+          <a:stretch>
+            <a:fillRect/>
+          </a:stretch>
+        </p:blipFill>
+        <p:spPr>
+          <a:xfrm>
+            <a:off x="4263299" y="4584091"/>
+            <a:ext cx="5379147" cy="1656806"/>
+          </a:xfrm>
+          <a:prstGeom prst="rect">
+            <a:avLst/>
+          </a:prstGeom>
+        </p:spPr>
+      </p:pic>
+      <p:pic>
+        <p:nvPicPr>
+          <p:cNvPr id="13" name="Imagem 12" descr="Interface gráfica do usuário, Texto, Aplicativo&#10;&#10;Descrição gerada automaticamente">
+            <a:extLst>
+              <a:ext uri="{FF2B5EF4-FFF2-40B4-BE49-F238E27FC236}">
+                <a16:creationId xmlns:a16="http://schemas.microsoft.com/office/drawing/2014/main" id="{477C0D59-1C06-DF70-349F-12A51FCB98BF}"/>
+              </a:ext>
+            </a:extLst>
+          </p:cNvPr>
+          <p:cNvPicPr>
+            <a:picLocks noChangeAspect="1"/>
+          </p:cNvPicPr>
+          <p:nvPr/>
+        </p:nvPicPr>
+        <p:blipFill>
+          <a:blip r:embed="rId5"/>
+          <a:stretch>
+            <a:fillRect/>
+          </a:stretch>
+        </p:blipFill>
+        <p:spPr>
+          <a:xfrm>
+            <a:off x="4322286" y="527195"/>
+            <a:ext cx="6678551" cy="877803"/>
+          </a:xfrm>
+          <a:prstGeom prst="rect">
+            <a:avLst/>
+          </a:prstGeom>
+        </p:spPr>
+      </p:pic>
+      <p:pic>
+        <p:nvPicPr>
+          <p:cNvPr id="15" name="Imagem 14" descr="Retângulo&#10;&#10;Descrição gerada automaticamente com confiança média">
+            <a:extLst>
+              <a:ext uri="{FF2B5EF4-FFF2-40B4-BE49-F238E27FC236}">
+                <a16:creationId xmlns:a16="http://schemas.microsoft.com/office/drawing/2014/main" id="{B5FB5518-CA06-8549-6CDE-3CD9CE0D2C1F}"/>
+              </a:ext>
+            </a:extLst>
+          </p:cNvPr>
+          <p:cNvPicPr>
+            <a:picLocks noChangeAspect="1"/>
+          </p:cNvPicPr>
+          <p:nvPr/>
+        </p:nvPicPr>
+        <p:blipFill>
+          <a:blip r:embed="rId6"/>
+          <a:stretch>
+            <a:fillRect/>
+          </a:stretch>
+        </p:blipFill>
+        <p:spPr>
+          <a:xfrm>
+            <a:off x="4303728" y="3200530"/>
+            <a:ext cx="5379147" cy="902590"/>
+          </a:xfrm>
+          <a:prstGeom prst="rect">
+            <a:avLst/>
+          </a:prstGeom>
+        </p:spPr>
+      </p:pic>
+      <p:sp>
+        <p:nvSpPr>
+          <p:cNvPr id="19" name="CaixaDeTexto 18">
+            <a:extLst>
+              <a:ext uri="{FF2B5EF4-FFF2-40B4-BE49-F238E27FC236}">
+                <a16:creationId xmlns:a16="http://schemas.microsoft.com/office/drawing/2014/main" id="{817B0815-21A5-5794-E256-3EF1B3E7395F}"/>
+              </a:ext>
+            </a:extLst>
+          </p:cNvPr>
+          <p:cNvSpPr txBox="1"/>
+          <p:nvPr/>
+        </p:nvSpPr>
+        <p:spPr>
+          <a:xfrm>
+            <a:off x="4260426" y="4232666"/>
+            <a:ext cx="1915974" cy="369332"/>
+          </a:xfrm>
+          <a:prstGeom prst="rect">
+            <a:avLst/>
+          </a:prstGeom>
+          <a:noFill/>
+        </p:spPr>
+        <p:txBody>
+          <a:bodyPr wrap="none" rtlCol="0">
+            <a:spAutoFit/>
+          </a:bodyPr>
+          <a:lstStyle/>
+          <a:p>
+            <a:r>
+              <a:rPr lang="pt-BR" dirty="0"/>
+              <a:t>Enumerado: </a:t>
+            </a:r>
+            <a:r>
+              <a:rPr lang="pt-BR" i="1" dirty="0" err="1"/>
+              <a:t>enum</a:t>
+            </a:r>
+            <a:endParaRPr lang="pt-BR" i="1" dirty="0"/>
+          </a:p>
+        </p:txBody>
+      </p:sp>
+    </p:spTree>
+    <p:extLst>
+      <p:ext uri="{BB962C8B-B14F-4D97-AF65-F5344CB8AC3E}">
+        <p14:creationId xmlns:p14="http://schemas.microsoft.com/office/powerpoint/2010/main" val="4068934224"/>
+      </p:ext>
+    </p:extLst>
+  </p:cSld>
+  <p:clrMapOvr>
+    <a:masterClrMapping/>
+  </p:clrMapOvr>
+</p:sld>
+</file>
+
+<file path=ppt/slides/slide9.xml><?xml version="1.0" encoding="utf-8"?>
+<p:sld xmlns:a="http://schemas.openxmlformats.org/drawingml/2006/main" xmlns:r="http://schemas.openxmlformats.org/officeDocument/2006/relationships" xmlns:p="http://schemas.openxmlformats.org/presentationml/2006/main">
+  <p:cSld>
+    <p:bg>
+      <p:bgPr>
+        <a:solidFill>
+          <a:schemeClr val="bg1"/>
+        </a:solidFill>
+        <a:effectLst/>
+      </p:bgPr>
+    </p:bg>
+    <p:spTree>
+      <p:nvGrpSpPr>
+        <p:cNvPr id="1" name=""/>
+        <p:cNvGrpSpPr/>
+        <p:nvPr/>
+      </p:nvGrpSpPr>
+      <p:grpSpPr>
+        <a:xfrm>
+          <a:off x="0" y="0"/>
+          <a:ext cx="0" cy="0"/>
+          <a:chOff x="0" y="0"/>
+          <a:chExt cx="0" cy="0"/>
+        </a:xfrm>
+      </p:grpSpPr>
+      <p:sp useBgFill="1">
+        <p:nvSpPr>
+          <p:cNvPr id="8" name="Rectangle 7">
+            <a:extLst>
+              <a:ext uri="{FF2B5EF4-FFF2-40B4-BE49-F238E27FC236}">
+                <a16:creationId xmlns:a16="http://schemas.microsoft.com/office/drawing/2014/main" id="{907EF6B7-1338-4443-8C46-6A318D952DFD}"/>
+              </a:ext>
+              <a:ext uri="{C183D7F6-B498-43B3-948B-1728B52AA6E4}">
+                <adec:decorative xmlns:adec="http://schemas.microsoft.com/office/drawing/2017/decorative" val="1"/>
+              </a:ext>
+            </a:extLst>
+          </p:cNvPr>
+          <p:cNvSpPr>
+            <a:spLocks noGrp="1" noRot="1" noChangeAspect="1" noMove="1" noResize="1" noEditPoints="1" noAdjustHandles="1" noChangeArrowheads="1" noChangeShapeType="1" noTextEdit="1"/>
+          </p:cNvSpPr>
+          <p:nvPr>
+            <p:extLst>
+              <p:ext uri="{386F3935-93C4-4BCD-93E2-E3B085C9AB24}">
+                <p16:designElem xmlns:p16="http://schemas.microsoft.com/office/powerpoint/2015/main" val="1"/>
+              </p:ext>
+            </p:extLst>
+          </p:nvPr>
+        </p:nvSpPr>
+        <p:spPr>
+          <a:xfrm>
+            <a:off x="3048" y="0"/>
+            <a:ext cx="12188952" cy="6858000"/>
+          </a:xfrm>
+          <a:prstGeom prst="rect">
+            <a:avLst/>
+          </a:prstGeom>
+          <a:ln>
+            <a:noFill/>
+          </a:ln>
+        </p:spPr>
+        <p:style>
+          <a:lnRef idx="2">
+            <a:schemeClr val="accent1">
+              <a:shade val="50000"/>
+            </a:schemeClr>
+          </a:lnRef>
+          <a:fillRef idx="1">
+            <a:schemeClr val="accent1"/>
+          </a:fillRef>
+          <a:effectRef idx="0">
+            <a:schemeClr val="accent1"/>
+          </a:effectRef>
+          <a:fontRef idx="minor">
+            <a:schemeClr val="lt1"/>
+          </a:fontRef>
+        </p:style>
+        <p:txBody>
+          <a:bodyPr rtlCol="0" anchor="ctr"/>
+          <a:lstStyle/>
+          <a:p>
+            <a:pPr algn="ctr"/>
+            <a:endParaRPr lang="en-US"/>
+          </a:p>
+        </p:txBody>
+      </p:sp>
+      <p:sp>
+        <p:nvSpPr>
+          <p:cNvPr id="10" name="Freeform: Shape 9">
+            <a:extLst>
+              <a:ext uri="{FF2B5EF4-FFF2-40B4-BE49-F238E27FC236}">
+                <a16:creationId xmlns:a16="http://schemas.microsoft.com/office/drawing/2014/main" id="{DAAE4CDD-124C-4DCF-9584-B6033B545DD5}"/>
+              </a:ext>
+              <a:ext uri="{C183D7F6-B498-43B3-948B-1728B52AA6E4}">
+                <adec:decorative xmlns:adec="http://schemas.microsoft.com/office/drawing/2017/decorative" val="1"/>
+              </a:ext>
+            </a:extLst>
+          </p:cNvPr>
+          <p:cNvSpPr>
+            <a:spLocks noGrp="1" noRot="1" noChangeAspect="1" noMove="1" noResize="1" noEditPoints="1" noAdjustHandles="1" noChangeArrowheads="1" noChangeShapeType="1" noTextEdit="1"/>
+          </p:cNvSpPr>
+          <p:nvPr>
+            <p:extLst>
+              <p:ext uri="{386F3935-93C4-4BCD-93E2-E3B085C9AB24}">
+                <p16:designElem xmlns:p16="http://schemas.microsoft.com/office/powerpoint/2015/main" val="1"/>
+              </p:ext>
+            </p:extLst>
+          </p:nvPr>
+        </p:nvSpPr>
+        <p:spPr>
+          <a:xfrm>
+            <a:off x="1" y="0"/>
+            <a:ext cx="4167271" cy="6858000"/>
+          </a:xfrm>
+          <a:custGeom>
+            <a:avLst/>
+            <a:gdLst>
+              <a:gd name="connsiteX0" fmla="*/ 0 w 4167271"/>
+              <a:gd name="connsiteY0" fmla="*/ 0 h 6858000"/>
+              <a:gd name="connsiteX1" fmla="*/ 2259550 w 4167271"/>
+              <a:gd name="connsiteY1" fmla="*/ 0 h 6858000"/>
+              <a:gd name="connsiteX2" fmla="*/ 2387803 w 4167271"/>
+              <a:gd name="connsiteY2" fmla="*/ 82222 h 6858000"/>
+              <a:gd name="connsiteX3" fmla="*/ 4167271 w 4167271"/>
+              <a:gd name="connsiteY3" fmla="*/ 3429000 h 6858000"/>
+              <a:gd name="connsiteX4" fmla="*/ 2387803 w 4167271"/>
+              <a:gd name="connsiteY4" fmla="*/ 6775779 h 6858000"/>
+              <a:gd name="connsiteX5" fmla="*/ 2259550 w 4167271"/>
+              <a:gd name="connsiteY5" fmla="*/ 6858000 h 6858000"/>
+              <a:gd name="connsiteX6" fmla="*/ 0 w 4167271"/>
+              <a:gd name="connsiteY6" fmla="*/ 6858000 h 6858000"/>
+            </a:gdLst>
+            <a:ahLst/>
+            <a:cxnLst>
+              <a:cxn ang="0">
+                <a:pos x="connsiteX0" y="connsiteY0"/>
+              </a:cxn>
+              <a:cxn ang="0">
+                <a:pos x="connsiteX1" y="connsiteY1"/>
+              </a:cxn>
+              <a:cxn ang="0">
+                <a:pos x="connsiteX2" y="connsiteY2"/>
+              </a:cxn>
+              <a:cxn ang="0">
+                <a:pos x="connsiteX3" y="connsiteY3"/>
+              </a:cxn>
+              <a:cxn ang="0">
+                <a:pos x="connsiteX4" y="connsiteY4"/>
+              </a:cxn>
+              <a:cxn ang="0">
+                <a:pos x="connsiteX5" y="connsiteY5"/>
+              </a:cxn>
+              <a:cxn ang="0">
+                <a:pos x="connsiteX6" y="connsiteY6"/>
+              </a:cxn>
+            </a:cxnLst>
+            <a:rect l="l" t="t" r="r" b="b"/>
+            <a:pathLst>
+              <a:path w="4167271" h="6858000">
+                <a:moveTo>
+                  <a:pt x="0" y="0"/>
+                </a:moveTo>
+                <a:lnTo>
+                  <a:pt x="2259550" y="0"/>
+                </a:lnTo>
+                <a:lnTo>
+                  <a:pt x="2387803" y="82222"/>
+                </a:lnTo>
+                <a:cubicBezTo>
+                  <a:pt x="3461407" y="807534"/>
+                  <a:pt x="4167271" y="2035835"/>
+                  <a:pt x="4167271" y="3429000"/>
+                </a:cubicBezTo>
+                <a:cubicBezTo>
+                  <a:pt x="4167271" y="4822165"/>
+                  <a:pt x="3461407" y="6050467"/>
+                  <a:pt x="2387803" y="6775779"/>
+                </a:cubicBezTo>
+                <a:lnTo>
+                  <a:pt x="2259550" y="6858000"/>
+                </a:lnTo>
+                <a:lnTo>
+                  <a:pt x="0" y="6858000"/>
+                </a:lnTo>
+                <a:close/>
+              </a:path>
+            </a:pathLst>
+          </a:custGeom>
+          <a:solidFill>
+            <a:schemeClr val="accent2"/>
+          </a:solidFill>
+          <a:ln>
+            <a:noFill/>
+          </a:ln>
+        </p:spPr>
+        <p:style>
+          <a:lnRef idx="2">
+            <a:schemeClr val="accent1">
+              <a:shade val="50000"/>
+            </a:schemeClr>
+          </a:lnRef>
+          <a:fillRef idx="1">
+            <a:schemeClr val="accent1"/>
+          </a:fillRef>
+          <a:effectRef idx="0">
+            <a:schemeClr val="accent1"/>
+          </a:effectRef>
+          <a:fontRef idx="minor">
+            <a:schemeClr val="lt1"/>
+          </a:fontRef>
+        </p:style>
+        <p:txBody>
+          <a:bodyPr rtlCol="0" anchor="ctr"/>
+          <a:lstStyle/>
+          <a:p>
+            <a:pPr algn="ctr"/>
+            <a:endParaRPr lang="en-US"/>
+          </a:p>
+        </p:txBody>
+      </p:sp>
+      <p:sp>
+        <p:nvSpPr>
+          <p:cNvPr id="2" name="Título 1">
+            <a:extLst>
+              <a:ext uri="{FF2B5EF4-FFF2-40B4-BE49-F238E27FC236}">
+                <a16:creationId xmlns:a16="http://schemas.microsoft.com/office/drawing/2014/main" id="{A3989186-0E8B-13B4-BB6B-AE73AE4CE94D}"/>
+              </a:ext>
+            </a:extLst>
+          </p:cNvPr>
+          <p:cNvSpPr>
+            <a:spLocks noGrp="1"/>
+          </p:cNvSpPr>
+          <p:nvPr>
+            <p:ph type="title"/>
+          </p:nvPr>
+        </p:nvSpPr>
+        <p:spPr>
+          <a:xfrm>
+            <a:off x="163902" y="1153572"/>
+            <a:ext cx="3723332" cy="4461163"/>
+          </a:xfrm>
+        </p:spPr>
+        <p:txBody>
+          <a:bodyPr>
+            <a:normAutofit/>
+          </a:bodyPr>
+          <a:lstStyle/>
+          <a:p>
+            <a:r>
+              <a:rPr lang="pt-BR" b="1" dirty="0">
+                <a:solidFill>
+                  <a:schemeClr val="bg1"/>
+                </a:solidFill>
+              </a:rPr>
+              <a:t>Operadores no</a:t>
+            </a:r>
+            <a:r>
+              <a:rPr lang="pt-BR" b="1" dirty="0">
+                <a:solidFill>
+                  <a:srgbClr val="FFFF00"/>
+                </a:solidFill>
+              </a:rPr>
+              <a:t> TypeScript</a:t>
+            </a:r>
+            <a:endParaRPr lang="pt-BR" dirty="0">
+              <a:solidFill>
+                <a:schemeClr val="bg1"/>
+              </a:solidFill>
+            </a:endParaRPr>
+          </a:p>
+        </p:txBody>
+      </p:sp>
+      <p:sp>
+        <p:nvSpPr>
+          <p:cNvPr id="12" name="Arc 11">
+            <a:extLst>
+              <a:ext uri="{FF2B5EF4-FFF2-40B4-BE49-F238E27FC236}">
+                <a16:creationId xmlns:a16="http://schemas.microsoft.com/office/drawing/2014/main" id="{081E4A58-353D-44AE-B2FC-2A74E2E400F7}"/>
+              </a:ext>
+              <a:ext uri="{C183D7F6-B498-43B3-948B-1728B52AA6E4}">
+                <adec:decorative xmlns:adec="http://schemas.microsoft.com/office/drawing/2017/decorative" val="1"/>
+              </a:ext>
+            </a:extLst>
+          </p:cNvPr>
+          <p:cNvSpPr>
+            <a:spLocks noGrp="1" noRot="1" noChangeAspect="1" noMove="1" noResize="1" noEditPoints="1" noAdjustHandles="1" noChangeArrowheads="1" noChangeShapeType="1" noTextEdit="1"/>
+          </p:cNvSpPr>
+          <p:nvPr>
+            <p:extLst>
+              <p:ext uri="{386F3935-93C4-4BCD-93E2-E3B085C9AB24}">
+                <p16:designElem xmlns:p16="http://schemas.microsoft.com/office/powerpoint/2015/main" val="1"/>
+              </p:ext>
+            </p:extLst>
+          </p:nvPr>
+        </p:nvSpPr>
+        <p:spPr>
+          <a:xfrm flipV="1">
+            <a:off x="7550402" y="2455479"/>
+            <a:ext cx="4083433" cy="4083433"/>
+          </a:xfrm>
+          <a:prstGeom prst="arc">
+            <a:avLst/>
+          </a:prstGeom>
+          <a:ln w="127000" cap="rnd">
+            <a:solidFill>
+              <a:schemeClr val="accent4"/>
+            </a:solidFill>
+            <a:prstDash val="dash"/>
+          </a:ln>
+        </p:spPr>
+        <p:style>
+          <a:lnRef idx="1">
+            <a:schemeClr val="accent1"/>
+          </a:lnRef>
+          <a:fillRef idx="0">
+            <a:schemeClr val="accent1"/>
+          </a:fillRef>
+          <a:effectRef idx="0">
+            <a:schemeClr val="accent1"/>
+          </a:effectRef>
+          <a:fontRef idx="minor">
+            <a:schemeClr val="tx1"/>
+          </a:fontRef>
+        </p:style>
+        <p:txBody>
+          <a:bodyPr rtlCol="0" anchor="ctr"/>
+          <a:lstStyle/>
+          <a:p>
+            <a:pPr algn="ctr"/>
+            <a:endParaRPr lang="en-US" dirty="0"/>
+          </a:p>
+        </p:txBody>
+      </p:sp>
+      <p:pic>
+        <p:nvPicPr>
+          <p:cNvPr id="4" name="Imagem 3" descr="Logotipo, nome da empresa&#10;&#10;Descrição gerada automaticamente">
+            <a:extLst>
+              <a:ext uri="{FF2B5EF4-FFF2-40B4-BE49-F238E27FC236}">
+                <a16:creationId xmlns:a16="http://schemas.microsoft.com/office/drawing/2014/main" id="{7094D36D-C578-1FEE-CD11-3623D976B2AC}"/>
+              </a:ext>
+            </a:extLst>
+          </p:cNvPr>
+          <p:cNvPicPr>
+            <a:picLocks noChangeAspect="1"/>
+          </p:cNvPicPr>
+          <p:nvPr/>
+        </p:nvPicPr>
+        <p:blipFill>
+          <a:blip r:embed="rId2"/>
+          <a:stretch>
+            <a:fillRect/>
+          </a:stretch>
+        </p:blipFill>
+        <p:spPr>
+          <a:xfrm>
+            <a:off x="11099925" y="5824981"/>
+            <a:ext cx="1065914" cy="1065914"/>
+          </a:xfrm>
+          <a:custGeom>
+            <a:avLst/>
+            <a:gdLst/>
+            <a:ahLst/>
+            <a:cxnLst/>
+            <a:rect l="l" t="t" r="r" b="b"/>
+            <a:pathLst>
+              <a:path w="2833631" h="2677010">
+                <a:moveTo>
+                  <a:pt x="49418" y="0"/>
+                </a:moveTo>
+                <a:lnTo>
+                  <a:pt x="2784213" y="0"/>
+                </a:lnTo>
+                <a:cubicBezTo>
+                  <a:pt x="2811506" y="0"/>
+                  <a:pt x="2833631" y="22125"/>
+                  <a:pt x="2833631" y="49418"/>
+                </a:cubicBezTo>
+                <a:lnTo>
+                  <a:pt x="2833631" y="2627592"/>
+                </a:lnTo>
+                <a:cubicBezTo>
+                  <a:pt x="2833631" y="2654885"/>
+                  <a:pt x="2811506" y="2677010"/>
+                  <a:pt x="2784213" y="2677010"/>
+                </a:cubicBezTo>
+                <a:lnTo>
+                  <a:pt x="49418" y="2677010"/>
+                </a:lnTo>
+                <a:cubicBezTo>
+                  <a:pt x="22125" y="2677010"/>
+                  <a:pt x="0" y="2654885"/>
+                  <a:pt x="0" y="2627592"/>
+                </a:cubicBezTo>
+                <a:lnTo>
+                  <a:pt x="0" y="49418"/>
+                </a:lnTo>
+                <a:cubicBezTo>
+                  <a:pt x="0" y="22125"/>
+                  <a:pt x="22125" y="0"/>
+                  <a:pt x="49418" y="0"/>
+                </a:cubicBezTo>
+                <a:close/>
+              </a:path>
+            </a:pathLst>
+          </a:custGeom>
+        </p:spPr>
+      </p:pic>
+      <p:sp>
+        <p:nvSpPr>
+          <p:cNvPr id="3" name="CaixaDeTexto 2">
+            <a:extLst>
+              <a:ext uri="{FF2B5EF4-FFF2-40B4-BE49-F238E27FC236}">
+                <a16:creationId xmlns:a16="http://schemas.microsoft.com/office/drawing/2014/main" id="{2B65A678-C897-1757-E7CF-3A748EAEFEEF}"/>
+              </a:ext>
+            </a:extLst>
+          </p:cNvPr>
+          <p:cNvSpPr txBox="1"/>
+          <p:nvPr/>
+        </p:nvSpPr>
+        <p:spPr>
+          <a:xfrm>
+            <a:off x="4322286" y="224442"/>
+            <a:ext cx="1262140" cy="369332"/>
+          </a:xfrm>
+          <a:prstGeom prst="rect">
+            <a:avLst/>
+          </a:prstGeom>
+          <a:noFill/>
+        </p:spPr>
+        <p:txBody>
+          <a:bodyPr wrap="none" rtlCol="0">
+            <a:spAutoFit/>
+          </a:bodyPr>
+          <a:lstStyle/>
+          <a:p>
+            <a:r>
+              <a:rPr lang="pt-BR" dirty="0"/>
+              <a:t>Atribuição: </a:t>
+            </a:r>
+            <a:endParaRPr lang="pt-BR" i="1" dirty="0"/>
+          </a:p>
+        </p:txBody>
+      </p:sp>
+      <p:sp>
+        <p:nvSpPr>
+          <p:cNvPr id="5" name="Retângulo Arredondado 4">
+            <a:extLst>
+              <a:ext uri="{FF2B5EF4-FFF2-40B4-BE49-F238E27FC236}">
+                <a16:creationId xmlns:a16="http://schemas.microsoft.com/office/drawing/2014/main" id="{C35EEDFE-E741-82E8-C4FE-24DF9806BCD3}"/>
+              </a:ext>
+            </a:extLst>
+          </p:cNvPr>
+          <p:cNvSpPr/>
+          <p:nvPr/>
+        </p:nvSpPr>
+        <p:spPr>
+          <a:xfrm>
+            <a:off x="4322286" y="593774"/>
+            <a:ext cx="7126014" cy="1056350"/>
+          </a:xfrm>
+          <a:prstGeom prst="roundRect">
+            <a:avLst>
+              <a:gd name="adj" fmla="val 8035"/>
+            </a:avLst>
+          </a:prstGeom>
+          <a:solidFill>
+            <a:schemeClr val="tx1"/>
+          </a:solidFill>
+        </p:spPr>
+        <p:style>
+          <a:lnRef idx="2">
+            <a:schemeClr val="accent1">
+              <a:shade val="15000"/>
+            </a:schemeClr>
+          </a:lnRef>
+          <a:fillRef idx="1">
+            <a:schemeClr val="accent1"/>
+          </a:fillRef>
+          <a:effectRef idx="0">
+            <a:schemeClr val="accent1"/>
+          </a:effectRef>
+          <a:fontRef idx="minor">
+            <a:schemeClr val="lt1"/>
+          </a:fontRef>
+        </p:style>
+        <p:txBody>
+          <a:bodyPr numCol="2" rtlCol="0" anchor="t"/>
+          <a:lstStyle/>
+          <a:p>
+            <a:r>
+              <a:rPr lang="pt-BR" sz="1400" dirty="0" err="1">
+                <a:solidFill>
+                  <a:srgbClr val="A0FA00"/>
+                </a:solidFill>
+                <a:latin typeface="Consolas" panose="020B0609020204030204" pitchFamily="49" charset="0"/>
+                <a:cs typeface="Consolas" panose="020B0609020204030204" pitchFamily="49" charset="0"/>
+              </a:rPr>
+              <a:t>let</a:t>
+            </a:r>
+            <a:r>
+              <a:rPr lang="pt-BR" sz="1400" dirty="0">
+                <a:solidFill>
+                  <a:srgbClr val="A0FA00"/>
+                </a:solidFill>
+                <a:latin typeface="Consolas" panose="020B0609020204030204" pitchFamily="49" charset="0"/>
+                <a:cs typeface="Consolas" panose="020B0609020204030204" pitchFamily="49" charset="0"/>
+              </a:rPr>
+              <a:t> </a:t>
+            </a:r>
+            <a:r>
+              <a:rPr lang="pt-BR" sz="1400" dirty="0" err="1">
+                <a:solidFill>
+                  <a:srgbClr val="A0FA00"/>
+                </a:solidFill>
+                <a:latin typeface="Consolas" panose="020B0609020204030204" pitchFamily="49" charset="0"/>
+                <a:cs typeface="Consolas" panose="020B0609020204030204" pitchFamily="49" charset="0"/>
+              </a:rPr>
+              <a:t>x</a:t>
+            </a:r>
+            <a:r>
+              <a:rPr lang="pt-BR" sz="1400" dirty="0">
+                <a:solidFill>
+                  <a:srgbClr val="A0FA00"/>
+                </a:solidFill>
+                <a:latin typeface="Consolas" panose="020B0609020204030204" pitchFamily="49" charset="0"/>
+                <a:cs typeface="Consolas" panose="020B0609020204030204" pitchFamily="49" charset="0"/>
+              </a:rPr>
+              <a:t> = 10; 	</a:t>
+            </a:r>
+          </a:p>
+          <a:p>
+            <a:r>
+              <a:rPr lang="pt-BR" sz="1400" dirty="0" err="1">
+                <a:solidFill>
+                  <a:srgbClr val="A0FA00"/>
+                </a:solidFill>
+                <a:latin typeface="Consolas" panose="020B0609020204030204" pitchFamily="49" charset="0"/>
+                <a:cs typeface="Consolas" panose="020B0609020204030204" pitchFamily="49" charset="0"/>
+              </a:rPr>
+              <a:t>x</a:t>
+            </a:r>
+            <a:r>
+              <a:rPr lang="pt-BR" sz="1400" dirty="0">
+                <a:solidFill>
+                  <a:srgbClr val="A0FA00"/>
+                </a:solidFill>
+                <a:latin typeface="Consolas" panose="020B0609020204030204" pitchFamily="49" charset="0"/>
+                <a:cs typeface="Consolas" panose="020B0609020204030204" pitchFamily="49" charset="0"/>
+              </a:rPr>
+              <a:t> += 2; </a:t>
+            </a:r>
+            <a:r>
+              <a:rPr lang="pt-BR" sz="1400" dirty="0">
+                <a:solidFill>
+                  <a:schemeClr val="accent5">
+                    <a:lumMod val="60000"/>
+                    <a:lumOff val="40000"/>
+                  </a:schemeClr>
+                </a:solidFill>
+                <a:latin typeface="Consolas" panose="020B0609020204030204" pitchFamily="49" charset="0"/>
+                <a:cs typeface="Consolas" panose="020B0609020204030204" pitchFamily="49" charset="0"/>
+              </a:rPr>
+              <a:t>//saída 12</a:t>
+            </a:r>
+          </a:p>
+          <a:p>
+            <a:r>
+              <a:rPr lang="pt-BR" sz="1400" dirty="0" err="1">
+                <a:solidFill>
+                  <a:srgbClr val="A0FA00"/>
+                </a:solidFill>
+                <a:latin typeface="Consolas" panose="020B0609020204030204" pitchFamily="49" charset="0"/>
+                <a:cs typeface="Consolas" panose="020B0609020204030204" pitchFamily="49" charset="0"/>
+              </a:rPr>
+              <a:t>x</a:t>
+            </a:r>
+            <a:r>
+              <a:rPr lang="pt-BR" sz="1400" dirty="0">
+                <a:solidFill>
+                  <a:srgbClr val="A0FA00"/>
+                </a:solidFill>
+                <a:latin typeface="Consolas" panose="020B0609020204030204" pitchFamily="49" charset="0"/>
+                <a:cs typeface="Consolas" panose="020B0609020204030204" pitchFamily="49" charset="0"/>
+              </a:rPr>
+              <a:t> -= 10; </a:t>
+            </a:r>
+            <a:r>
+              <a:rPr lang="pt-BR" sz="1400" dirty="0">
+                <a:solidFill>
+                  <a:schemeClr val="accent5">
+                    <a:lumMod val="60000"/>
+                    <a:lumOff val="40000"/>
+                  </a:schemeClr>
+                </a:solidFill>
+                <a:latin typeface="Consolas" panose="020B0609020204030204" pitchFamily="49" charset="0"/>
+                <a:cs typeface="Consolas" panose="020B0609020204030204" pitchFamily="49" charset="0"/>
+              </a:rPr>
+              <a:t>//saída 2</a:t>
+            </a:r>
+          </a:p>
+          <a:p>
+            <a:endParaRPr lang="pt-BR" sz="1400" dirty="0">
+              <a:solidFill>
+                <a:srgbClr val="A0FA00"/>
+              </a:solidFill>
+              <a:latin typeface="Consolas" panose="020B0609020204030204" pitchFamily="49" charset="0"/>
+              <a:cs typeface="Consolas" panose="020B0609020204030204" pitchFamily="49" charset="0"/>
+            </a:endParaRPr>
+          </a:p>
+          <a:p>
+            <a:r>
+              <a:rPr lang="pt-BR" sz="1400" dirty="0" err="1">
+                <a:solidFill>
+                  <a:srgbClr val="A0FA00"/>
+                </a:solidFill>
+                <a:latin typeface="Consolas" panose="020B0609020204030204" pitchFamily="49" charset="0"/>
+                <a:cs typeface="Consolas" panose="020B0609020204030204" pitchFamily="49" charset="0"/>
+              </a:rPr>
+              <a:t>x</a:t>
+            </a:r>
+            <a:r>
+              <a:rPr lang="pt-BR" sz="1400" dirty="0">
+                <a:solidFill>
+                  <a:srgbClr val="A0FA00"/>
+                </a:solidFill>
+                <a:latin typeface="Consolas" panose="020B0609020204030204" pitchFamily="49" charset="0"/>
+                <a:cs typeface="Consolas" panose="020B0609020204030204" pitchFamily="49" charset="0"/>
+              </a:rPr>
+              <a:t> *= 4; </a:t>
+            </a:r>
+            <a:r>
+              <a:rPr lang="pt-BR" sz="1400" dirty="0">
+                <a:solidFill>
+                  <a:schemeClr val="accent5">
+                    <a:lumMod val="60000"/>
+                    <a:lumOff val="40000"/>
+                  </a:schemeClr>
+                </a:solidFill>
+                <a:latin typeface="Consolas" panose="020B0609020204030204" pitchFamily="49" charset="0"/>
+                <a:cs typeface="Consolas" panose="020B0609020204030204" pitchFamily="49" charset="0"/>
+              </a:rPr>
+              <a:t>//saída 8</a:t>
+            </a:r>
+          </a:p>
+          <a:p>
+            <a:r>
+              <a:rPr lang="pt-BR" sz="1400" dirty="0" err="1">
+                <a:solidFill>
+                  <a:srgbClr val="A0FA00"/>
+                </a:solidFill>
+                <a:latin typeface="Consolas" panose="020B0609020204030204" pitchFamily="49" charset="0"/>
+                <a:cs typeface="Consolas" panose="020B0609020204030204" pitchFamily="49" charset="0"/>
+              </a:rPr>
+              <a:t>x</a:t>
+            </a:r>
+            <a:r>
+              <a:rPr lang="pt-BR" sz="1400" dirty="0">
+                <a:solidFill>
+                  <a:srgbClr val="A0FA00"/>
+                </a:solidFill>
+                <a:latin typeface="Consolas" panose="020B0609020204030204" pitchFamily="49" charset="0"/>
+                <a:cs typeface="Consolas" panose="020B0609020204030204" pitchFamily="49" charset="0"/>
+              </a:rPr>
+              <a:t> /=2; </a:t>
+            </a:r>
+            <a:r>
+              <a:rPr lang="pt-BR" sz="1400" dirty="0">
+                <a:solidFill>
+                  <a:schemeClr val="accent5">
+                    <a:lumMod val="60000"/>
+                    <a:lumOff val="40000"/>
+                  </a:schemeClr>
+                </a:solidFill>
+                <a:latin typeface="Consolas" panose="020B0609020204030204" pitchFamily="49" charset="0"/>
+                <a:cs typeface="Consolas" panose="020B0609020204030204" pitchFamily="49" charset="0"/>
+              </a:rPr>
+              <a:t>//saída 4</a:t>
+            </a:r>
+          </a:p>
+        </p:txBody>
+      </p:sp>
+      <p:sp>
+        <p:nvSpPr>
+          <p:cNvPr id="7" name="CaixaDeTexto 6">
+            <a:extLst>
+              <a:ext uri="{FF2B5EF4-FFF2-40B4-BE49-F238E27FC236}">
+                <a16:creationId xmlns:a16="http://schemas.microsoft.com/office/drawing/2014/main" id="{B8465E47-EB30-7C54-232E-D2902BD32FD6}"/>
+              </a:ext>
+            </a:extLst>
+          </p:cNvPr>
+          <p:cNvSpPr txBox="1"/>
+          <p:nvPr/>
+        </p:nvSpPr>
+        <p:spPr>
+          <a:xfrm>
+            <a:off x="4322286" y="1766941"/>
+            <a:ext cx="1378967" cy="369332"/>
+          </a:xfrm>
+          <a:prstGeom prst="rect">
+            <a:avLst/>
+          </a:prstGeom>
+          <a:noFill/>
+        </p:spPr>
+        <p:txBody>
+          <a:bodyPr wrap="none" rtlCol="0">
+            <a:spAutoFit/>
+          </a:bodyPr>
+          <a:lstStyle/>
+          <a:p>
+            <a:r>
+              <a:rPr lang="pt-BR" dirty="0"/>
+              <a:t>Aritméticos: </a:t>
+            </a:r>
+            <a:endParaRPr lang="pt-BR" i="1" dirty="0"/>
+          </a:p>
+        </p:txBody>
+      </p:sp>
+      <p:sp>
+        <p:nvSpPr>
+          <p:cNvPr id="11" name="Retângulo Arredondado 10">
+            <a:extLst>
+              <a:ext uri="{FF2B5EF4-FFF2-40B4-BE49-F238E27FC236}">
+                <a16:creationId xmlns:a16="http://schemas.microsoft.com/office/drawing/2014/main" id="{56FC1B76-A069-A6E0-2F16-785A153BF464}"/>
+              </a:ext>
+            </a:extLst>
+          </p:cNvPr>
+          <p:cNvSpPr/>
+          <p:nvPr/>
+        </p:nvSpPr>
+        <p:spPr>
+          <a:xfrm>
+            <a:off x="4322286" y="2136273"/>
+            <a:ext cx="7126014" cy="1449174"/>
+          </a:xfrm>
+          <a:prstGeom prst="roundRect">
+            <a:avLst>
+              <a:gd name="adj" fmla="val 7239"/>
+            </a:avLst>
+          </a:prstGeom>
+          <a:solidFill>
+            <a:schemeClr val="tx1"/>
+          </a:solidFill>
+        </p:spPr>
+        <p:style>
+          <a:lnRef idx="2">
+            <a:schemeClr val="accent1">
+              <a:shade val="15000"/>
+            </a:schemeClr>
+          </a:lnRef>
+          <a:fillRef idx="1">
+            <a:schemeClr val="accent1"/>
+          </a:fillRef>
+          <a:effectRef idx="0">
+            <a:schemeClr val="accent1"/>
+          </a:effectRef>
+          <a:fontRef idx="minor">
+            <a:schemeClr val="lt1"/>
+          </a:fontRef>
+        </p:style>
+        <p:txBody>
+          <a:bodyPr rtlCol="0" anchor="ctr"/>
+          <a:lstStyle/>
+          <a:p>
+            <a:r>
+              <a:rPr lang="pt-BR" sz="1400" dirty="0" err="1">
+                <a:solidFill>
+                  <a:srgbClr val="A0FA00"/>
+                </a:solidFill>
+                <a:latin typeface="Consolas" panose="020B0609020204030204" pitchFamily="49" charset="0"/>
+                <a:cs typeface="Consolas" panose="020B0609020204030204" pitchFamily="49" charset="0"/>
+              </a:rPr>
+              <a:t>let</a:t>
+            </a:r>
+            <a:r>
+              <a:rPr lang="pt-BR" sz="1400" dirty="0">
+                <a:solidFill>
+                  <a:srgbClr val="A0FA00"/>
+                </a:solidFill>
+                <a:latin typeface="Consolas" panose="020B0609020204030204" pitchFamily="49" charset="0"/>
+                <a:cs typeface="Consolas" panose="020B0609020204030204" pitchFamily="49" charset="0"/>
+              </a:rPr>
+              <a:t> soma = 5 + 3; </a:t>
+            </a:r>
+            <a:r>
+              <a:rPr lang="pt-BR" sz="1400" dirty="0">
+                <a:solidFill>
+                  <a:schemeClr val="accent5">
+                    <a:lumMod val="60000"/>
+                    <a:lumOff val="40000"/>
+                  </a:schemeClr>
+                </a:solidFill>
+                <a:latin typeface="Consolas" panose="020B0609020204030204" pitchFamily="49" charset="0"/>
+                <a:cs typeface="Consolas" panose="020B0609020204030204" pitchFamily="49" charset="0"/>
+              </a:rPr>
+              <a:t>//saída 8</a:t>
+            </a:r>
+          </a:p>
+          <a:p>
+            <a:r>
+              <a:rPr lang="pt-BR" sz="1400" dirty="0" err="1">
+                <a:solidFill>
+                  <a:srgbClr val="A0FA00"/>
+                </a:solidFill>
+                <a:latin typeface="Consolas" panose="020B0609020204030204" pitchFamily="49" charset="0"/>
+                <a:cs typeface="Consolas" panose="020B0609020204030204" pitchFamily="49" charset="0"/>
+              </a:rPr>
+              <a:t>let</a:t>
+            </a:r>
+            <a:r>
+              <a:rPr lang="pt-BR" sz="1400" dirty="0">
+                <a:solidFill>
+                  <a:srgbClr val="A0FA00"/>
+                </a:solidFill>
+                <a:latin typeface="Consolas" panose="020B0609020204030204" pitchFamily="49" charset="0"/>
+                <a:cs typeface="Consolas" panose="020B0609020204030204" pitchFamily="49" charset="0"/>
+              </a:rPr>
+              <a:t> </a:t>
+            </a:r>
+            <a:r>
+              <a:rPr lang="pt-BR" sz="1400" dirty="0" err="1">
+                <a:solidFill>
+                  <a:srgbClr val="A0FA00"/>
+                </a:solidFill>
+                <a:latin typeface="Consolas" panose="020B0609020204030204" pitchFamily="49" charset="0"/>
+                <a:cs typeface="Consolas" panose="020B0609020204030204" pitchFamily="49" charset="0"/>
+              </a:rPr>
+              <a:t>subtracao</a:t>
+            </a:r>
+            <a:r>
+              <a:rPr lang="pt-BR" sz="1400" dirty="0">
+                <a:solidFill>
+                  <a:srgbClr val="A0FA00"/>
+                </a:solidFill>
+                <a:latin typeface="Consolas" panose="020B0609020204030204" pitchFamily="49" charset="0"/>
+                <a:cs typeface="Consolas" panose="020B0609020204030204" pitchFamily="49" charset="0"/>
+              </a:rPr>
+              <a:t> = 10 - 5; </a:t>
+            </a:r>
+            <a:r>
+              <a:rPr lang="pt-BR" sz="1400" dirty="0">
+                <a:solidFill>
+                  <a:schemeClr val="accent5">
+                    <a:lumMod val="60000"/>
+                    <a:lumOff val="40000"/>
+                  </a:schemeClr>
+                </a:solidFill>
+                <a:latin typeface="Consolas" panose="020B0609020204030204" pitchFamily="49" charset="0"/>
+                <a:cs typeface="Consolas" panose="020B0609020204030204" pitchFamily="49" charset="0"/>
+              </a:rPr>
+              <a:t>//saída 5</a:t>
+            </a:r>
+            <a:endParaRPr lang="pt-BR" sz="1400" dirty="0">
+              <a:solidFill>
+                <a:srgbClr val="A0FA00"/>
+              </a:solidFill>
+              <a:latin typeface="Consolas" panose="020B0609020204030204" pitchFamily="49" charset="0"/>
+              <a:cs typeface="Consolas" panose="020B0609020204030204" pitchFamily="49" charset="0"/>
+            </a:endParaRPr>
+          </a:p>
+          <a:p>
+            <a:r>
+              <a:rPr lang="pt-BR" sz="1400" dirty="0" err="1">
+                <a:solidFill>
+                  <a:srgbClr val="A0FA00"/>
+                </a:solidFill>
+                <a:latin typeface="Consolas" panose="020B0609020204030204" pitchFamily="49" charset="0"/>
+                <a:cs typeface="Consolas" panose="020B0609020204030204" pitchFamily="49" charset="0"/>
+              </a:rPr>
+              <a:t>let</a:t>
+            </a:r>
+            <a:r>
+              <a:rPr lang="pt-BR" sz="1400" dirty="0">
+                <a:solidFill>
+                  <a:srgbClr val="A0FA00"/>
+                </a:solidFill>
+                <a:latin typeface="Consolas" panose="020B0609020204030204" pitchFamily="49" charset="0"/>
+                <a:cs typeface="Consolas" panose="020B0609020204030204" pitchFamily="49" charset="0"/>
+              </a:rPr>
+              <a:t> produto = 4 * 2; </a:t>
+            </a:r>
+            <a:r>
+              <a:rPr lang="pt-BR" sz="1400" dirty="0">
+                <a:solidFill>
+                  <a:schemeClr val="accent5">
+                    <a:lumMod val="60000"/>
+                    <a:lumOff val="40000"/>
+                  </a:schemeClr>
+                </a:solidFill>
+                <a:latin typeface="Consolas" panose="020B0609020204030204" pitchFamily="49" charset="0"/>
+                <a:cs typeface="Consolas" panose="020B0609020204030204" pitchFamily="49" charset="0"/>
+              </a:rPr>
+              <a:t>//saída 8</a:t>
+            </a:r>
+            <a:endParaRPr lang="pt-BR" sz="1400" dirty="0">
+              <a:solidFill>
+                <a:srgbClr val="A0FA00"/>
+              </a:solidFill>
+              <a:latin typeface="Consolas" panose="020B0609020204030204" pitchFamily="49" charset="0"/>
+              <a:cs typeface="Consolas" panose="020B0609020204030204" pitchFamily="49" charset="0"/>
+            </a:endParaRPr>
+          </a:p>
+          <a:p>
+            <a:r>
+              <a:rPr lang="pt-BR" sz="1400" dirty="0" err="1">
+                <a:solidFill>
+                  <a:srgbClr val="A0FA00"/>
+                </a:solidFill>
+                <a:latin typeface="Consolas" panose="020B0609020204030204" pitchFamily="49" charset="0"/>
+                <a:cs typeface="Consolas" panose="020B0609020204030204" pitchFamily="49" charset="0"/>
+              </a:rPr>
+              <a:t>let</a:t>
+            </a:r>
+            <a:r>
+              <a:rPr lang="pt-BR" sz="1400" dirty="0">
+                <a:solidFill>
+                  <a:srgbClr val="A0FA00"/>
+                </a:solidFill>
+                <a:latin typeface="Consolas" panose="020B0609020204030204" pitchFamily="49" charset="0"/>
+                <a:cs typeface="Consolas" panose="020B0609020204030204" pitchFamily="49" charset="0"/>
+              </a:rPr>
+              <a:t> </a:t>
+            </a:r>
+            <a:r>
+              <a:rPr lang="pt-BR" sz="1400" dirty="0" err="1">
+                <a:solidFill>
+                  <a:srgbClr val="A0FA00"/>
+                </a:solidFill>
+                <a:latin typeface="Consolas" panose="020B0609020204030204" pitchFamily="49" charset="0"/>
+                <a:cs typeface="Consolas" panose="020B0609020204030204" pitchFamily="49" charset="0"/>
+              </a:rPr>
+              <a:t>divisao</a:t>
+            </a:r>
+            <a:r>
+              <a:rPr lang="pt-BR" sz="1400" dirty="0">
+                <a:solidFill>
+                  <a:srgbClr val="A0FA00"/>
+                </a:solidFill>
+                <a:latin typeface="Consolas" panose="020B0609020204030204" pitchFamily="49" charset="0"/>
+                <a:cs typeface="Consolas" panose="020B0609020204030204" pitchFamily="49" charset="0"/>
+              </a:rPr>
+              <a:t> = 8 / 2; </a:t>
+            </a:r>
+            <a:r>
+              <a:rPr lang="pt-BR" sz="1400" dirty="0">
+                <a:solidFill>
+                  <a:schemeClr val="accent5">
+                    <a:lumMod val="60000"/>
+                    <a:lumOff val="40000"/>
+                  </a:schemeClr>
+                </a:solidFill>
+                <a:latin typeface="Consolas" panose="020B0609020204030204" pitchFamily="49" charset="0"/>
+                <a:cs typeface="Consolas" panose="020B0609020204030204" pitchFamily="49" charset="0"/>
+              </a:rPr>
+              <a:t>//saída 4</a:t>
+            </a:r>
+            <a:endParaRPr lang="pt-BR" sz="1400" dirty="0">
+              <a:solidFill>
+                <a:srgbClr val="A0FA00"/>
+              </a:solidFill>
+              <a:latin typeface="Consolas" panose="020B0609020204030204" pitchFamily="49" charset="0"/>
+              <a:cs typeface="Consolas" panose="020B0609020204030204" pitchFamily="49" charset="0"/>
+            </a:endParaRPr>
+          </a:p>
+          <a:p>
+            <a:r>
+              <a:rPr lang="pt-BR" sz="1400" dirty="0" err="1">
+                <a:solidFill>
+                  <a:srgbClr val="A0FA00"/>
+                </a:solidFill>
+                <a:latin typeface="Consolas" panose="020B0609020204030204" pitchFamily="49" charset="0"/>
+                <a:cs typeface="Consolas" panose="020B0609020204030204" pitchFamily="49" charset="0"/>
+              </a:rPr>
+              <a:t>let</a:t>
+            </a:r>
+            <a:r>
+              <a:rPr lang="pt-BR" sz="1400" dirty="0">
+                <a:solidFill>
+                  <a:srgbClr val="A0FA00"/>
+                </a:solidFill>
+                <a:latin typeface="Consolas" panose="020B0609020204030204" pitchFamily="49" charset="0"/>
+                <a:cs typeface="Consolas" panose="020B0609020204030204" pitchFamily="49" charset="0"/>
+              </a:rPr>
+              <a:t> resto = 15 % 4; </a:t>
+            </a:r>
+            <a:r>
+              <a:rPr lang="pt-BR" sz="1400" dirty="0">
+                <a:solidFill>
+                  <a:schemeClr val="accent5">
+                    <a:lumMod val="60000"/>
+                    <a:lumOff val="40000"/>
+                  </a:schemeClr>
+                </a:solidFill>
+                <a:latin typeface="Consolas" panose="020B0609020204030204" pitchFamily="49" charset="0"/>
+                <a:cs typeface="Consolas" panose="020B0609020204030204" pitchFamily="49" charset="0"/>
+              </a:rPr>
+              <a:t>//saída 1</a:t>
+            </a:r>
+            <a:endParaRPr lang="pt-BR" sz="1400" dirty="0">
+              <a:solidFill>
+                <a:srgbClr val="A0FA00"/>
+              </a:solidFill>
+              <a:latin typeface="Consolas" panose="020B0609020204030204" pitchFamily="49" charset="0"/>
+              <a:cs typeface="Consolas" panose="020B0609020204030204" pitchFamily="49" charset="0"/>
+            </a:endParaRPr>
+          </a:p>
+          <a:p>
+            <a:r>
+              <a:rPr lang="pt-BR" sz="1400" dirty="0" err="1">
+                <a:solidFill>
+                  <a:srgbClr val="A0FA00"/>
+                </a:solidFill>
+                <a:latin typeface="Consolas" panose="020B0609020204030204" pitchFamily="49" charset="0"/>
+                <a:cs typeface="Consolas" panose="020B0609020204030204" pitchFamily="49" charset="0"/>
+              </a:rPr>
+              <a:t>let</a:t>
+            </a:r>
+            <a:r>
+              <a:rPr lang="pt-BR" sz="1400" dirty="0">
+                <a:solidFill>
+                  <a:srgbClr val="A0FA00"/>
+                </a:solidFill>
+                <a:latin typeface="Consolas" panose="020B0609020204030204" pitchFamily="49" charset="0"/>
+                <a:cs typeface="Consolas" panose="020B0609020204030204" pitchFamily="49" charset="0"/>
+              </a:rPr>
+              <a:t> potencia = 8 ** 2; </a:t>
+            </a:r>
+            <a:r>
+              <a:rPr lang="pt-BR" sz="1400" dirty="0">
+                <a:solidFill>
+                  <a:schemeClr val="accent5">
+                    <a:lumMod val="60000"/>
+                    <a:lumOff val="40000"/>
+                  </a:schemeClr>
+                </a:solidFill>
+                <a:latin typeface="Consolas" panose="020B0609020204030204" pitchFamily="49" charset="0"/>
+                <a:cs typeface="Consolas" panose="020B0609020204030204" pitchFamily="49" charset="0"/>
+              </a:rPr>
+              <a:t>//saída 64</a:t>
+            </a:r>
+            <a:endParaRPr lang="pt-BR" sz="1400" dirty="0">
+              <a:solidFill>
+                <a:srgbClr val="A0FA00"/>
+              </a:solidFill>
+              <a:latin typeface="Consolas" panose="020B0609020204030204" pitchFamily="49" charset="0"/>
+              <a:cs typeface="Consolas" panose="020B0609020204030204" pitchFamily="49" charset="0"/>
+            </a:endParaRPr>
+          </a:p>
+        </p:txBody>
+      </p:sp>
+      <p:sp>
+        <p:nvSpPr>
+          <p:cNvPr id="14" name="CaixaDeTexto 13">
+            <a:extLst>
+              <a:ext uri="{FF2B5EF4-FFF2-40B4-BE49-F238E27FC236}">
+                <a16:creationId xmlns:a16="http://schemas.microsoft.com/office/drawing/2014/main" id="{12C6DA3C-F4B9-97F5-157C-FAD0FFA5A694}"/>
+              </a:ext>
+            </a:extLst>
+          </p:cNvPr>
+          <p:cNvSpPr txBox="1"/>
+          <p:nvPr/>
+        </p:nvSpPr>
+        <p:spPr>
+          <a:xfrm>
+            <a:off x="4322286" y="3616762"/>
+            <a:ext cx="1347613" cy="369332"/>
+          </a:xfrm>
+          <a:prstGeom prst="rect">
+            <a:avLst/>
+          </a:prstGeom>
+          <a:noFill/>
+        </p:spPr>
+        <p:txBody>
+          <a:bodyPr wrap="none" rtlCol="0">
+            <a:spAutoFit/>
+          </a:bodyPr>
+          <a:lstStyle/>
+          <a:p>
+            <a:r>
+              <a:rPr lang="pt-BR" dirty="0"/>
+              <a:t>Relacionais: </a:t>
+            </a:r>
+            <a:endParaRPr lang="pt-BR" i="1" dirty="0"/>
+          </a:p>
+        </p:txBody>
+      </p:sp>
+      <p:sp>
+        <p:nvSpPr>
+          <p:cNvPr id="21" name="Retângulo Arredondado 20">
+            <a:extLst>
+              <a:ext uri="{FF2B5EF4-FFF2-40B4-BE49-F238E27FC236}">
+                <a16:creationId xmlns:a16="http://schemas.microsoft.com/office/drawing/2014/main" id="{05768775-27AE-07AE-2DF1-070DAA4F4775}"/>
+              </a:ext>
+            </a:extLst>
+          </p:cNvPr>
+          <p:cNvSpPr/>
+          <p:nvPr/>
+        </p:nvSpPr>
+        <p:spPr>
+          <a:xfrm>
+            <a:off x="4322286" y="3954779"/>
+            <a:ext cx="7126014" cy="1449174"/>
+          </a:xfrm>
+          <a:prstGeom prst="roundRect">
+            <a:avLst>
+              <a:gd name="adj" fmla="val 7239"/>
+            </a:avLst>
+          </a:prstGeom>
+          <a:solidFill>
+            <a:schemeClr val="tx1"/>
+          </a:solidFill>
+        </p:spPr>
+        <p:style>
+          <a:lnRef idx="2">
+            <a:schemeClr val="accent1">
+              <a:shade val="15000"/>
+            </a:schemeClr>
+          </a:lnRef>
+          <a:fillRef idx="1">
+            <a:schemeClr val="accent1"/>
+          </a:fillRef>
+          <a:effectRef idx="0">
+            <a:schemeClr val="accent1"/>
+          </a:effectRef>
+          <a:fontRef idx="minor">
+            <a:schemeClr val="lt1"/>
+          </a:fontRef>
+        </p:style>
+        <p:txBody>
+          <a:bodyPr rtlCol="0" anchor="ctr"/>
+          <a:lstStyle/>
+          <a:p>
+            <a:r>
+              <a:rPr lang="pt-BR" sz="1400" dirty="0" err="1">
+                <a:solidFill>
+                  <a:srgbClr val="A0FA00"/>
+                </a:solidFill>
+                <a:latin typeface="Consolas" panose="020B0609020204030204" pitchFamily="49" charset="0"/>
+                <a:cs typeface="Consolas" panose="020B0609020204030204" pitchFamily="49" charset="0"/>
+              </a:rPr>
+              <a:t>let</a:t>
+            </a:r>
+            <a:r>
+              <a:rPr lang="pt-BR" sz="1400" dirty="0">
+                <a:solidFill>
+                  <a:srgbClr val="A0FA00"/>
+                </a:solidFill>
+                <a:latin typeface="Consolas" panose="020B0609020204030204" pitchFamily="49" charset="0"/>
+                <a:cs typeface="Consolas" panose="020B0609020204030204" pitchFamily="49" charset="0"/>
+              </a:rPr>
+              <a:t> </a:t>
+            </a:r>
+            <a:r>
+              <a:rPr lang="pt-BR" sz="1400" dirty="0" err="1">
+                <a:solidFill>
+                  <a:srgbClr val="A0FA00"/>
+                </a:solidFill>
+                <a:latin typeface="Consolas" panose="020B0609020204030204" pitchFamily="49" charset="0"/>
+                <a:cs typeface="Consolas" panose="020B0609020204030204" pitchFamily="49" charset="0"/>
+              </a:rPr>
+              <a:t>igual_a</a:t>
+            </a:r>
+            <a:r>
+              <a:rPr lang="pt-BR" sz="1400" dirty="0">
+                <a:solidFill>
+                  <a:srgbClr val="A0FA00"/>
+                </a:solidFill>
+                <a:latin typeface="Consolas" panose="020B0609020204030204" pitchFamily="49" charset="0"/>
+                <a:cs typeface="Consolas" panose="020B0609020204030204" pitchFamily="49" charset="0"/>
+              </a:rPr>
+              <a:t> = 10 === 10; </a:t>
+            </a:r>
+            <a:r>
+              <a:rPr lang="pt-BR" sz="1400" dirty="0">
+                <a:solidFill>
+                  <a:schemeClr val="accent5">
+                    <a:lumMod val="60000"/>
+                    <a:lumOff val="40000"/>
+                  </a:schemeClr>
+                </a:solidFill>
+                <a:latin typeface="Consolas" panose="020B0609020204030204" pitchFamily="49" charset="0"/>
+                <a:cs typeface="Consolas" panose="020B0609020204030204" pitchFamily="49" charset="0"/>
+              </a:rPr>
+              <a:t>//saída </a:t>
+            </a:r>
+            <a:r>
+              <a:rPr lang="pt-BR" sz="1400" dirty="0" err="1">
+                <a:solidFill>
+                  <a:schemeClr val="accent5">
+                    <a:lumMod val="60000"/>
+                    <a:lumOff val="40000"/>
+                  </a:schemeClr>
+                </a:solidFill>
+                <a:latin typeface="Consolas" panose="020B0609020204030204" pitchFamily="49" charset="0"/>
+                <a:cs typeface="Consolas" panose="020B0609020204030204" pitchFamily="49" charset="0"/>
+              </a:rPr>
+              <a:t>true</a:t>
+            </a:r>
+            <a:endParaRPr lang="pt-BR" sz="1400" dirty="0">
+              <a:solidFill>
+                <a:schemeClr val="accent5">
+                  <a:lumMod val="60000"/>
+                  <a:lumOff val="40000"/>
+                </a:schemeClr>
+              </a:solidFill>
+              <a:latin typeface="Consolas" panose="020B0609020204030204" pitchFamily="49" charset="0"/>
+              <a:cs typeface="Consolas" panose="020B0609020204030204" pitchFamily="49" charset="0"/>
+            </a:endParaRPr>
+          </a:p>
+          <a:p>
+            <a:r>
+              <a:rPr lang="pt-BR" sz="1400" dirty="0" err="1">
+                <a:solidFill>
+                  <a:srgbClr val="A0FA00"/>
+                </a:solidFill>
+                <a:latin typeface="Consolas" panose="020B0609020204030204" pitchFamily="49" charset="0"/>
+                <a:cs typeface="Consolas" panose="020B0609020204030204" pitchFamily="49" charset="0"/>
+              </a:rPr>
+              <a:t>let</a:t>
+            </a:r>
+            <a:r>
+              <a:rPr lang="pt-BR" sz="1400" dirty="0">
+                <a:solidFill>
+                  <a:srgbClr val="A0FA00"/>
+                </a:solidFill>
+                <a:latin typeface="Consolas" panose="020B0609020204030204" pitchFamily="49" charset="0"/>
+                <a:cs typeface="Consolas" panose="020B0609020204030204" pitchFamily="49" charset="0"/>
+              </a:rPr>
+              <a:t> </a:t>
+            </a:r>
+            <a:r>
+              <a:rPr lang="pt-BR" sz="1400" dirty="0" err="1">
+                <a:solidFill>
+                  <a:srgbClr val="A0FA00"/>
+                </a:solidFill>
+                <a:latin typeface="Consolas" panose="020B0609020204030204" pitchFamily="49" charset="0"/>
+                <a:cs typeface="Consolas" panose="020B0609020204030204" pitchFamily="49" charset="0"/>
+              </a:rPr>
+              <a:t>nao_igual_a</a:t>
+            </a:r>
+            <a:r>
+              <a:rPr lang="pt-BR" sz="1400" dirty="0">
+                <a:solidFill>
+                  <a:srgbClr val="A0FA00"/>
+                </a:solidFill>
+                <a:latin typeface="Consolas" panose="020B0609020204030204" pitchFamily="49" charset="0"/>
+                <a:cs typeface="Consolas" panose="020B0609020204030204" pitchFamily="49" charset="0"/>
+              </a:rPr>
+              <a:t> = 5 !== "5"; </a:t>
+            </a:r>
+            <a:r>
+              <a:rPr lang="pt-BR" sz="1400" dirty="0">
+                <a:solidFill>
+                  <a:schemeClr val="accent5">
+                    <a:lumMod val="60000"/>
+                    <a:lumOff val="40000"/>
+                  </a:schemeClr>
+                </a:solidFill>
+                <a:latin typeface="Consolas" panose="020B0609020204030204" pitchFamily="49" charset="0"/>
+                <a:cs typeface="Consolas" panose="020B0609020204030204" pitchFamily="49" charset="0"/>
+              </a:rPr>
+              <a:t>//saída false</a:t>
+            </a:r>
+          </a:p>
+          <a:p>
+            <a:r>
+              <a:rPr lang="pt-BR" sz="1400" dirty="0" err="1">
+                <a:solidFill>
+                  <a:srgbClr val="A0FA00"/>
+                </a:solidFill>
+                <a:latin typeface="Consolas" panose="020B0609020204030204" pitchFamily="49" charset="0"/>
+                <a:cs typeface="Consolas" panose="020B0609020204030204" pitchFamily="49" charset="0"/>
+              </a:rPr>
+              <a:t>let</a:t>
+            </a:r>
+            <a:r>
+              <a:rPr lang="pt-BR" sz="1400" dirty="0">
+                <a:solidFill>
+                  <a:srgbClr val="A0FA00"/>
+                </a:solidFill>
+                <a:latin typeface="Consolas" panose="020B0609020204030204" pitchFamily="49" charset="0"/>
+                <a:cs typeface="Consolas" panose="020B0609020204030204" pitchFamily="49" charset="0"/>
+              </a:rPr>
+              <a:t> </a:t>
+            </a:r>
+            <a:r>
+              <a:rPr lang="pt-BR" sz="1400" dirty="0" err="1">
+                <a:solidFill>
+                  <a:srgbClr val="A0FA00"/>
+                </a:solidFill>
+                <a:latin typeface="Consolas" panose="020B0609020204030204" pitchFamily="49" charset="0"/>
+                <a:cs typeface="Consolas" panose="020B0609020204030204" pitchFamily="49" charset="0"/>
+              </a:rPr>
+              <a:t>maior_que</a:t>
+            </a:r>
+            <a:r>
+              <a:rPr lang="pt-BR" sz="1400" dirty="0">
+                <a:solidFill>
+                  <a:srgbClr val="A0FA00"/>
+                </a:solidFill>
+                <a:latin typeface="Consolas" panose="020B0609020204030204" pitchFamily="49" charset="0"/>
+                <a:cs typeface="Consolas" panose="020B0609020204030204" pitchFamily="49" charset="0"/>
+              </a:rPr>
+              <a:t> = 5 &gt; 10; </a:t>
+            </a:r>
+            <a:r>
+              <a:rPr lang="pt-BR" sz="1400" dirty="0">
+                <a:solidFill>
+                  <a:schemeClr val="accent5">
+                    <a:lumMod val="60000"/>
+                    <a:lumOff val="40000"/>
+                  </a:schemeClr>
+                </a:solidFill>
+                <a:latin typeface="Consolas" panose="020B0609020204030204" pitchFamily="49" charset="0"/>
+                <a:cs typeface="Consolas" panose="020B0609020204030204" pitchFamily="49" charset="0"/>
+              </a:rPr>
+              <a:t>//saída false</a:t>
+            </a:r>
+          </a:p>
+          <a:p>
+            <a:r>
+              <a:rPr lang="pt-BR" sz="1400" dirty="0" err="1">
+                <a:solidFill>
+                  <a:srgbClr val="A0FA00"/>
+                </a:solidFill>
+                <a:latin typeface="Consolas" panose="020B0609020204030204" pitchFamily="49" charset="0"/>
+                <a:cs typeface="Consolas" panose="020B0609020204030204" pitchFamily="49" charset="0"/>
+              </a:rPr>
+              <a:t>let</a:t>
+            </a:r>
+            <a:r>
+              <a:rPr lang="pt-BR" sz="1400" dirty="0">
+                <a:solidFill>
+                  <a:srgbClr val="A0FA00"/>
+                </a:solidFill>
+                <a:latin typeface="Consolas" panose="020B0609020204030204" pitchFamily="49" charset="0"/>
+                <a:cs typeface="Consolas" panose="020B0609020204030204" pitchFamily="49" charset="0"/>
+              </a:rPr>
+              <a:t> </a:t>
+            </a:r>
+            <a:r>
+              <a:rPr lang="pt-BR" sz="1400" dirty="0" err="1">
+                <a:solidFill>
+                  <a:srgbClr val="A0FA00"/>
+                </a:solidFill>
+                <a:latin typeface="Consolas" panose="020B0609020204030204" pitchFamily="49" charset="0"/>
+                <a:cs typeface="Consolas" panose="020B0609020204030204" pitchFamily="49" charset="0"/>
+              </a:rPr>
+              <a:t>menor_que</a:t>
+            </a:r>
+            <a:r>
+              <a:rPr lang="pt-BR" sz="1400" dirty="0">
+                <a:solidFill>
+                  <a:srgbClr val="A0FA00"/>
+                </a:solidFill>
+                <a:latin typeface="Consolas" panose="020B0609020204030204" pitchFamily="49" charset="0"/>
+                <a:cs typeface="Consolas" panose="020B0609020204030204" pitchFamily="49" charset="0"/>
+              </a:rPr>
+              <a:t> = 5 &lt; 10; </a:t>
+            </a:r>
+            <a:r>
+              <a:rPr lang="pt-BR" sz="1400" dirty="0">
+                <a:solidFill>
+                  <a:schemeClr val="accent5">
+                    <a:lumMod val="60000"/>
+                    <a:lumOff val="40000"/>
+                  </a:schemeClr>
+                </a:solidFill>
+                <a:latin typeface="Consolas" panose="020B0609020204030204" pitchFamily="49" charset="0"/>
+                <a:cs typeface="Consolas" panose="020B0609020204030204" pitchFamily="49" charset="0"/>
+              </a:rPr>
+              <a:t>//saída </a:t>
+            </a:r>
+            <a:r>
+              <a:rPr lang="pt-BR" sz="1400" dirty="0" err="1">
+                <a:solidFill>
+                  <a:schemeClr val="accent5">
+                    <a:lumMod val="60000"/>
+                    <a:lumOff val="40000"/>
+                  </a:schemeClr>
+                </a:solidFill>
+                <a:latin typeface="Consolas" panose="020B0609020204030204" pitchFamily="49" charset="0"/>
+                <a:cs typeface="Consolas" panose="020B0609020204030204" pitchFamily="49" charset="0"/>
+              </a:rPr>
+              <a:t>true</a:t>
+            </a:r>
+            <a:endParaRPr lang="pt-BR" sz="1400" dirty="0">
+              <a:solidFill>
+                <a:schemeClr val="accent5">
+                  <a:lumMod val="60000"/>
+                  <a:lumOff val="40000"/>
+                </a:schemeClr>
+              </a:solidFill>
+              <a:latin typeface="Consolas" panose="020B0609020204030204" pitchFamily="49" charset="0"/>
+              <a:cs typeface="Consolas" panose="020B0609020204030204" pitchFamily="49" charset="0"/>
+            </a:endParaRPr>
+          </a:p>
+          <a:p>
+            <a:r>
+              <a:rPr lang="pt-BR" sz="1400" dirty="0" err="1">
+                <a:solidFill>
+                  <a:srgbClr val="A0FA00"/>
+                </a:solidFill>
+                <a:latin typeface="Consolas" panose="020B0609020204030204" pitchFamily="49" charset="0"/>
+                <a:cs typeface="Consolas" panose="020B0609020204030204" pitchFamily="49" charset="0"/>
+              </a:rPr>
+              <a:t>let</a:t>
+            </a:r>
+            <a:r>
+              <a:rPr lang="pt-BR" sz="1400" dirty="0">
+                <a:solidFill>
+                  <a:srgbClr val="A0FA00"/>
+                </a:solidFill>
+                <a:latin typeface="Consolas" panose="020B0609020204030204" pitchFamily="49" charset="0"/>
+                <a:cs typeface="Consolas" panose="020B0609020204030204" pitchFamily="49" charset="0"/>
+              </a:rPr>
+              <a:t> </a:t>
+            </a:r>
+            <a:r>
+              <a:rPr lang="pt-BR" sz="1400" dirty="0" err="1">
+                <a:solidFill>
+                  <a:srgbClr val="A0FA00"/>
+                </a:solidFill>
+                <a:latin typeface="Consolas" panose="020B0609020204030204" pitchFamily="49" charset="0"/>
+                <a:cs typeface="Consolas" panose="020B0609020204030204" pitchFamily="49" charset="0"/>
+              </a:rPr>
+              <a:t>maior_igual_a</a:t>
+            </a:r>
+            <a:r>
+              <a:rPr lang="pt-BR" sz="1400" dirty="0">
+                <a:solidFill>
+                  <a:srgbClr val="A0FA00"/>
+                </a:solidFill>
+                <a:latin typeface="Consolas" panose="020B0609020204030204" pitchFamily="49" charset="0"/>
+                <a:cs typeface="Consolas" panose="020B0609020204030204" pitchFamily="49" charset="0"/>
+              </a:rPr>
+              <a:t> = 5 &gt;= 5 </a:t>
+            </a:r>
+            <a:r>
+              <a:rPr lang="pt-BR" sz="1400" dirty="0">
+                <a:solidFill>
+                  <a:schemeClr val="accent5">
+                    <a:lumMod val="60000"/>
+                    <a:lumOff val="40000"/>
+                  </a:schemeClr>
+                </a:solidFill>
+                <a:latin typeface="Consolas" panose="020B0609020204030204" pitchFamily="49" charset="0"/>
+                <a:cs typeface="Consolas" panose="020B0609020204030204" pitchFamily="49" charset="0"/>
+              </a:rPr>
+              <a:t>//saída </a:t>
+            </a:r>
+            <a:r>
+              <a:rPr lang="pt-BR" sz="1400" dirty="0" err="1">
+                <a:solidFill>
+                  <a:schemeClr val="accent5">
+                    <a:lumMod val="60000"/>
+                    <a:lumOff val="40000"/>
+                  </a:schemeClr>
+                </a:solidFill>
+                <a:latin typeface="Consolas" panose="020B0609020204030204" pitchFamily="49" charset="0"/>
+                <a:cs typeface="Consolas" panose="020B0609020204030204" pitchFamily="49" charset="0"/>
+              </a:rPr>
+              <a:t>true</a:t>
+            </a:r>
+            <a:endParaRPr lang="pt-BR" sz="1400" dirty="0">
+              <a:solidFill>
+                <a:schemeClr val="accent5">
+                  <a:lumMod val="60000"/>
+                  <a:lumOff val="40000"/>
+                </a:schemeClr>
+              </a:solidFill>
+              <a:latin typeface="Consolas" panose="020B0609020204030204" pitchFamily="49" charset="0"/>
+              <a:cs typeface="Consolas" panose="020B0609020204030204" pitchFamily="49" charset="0"/>
+            </a:endParaRPr>
+          </a:p>
+          <a:p>
+            <a:r>
+              <a:rPr lang="pt-BR" sz="1400" dirty="0" err="1">
+                <a:solidFill>
+                  <a:srgbClr val="A0FA00"/>
+                </a:solidFill>
+                <a:latin typeface="Consolas" panose="020B0609020204030204" pitchFamily="49" charset="0"/>
+                <a:cs typeface="Consolas" panose="020B0609020204030204" pitchFamily="49" charset="0"/>
+              </a:rPr>
+              <a:t>let</a:t>
+            </a:r>
+            <a:r>
+              <a:rPr lang="pt-BR" sz="1400" dirty="0">
+                <a:solidFill>
+                  <a:srgbClr val="A0FA00"/>
+                </a:solidFill>
+                <a:latin typeface="Consolas" panose="020B0609020204030204" pitchFamily="49" charset="0"/>
+                <a:cs typeface="Consolas" panose="020B0609020204030204" pitchFamily="49" charset="0"/>
+              </a:rPr>
+              <a:t> </a:t>
+            </a:r>
+            <a:r>
+              <a:rPr lang="pt-BR" sz="1400" dirty="0" err="1">
+                <a:solidFill>
+                  <a:srgbClr val="A0FA00"/>
+                </a:solidFill>
+                <a:latin typeface="Consolas" panose="020B0609020204030204" pitchFamily="49" charset="0"/>
+                <a:cs typeface="Consolas" panose="020B0609020204030204" pitchFamily="49" charset="0"/>
+              </a:rPr>
+              <a:t>menor_igual_a</a:t>
+            </a:r>
+            <a:r>
+              <a:rPr lang="pt-BR" sz="1400" dirty="0">
+                <a:solidFill>
+                  <a:srgbClr val="A0FA00"/>
+                </a:solidFill>
+                <a:latin typeface="Consolas" panose="020B0609020204030204" pitchFamily="49" charset="0"/>
+                <a:cs typeface="Consolas" panose="020B0609020204030204" pitchFamily="49" charset="0"/>
+              </a:rPr>
+              <a:t> = 5 &lt;= 5 </a:t>
+            </a:r>
+            <a:r>
+              <a:rPr lang="pt-BR" sz="1400" dirty="0">
+                <a:solidFill>
+                  <a:schemeClr val="accent5">
+                    <a:lumMod val="60000"/>
+                    <a:lumOff val="40000"/>
+                  </a:schemeClr>
+                </a:solidFill>
+                <a:latin typeface="Consolas" panose="020B0609020204030204" pitchFamily="49" charset="0"/>
+                <a:cs typeface="Consolas" panose="020B0609020204030204" pitchFamily="49" charset="0"/>
+              </a:rPr>
+              <a:t>//saída </a:t>
+            </a:r>
+            <a:r>
+              <a:rPr lang="pt-BR" sz="1400" dirty="0" err="1">
+                <a:solidFill>
+                  <a:schemeClr val="accent5">
+                    <a:lumMod val="60000"/>
+                    <a:lumOff val="40000"/>
+                  </a:schemeClr>
+                </a:solidFill>
+                <a:latin typeface="Consolas" panose="020B0609020204030204" pitchFamily="49" charset="0"/>
+                <a:cs typeface="Consolas" panose="020B0609020204030204" pitchFamily="49" charset="0"/>
+              </a:rPr>
+              <a:t>true</a:t>
+            </a:r>
+            <a:endParaRPr lang="pt-BR" sz="1400" dirty="0">
+              <a:solidFill>
+                <a:schemeClr val="accent5">
+                  <a:lumMod val="60000"/>
+                  <a:lumOff val="40000"/>
+                </a:schemeClr>
+              </a:solidFill>
+              <a:latin typeface="Consolas" panose="020B0609020204030204" pitchFamily="49" charset="0"/>
+              <a:cs typeface="Consolas" panose="020B0609020204030204" pitchFamily="49" charset="0"/>
+            </a:endParaRPr>
+          </a:p>
+        </p:txBody>
+      </p:sp>
+      <p:sp>
+        <p:nvSpPr>
+          <p:cNvPr id="22" name="CaixaDeTexto 21">
+            <a:extLst>
+              <a:ext uri="{FF2B5EF4-FFF2-40B4-BE49-F238E27FC236}">
+                <a16:creationId xmlns:a16="http://schemas.microsoft.com/office/drawing/2014/main" id="{E44070D2-B0A9-9F2D-FC45-9E4475F8A7DC}"/>
+              </a:ext>
+            </a:extLst>
+          </p:cNvPr>
+          <p:cNvSpPr txBox="1"/>
+          <p:nvPr/>
+        </p:nvSpPr>
+        <p:spPr>
+          <a:xfrm>
+            <a:off x="4322286" y="5417375"/>
+            <a:ext cx="1385957" cy="369332"/>
+          </a:xfrm>
+          <a:prstGeom prst="rect">
+            <a:avLst/>
+          </a:prstGeom>
+          <a:noFill/>
+        </p:spPr>
+        <p:txBody>
+          <a:bodyPr wrap="none" rtlCol="0">
+            <a:spAutoFit/>
+          </a:bodyPr>
+          <a:lstStyle/>
+          <a:p>
+            <a:r>
+              <a:rPr lang="pt-BR" dirty="0"/>
+              <a:t>Incremento: </a:t>
+            </a:r>
+            <a:endParaRPr lang="pt-BR" i="1" dirty="0"/>
+          </a:p>
+        </p:txBody>
+      </p:sp>
+      <p:sp>
+        <p:nvSpPr>
+          <p:cNvPr id="23" name="Retângulo Arredondado 22">
+            <a:extLst>
+              <a:ext uri="{FF2B5EF4-FFF2-40B4-BE49-F238E27FC236}">
+                <a16:creationId xmlns:a16="http://schemas.microsoft.com/office/drawing/2014/main" id="{AEEC403B-4EEB-E84D-DCEF-84D3EED8C0DB}"/>
+              </a:ext>
+            </a:extLst>
+          </p:cNvPr>
+          <p:cNvSpPr/>
+          <p:nvPr/>
+        </p:nvSpPr>
+        <p:spPr>
+          <a:xfrm>
+            <a:off x="4322286" y="5786707"/>
+            <a:ext cx="7126014" cy="846851"/>
+          </a:xfrm>
+          <a:prstGeom prst="roundRect">
+            <a:avLst>
+              <a:gd name="adj" fmla="val 8035"/>
+            </a:avLst>
+          </a:prstGeom>
+          <a:solidFill>
+            <a:schemeClr val="tx1"/>
+          </a:solidFill>
+        </p:spPr>
+        <p:style>
+          <a:lnRef idx="2">
+            <a:schemeClr val="accent1">
+              <a:shade val="15000"/>
+            </a:schemeClr>
+          </a:lnRef>
+          <a:fillRef idx="1">
+            <a:schemeClr val="accent1"/>
+          </a:fillRef>
+          <a:effectRef idx="0">
+            <a:schemeClr val="accent1"/>
+          </a:effectRef>
+          <a:fontRef idx="minor">
+            <a:schemeClr val="lt1"/>
+          </a:fontRef>
+        </p:style>
+        <p:txBody>
+          <a:bodyPr rtlCol="0" anchor="ctr"/>
+          <a:lstStyle/>
+          <a:p>
+            <a:r>
+              <a:rPr lang="pt-BR" sz="1400" dirty="0" err="1">
+                <a:solidFill>
+                  <a:srgbClr val="A0FA00"/>
+                </a:solidFill>
+                <a:latin typeface="Consolas" panose="020B0609020204030204" pitchFamily="49" charset="0"/>
+                <a:cs typeface="Consolas" panose="020B0609020204030204" pitchFamily="49" charset="0"/>
+              </a:rPr>
+              <a:t>let</a:t>
+            </a:r>
+            <a:r>
+              <a:rPr lang="pt-BR" sz="1400" dirty="0">
+                <a:solidFill>
+                  <a:srgbClr val="A0FA00"/>
+                </a:solidFill>
+                <a:latin typeface="Consolas" panose="020B0609020204030204" pitchFamily="49" charset="0"/>
+                <a:cs typeface="Consolas" panose="020B0609020204030204" pitchFamily="49" charset="0"/>
+              </a:rPr>
+              <a:t> </a:t>
+            </a:r>
+            <a:r>
+              <a:rPr lang="pt-BR" sz="1400" dirty="0" err="1">
+                <a:solidFill>
+                  <a:srgbClr val="A0FA00"/>
+                </a:solidFill>
+                <a:latin typeface="Consolas" panose="020B0609020204030204" pitchFamily="49" charset="0"/>
+                <a:cs typeface="Consolas" panose="020B0609020204030204" pitchFamily="49" charset="0"/>
+              </a:rPr>
+              <a:t>x</a:t>
+            </a:r>
+            <a:r>
+              <a:rPr lang="pt-BR" sz="1400" dirty="0">
+                <a:solidFill>
+                  <a:srgbClr val="A0FA00"/>
+                </a:solidFill>
+                <a:latin typeface="Consolas" panose="020B0609020204030204" pitchFamily="49" charset="0"/>
+                <a:cs typeface="Consolas" panose="020B0609020204030204" pitchFamily="49" charset="0"/>
+              </a:rPr>
+              <a:t> = 10;</a:t>
+            </a:r>
+          </a:p>
+          <a:p>
+            <a:r>
+              <a:rPr lang="pt-BR" sz="1400" dirty="0" err="1">
+                <a:solidFill>
+                  <a:srgbClr val="A0FA00"/>
+                </a:solidFill>
+                <a:latin typeface="Consolas" panose="020B0609020204030204" pitchFamily="49" charset="0"/>
+                <a:cs typeface="Consolas" panose="020B0609020204030204" pitchFamily="49" charset="0"/>
+              </a:rPr>
+              <a:t>x</a:t>
+            </a:r>
+            <a:r>
+              <a:rPr lang="pt-BR" sz="1400" dirty="0">
+                <a:solidFill>
+                  <a:srgbClr val="A0FA00"/>
+                </a:solidFill>
+                <a:latin typeface="Consolas" panose="020B0609020204030204" pitchFamily="49" charset="0"/>
+                <a:cs typeface="Consolas" panose="020B0609020204030204" pitchFamily="49" charset="0"/>
+              </a:rPr>
+              <a:t>++; </a:t>
+            </a:r>
+            <a:r>
+              <a:rPr lang="pt-BR" sz="1400" dirty="0">
+                <a:solidFill>
+                  <a:schemeClr val="accent5">
+                    <a:lumMod val="60000"/>
+                    <a:lumOff val="40000"/>
+                  </a:schemeClr>
+                </a:solidFill>
+                <a:latin typeface="Consolas" panose="020B0609020204030204" pitchFamily="49" charset="0"/>
+                <a:cs typeface="Consolas" panose="020B0609020204030204" pitchFamily="49" charset="0"/>
+              </a:rPr>
+              <a:t>//saída 11</a:t>
+            </a:r>
+            <a:endParaRPr lang="pt-BR" sz="1400" dirty="0">
+              <a:solidFill>
+                <a:srgbClr val="A0FA00"/>
+              </a:solidFill>
+              <a:latin typeface="Consolas" panose="020B0609020204030204" pitchFamily="49" charset="0"/>
+              <a:cs typeface="Consolas" panose="020B0609020204030204" pitchFamily="49" charset="0"/>
+            </a:endParaRPr>
+          </a:p>
+          <a:p>
+            <a:r>
+              <a:rPr lang="pt-BR" sz="1400" dirty="0" err="1">
+                <a:solidFill>
+                  <a:srgbClr val="A0FA00"/>
+                </a:solidFill>
+                <a:latin typeface="Consolas" panose="020B0609020204030204" pitchFamily="49" charset="0"/>
+                <a:cs typeface="Consolas" panose="020B0609020204030204" pitchFamily="49" charset="0"/>
+              </a:rPr>
+              <a:t>x</a:t>
+            </a:r>
+            <a:r>
+              <a:rPr lang="pt-BR" sz="1400" dirty="0">
+                <a:solidFill>
+                  <a:srgbClr val="A0FA00"/>
+                </a:solidFill>
+                <a:latin typeface="Consolas" panose="020B0609020204030204" pitchFamily="49" charset="0"/>
+                <a:cs typeface="Consolas" panose="020B0609020204030204" pitchFamily="49" charset="0"/>
+              </a:rPr>
+              <a:t>--; </a:t>
+            </a:r>
+            <a:r>
+              <a:rPr lang="pt-BR" sz="1400" dirty="0">
+                <a:solidFill>
+                  <a:schemeClr val="accent5">
+                    <a:lumMod val="60000"/>
+                    <a:lumOff val="40000"/>
+                  </a:schemeClr>
+                </a:solidFill>
+                <a:latin typeface="Consolas" panose="020B0609020204030204" pitchFamily="49" charset="0"/>
+                <a:cs typeface="Consolas" panose="020B0609020204030204" pitchFamily="49" charset="0"/>
+              </a:rPr>
+              <a:t>//saída 10</a:t>
+            </a:r>
+            <a:endParaRPr lang="pt-BR" sz="1400" dirty="0">
+              <a:solidFill>
+                <a:srgbClr val="A0FA00"/>
+              </a:solidFill>
+              <a:latin typeface="Consolas" panose="020B0609020204030204" pitchFamily="49" charset="0"/>
+              <a:cs typeface="Consolas" panose="020B0609020204030204" pitchFamily="49" charset="0"/>
+            </a:endParaRPr>
+          </a:p>
+        </p:txBody>
+      </p:sp>
+    </p:spTree>
+    <p:extLst>
+      <p:ext uri="{BB962C8B-B14F-4D97-AF65-F5344CB8AC3E}">
+        <p14:creationId xmlns:p14="http://schemas.microsoft.com/office/powerpoint/2010/main" val="811231832"/>
       </p:ext>
     </p:extLst>
   </p:cSld>
